--- a/Class Content/Day 3/JavaScript Lesson 3.pptx
+++ b/Class Content/Day 3/JavaScript Lesson 3.pptx
@@ -5,21 +5,41 @@
     <p:sldMasterId id="2147483659" r:id="rId1"/>
   </p:sldMasterIdLst>
   <p:notesMasterIdLst>
-    <p:notesMasterId r:id="rId4"/>
+    <p:notesMasterId r:id="rId24"/>
   </p:notesMasterIdLst>
   <p:sldIdLst>
     <p:sldId id="256" r:id="rId2"/>
-    <p:sldId id="274" r:id="rId3"/>
+    <p:sldId id="297" r:id="rId3"/>
+    <p:sldId id="298" r:id="rId4"/>
+    <p:sldId id="299" r:id="rId5"/>
+    <p:sldId id="300" r:id="rId6"/>
+    <p:sldId id="301" r:id="rId7"/>
+    <p:sldId id="302" r:id="rId8"/>
+    <p:sldId id="303" r:id="rId9"/>
+    <p:sldId id="304" r:id="rId10"/>
+    <p:sldId id="283" r:id="rId11"/>
+    <p:sldId id="305" r:id="rId12"/>
+    <p:sldId id="306" r:id="rId13"/>
+    <p:sldId id="307" r:id="rId14"/>
+    <p:sldId id="308" r:id="rId15"/>
+    <p:sldId id="309" r:id="rId16"/>
+    <p:sldId id="310" r:id="rId17"/>
+    <p:sldId id="311" r:id="rId18"/>
+    <p:sldId id="312" r:id="rId19"/>
+    <p:sldId id="313" r:id="rId20"/>
+    <p:sldId id="314" r:id="rId21"/>
+    <p:sldId id="315" r:id="rId22"/>
+    <p:sldId id="274" r:id="rId23"/>
   </p:sldIdLst>
   <p:sldSz cx="9144000" cy="5143500" type="screen16x9"/>
   <p:notesSz cx="6858000" cy="9144000"/>
   <p:embeddedFontLst>
     <p:embeddedFont>
       <p:font typeface="Roboto" panose="020B0604020202020204" charset="0"/>
-      <p:regular r:id="rId5"/>
-      <p:bold r:id="rId6"/>
-      <p:italic r:id="rId7"/>
-      <p:boldItalic r:id="rId8"/>
+      <p:regular r:id="rId25"/>
+      <p:bold r:id="rId26"/>
+      <p:italic r:id="rId27"/>
+      <p:boldItalic r:id="rId28"/>
     </p:embeddedFont>
   </p:embeddedFontLst>
   <p:defaultTextStyle>
@@ -268,6 +288,18 @@
     </p:ext>
   </p:extLst>
 </p:presentation>
+</file>
+
+<file path=ppt/commentAuthors.xml><?xml version="1.0" encoding="utf-8"?>
+<p:cmAuthorLst xmlns:a="http://schemas.openxmlformats.org/drawingml/2006/main" xmlns:r="http://schemas.openxmlformats.org/officeDocument/2006/relationships" xmlns:p="http://schemas.openxmlformats.org/presentationml/2006/main">
+  <p:cmAuthor id="1" name="Rafiul Islam" initials="RI" lastIdx="2" clrIdx="0">
+    <p:extLst>
+      <p:ext uri="{19B8F6BF-5375-455C-9EA6-DF929625EA0E}">
+        <p15:presenceInfo xmlns:p15="http://schemas.microsoft.com/office/powerpoint/2012/main" userId="Rafiul Islam" providerId="None"/>
+      </p:ext>
+    </p:extLst>
+  </p:cmAuthor>
+</p:cmAuthorLst>
 </file>
 
 <file path=ppt/notesMasters/notesMaster1.xml><?xml version="1.0" encoding="utf-8"?>
@@ -803,7 +835,7 @@
               </a:spcAft>
               <a:buNone/>
             </a:pPr>
-            <a:endParaRPr/>
+            <a:endParaRPr dirty="0"/>
           </a:p>
         </p:txBody>
       </p:sp>
@@ -1455,388 +1487,7 @@
 </p:sldLayout>
 </file>
 
-<file path=ppt/slideLayouts/slideLayout10.xml><?xml version="1.0" encoding="utf-8"?>
-<p:sldLayout xmlns:a="http://schemas.openxmlformats.org/drawingml/2006/main" xmlns:r="http://schemas.openxmlformats.org/officeDocument/2006/relationships" xmlns:p="http://schemas.openxmlformats.org/presentationml/2006/main" matchingName="Blank" type="blank">
-  <p:cSld name="BLANK">
-    <p:bg>
-      <p:bgPr>
-        <a:solidFill>
-          <a:schemeClr val="accent4"/>
-        </a:solidFill>
-        <a:effectLst/>
-      </p:bgPr>
-    </p:bg>
-    <p:spTree>
-      <p:nvGrpSpPr>
-        <p:cNvPr id="1" name="Shape 61"/>
-        <p:cNvGrpSpPr/>
-        <p:nvPr/>
-      </p:nvGrpSpPr>
-      <p:grpSpPr>
-        <a:xfrm>
-          <a:off x="0" y="0"/>
-          <a:ext cx="0" cy="0"/>
-          <a:chOff x="0" y="0"/>
-          <a:chExt cx="0" cy="0"/>
-        </a:xfrm>
-      </p:grpSpPr>
-      <p:sp>
-        <p:nvSpPr>
-          <p:cNvPr id="62" name="Google Shape;62;p12"/>
-          <p:cNvSpPr txBox="1">
-            <a:spLocks noGrp="1"/>
-          </p:cNvSpPr>
-          <p:nvPr>
-            <p:ph type="sldNum" idx="12"/>
-          </p:nvPr>
-        </p:nvSpPr>
-        <p:spPr>
-          <a:xfrm>
-            <a:off x="8523541" y="4695623"/>
-            <a:ext cx="548700" cy="393600"/>
-          </a:xfrm>
-          <a:prstGeom prst="rect">
-            <a:avLst/>
-          </a:prstGeom>
-        </p:spPr>
-        <p:txBody>
-          <a:bodyPr spcFirstLastPara="1" wrap="square" lIns="91425" tIns="91425" rIns="91425" bIns="91425" anchor="ctr" anchorCtr="0">
-            <a:noAutofit/>
-          </a:bodyPr>
-          <a:lstStyle>
-            <a:lvl1pPr lvl="0">
-              <a:buNone/>
-              <a:defRPr/>
-            </a:lvl1pPr>
-            <a:lvl2pPr lvl="1">
-              <a:buNone/>
-              <a:defRPr/>
-            </a:lvl2pPr>
-            <a:lvl3pPr lvl="2">
-              <a:buNone/>
-              <a:defRPr/>
-            </a:lvl3pPr>
-            <a:lvl4pPr lvl="3">
-              <a:buNone/>
-              <a:defRPr/>
-            </a:lvl4pPr>
-            <a:lvl5pPr lvl="4">
-              <a:buNone/>
-              <a:defRPr/>
-            </a:lvl5pPr>
-            <a:lvl6pPr lvl="5">
-              <a:buNone/>
-              <a:defRPr/>
-            </a:lvl6pPr>
-            <a:lvl7pPr lvl="6">
-              <a:buNone/>
-              <a:defRPr/>
-            </a:lvl7pPr>
-            <a:lvl8pPr lvl="7">
-              <a:buNone/>
-              <a:defRPr/>
-            </a:lvl8pPr>
-            <a:lvl9pPr lvl="8">
-              <a:buNone/>
-              <a:defRPr/>
-            </a:lvl9pPr>
-          </a:lstStyle>
-          <a:p>
-            <a:pPr marL="0" lvl="0" indent="0" algn="r" rtl="0">
-              <a:spcBef>
-                <a:spcPts val="0"/>
-              </a:spcBef>
-              <a:spcAft>
-                <a:spcPts val="0"/>
-              </a:spcAft>
-              <a:buNone/>
-            </a:pPr>
-            <a:fld id="{00000000-1234-1234-1234-123412341234}" type="slidenum">
-              <a:rPr lang="en"/>
-              <a:t>‹#›</a:t>
-            </a:fld>
-            <a:endParaRPr/>
-          </a:p>
-        </p:txBody>
-      </p:sp>
-    </p:spTree>
-  </p:cSld>
-  <p:clrMapOvr>
-    <a:masterClrMapping/>
-  </p:clrMapOvr>
-</p:sldLayout>
-</file>
-
 <file path=ppt/slideLayouts/slideLayout2.xml><?xml version="1.0" encoding="utf-8"?>
-<p:sldLayout xmlns:a="http://schemas.openxmlformats.org/drawingml/2006/main" xmlns:r="http://schemas.openxmlformats.org/officeDocument/2006/relationships" xmlns:p="http://schemas.openxmlformats.org/presentationml/2006/main" matchingName="Section header" type="secHead">
-  <p:cSld name="SECTION_HEADER">
-    <p:spTree>
-      <p:nvGrpSpPr>
-        <p:cNvPr id="1" name="Shape 15"/>
-        <p:cNvGrpSpPr/>
-        <p:nvPr/>
-      </p:nvGrpSpPr>
-      <p:grpSpPr>
-        <a:xfrm>
-          <a:off x="0" y="0"/>
-          <a:ext cx="0" cy="0"/>
-          <a:chOff x="0" y="0"/>
-          <a:chExt cx="0" cy="0"/>
-        </a:xfrm>
-      </p:grpSpPr>
-      <p:sp>
-        <p:nvSpPr>
-          <p:cNvPr id="16" name="Google Shape;16;p3"/>
-          <p:cNvSpPr txBox="1">
-            <a:spLocks noGrp="1"/>
-          </p:cNvSpPr>
-          <p:nvPr>
-            <p:ph type="title"/>
-          </p:nvPr>
-        </p:nvSpPr>
-        <p:spPr>
-          <a:xfrm>
-            <a:off x="460950" y="2065350"/>
-            <a:ext cx="8222100" cy="1012800"/>
-          </a:xfrm>
-          <a:prstGeom prst="rect">
-            <a:avLst/>
-          </a:prstGeom>
-        </p:spPr>
-        <p:txBody>
-          <a:bodyPr spcFirstLastPara="1" wrap="square" lIns="91425" tIns="91425" rIns="91425" bIns="91425" anchor="ctr" anchorCtr="0">
-            <a:noAutofit/>
-          </a:bodyPr>
-          <a:lstStyle>
-            <a:lvl1pPr lvl="0">
-              <a:spcBef>
-                <a:spcPts val="0"/>
-              </a:spcBef>
-              <a:spcAft>
-                <a:spcPts val="0"/>
-              </a:spcAft>
-              <a:buSzPts val="4200"/>
-              <a:buNone/>
-              <a:defRPr sz="4200"/>
-            </a:lvl1pPr>
-            <a:lvl2pPr lvl="1">
-              <a:spcBef>
-                <a:spcPts val="0"/>
-              </a:spcBef>
-              <a:spcAft>
-                <a:spcPts val="0"/>
-              </a:spcAft>
-              <a:buSzPts val="4200"/>
-              <a:buNone/>
-              <a:defRPr sz="4200"/>
-            </a:lvl2pPr>
-            <a:lvl3pPr lvl="2">
-              <a:spcBef>
-                <a:spcPts val="0"/>
-              </a:spcBef>
-              <a:spcAft>
-                <a:spcPts val="0"/>
-              </a:spcAft>
-              <a:buSzPts val="4200"/>
-              <a:buNone/>
-              <a:defRPr sz="4200"/>
-            </a:lvl3pPr>
-            <a:lvl4pPr lvl="3">
-              <a:spcBef>
-                <a:spcPts val="0"/>
-              </a:spcBef>
-              <a:spcAft>
-                <a:spcPts val="0"/>
-              </a:spcAft>
-              <a:buSzPts val="4200"/>
-              <a:buNone/>
-              <a:defRPr sz="4200"/>
-            </a:lvl4pPr>
-            <a:lvl5pPr lvl="4">
-              <a:spcBef>
-                <a:spcPts val="0"/>
-              </a:spcBef>
-              <a:spcAft>
-                <a:spcPts val="0"/>
-              </a:spcAft>
-              <a:buSzPts val="4200"/>
-              <a:buNone/>
-              <a:defRPr sz="4200"/>
-            </a:lvl5pPr>
-            <a:lvl6pPr lvl="5">
-              <a:spcBef>
-                <a:spcPts val="0"/>
-              </a:spcBef>
-              <a:spcAft>
-                <a:spcPts val="0"/>
-              </a:spcAft>
-              <a:buSzPts val="4200"/>
-              <a:buNone/>
-              <a:defRPr sz="4200"/>
-            </a:lvl6pPr>
-            <a:lvl7pPr lvl="6">
-              <a:spcBef>
-                <a:spcPts val="0"/>
-              </a:spcBef>
-              <a:spcAft>
-                <a:spcPts val="0"/>
-              </a:spcAft>
-              <a:buSzPts val="4200"/>
-              <a:buNone/>
-              <a:defRPr sz="4200"/>
-            </a:lvl7pPr>
-            <a:lvl8pPr lvl="7">
-              <a:spcBef>
-                <a:spcPts val="0"/>
-              </a:spcBef>
-              <a:spcAft>
-                <a:spcPts val="0"/>
-              </a:spcAft>
-              <a:buSzPts val="4200"/>
-              <a:buNone/>
-              <a:defRPr sz="4200"/>
-            </a:lvl8pPr>
-            <a:lvl9pPr lvl="8">
-              <a:spcBef>
-                <a:spcPts val="0"/>
-              </a:spcBef>
-              <a:spcAft>
-                <a:spcPts val="0"/>
-              </a:spcAft>
-              <a:buSzPts val="4200"/>
-              <a:buNone/>
-              <a:defRPr sz="4200"/>
-            </a:lvl9pPr>
-          </a:lstStyle>
-          <a:p>
-            <a:endParaRPr/>
-          </a:p>
-        </p:txBody>
-      </p:sp>
-      <p:sp>
-        <p:nvSpPr>
-          <p:cNvPr id="17" name="Google Shape;17;p3"/>
-          <p:cNvSpPr txBox="1">
-            <a:spLocks noGrp="1"/>
-          </p:cNvSpPr>
-          <p:nvPr>
-            <p:ph type="sldNum" idx="12"/>
-          </p:nvPr>
-        </p:nvSpPr>
-        <p:spPr>
-          <a:xfrm>
-            <a:off x="8523541" y="4695623"/>
-            <a:ext cx="548700" cy="393600"/>
-          </a:xfrm>
-          <a:prstGeom prst="rect">
-            <a:avLst/>
-          </a:prstGeom>
-        </p:spPr>
-        <p:txBody>
-          <a:bodyPr spcFirstLastPara="1" wrap="square" lIns="91425" tIns="91425" rIns="91425" bIns="91425" anchor="ctr" anchorCtr="0">
-            <a:noAutofit/>
-          </a:bodyPr>
-          <a:lstStyle>
-            <a:lvl1pPr lvl="0">
-              <a:buNone/>
-              <a:defRPr>
-                <a:solidFill>
-                  <a:schemeClr val="lt1"/>
-                </a:solidFill>
-              </a:defRPr>
-            </a:lvl1pPr>
-            <a:lvl2pPr lvl="1">
-              <a:buNone/>
-              <a:defRPr>
-                <a:solidFill>
-                  <a:schemeClr val="lt1"/>
-                </a:solidFill>
-              </a:defRPr>
-            </a:lvl2pPr>
-            <a:lvl3pPr lvl="2">
-              <a:buNone/>
-              <a:defRPr>
-                <a:solidFill>
-                  <a:schemeClr val="lt1"/>
-                </a:solidFill>
-              </a:defRPr>
-            </a:lvl3pPr>
-            <a:lvl4pPr lvl="3">
-              <a:buNone/>
-              <a:defRPr>
-                <a:solidFill>
-                  <a:schemeClr val="lt1"/>
-                </a:solidFill>
-              </a:defRPr>
-            </a:lvl4pPr>
-            <a:lvl5pPr lvl="4">
-              <a:buNone/>
-              <a:defRPr>
-                <a:solidFill>
-                  <a:schemeClr val="lt1"/>
-                </a:solidFill>
-              </a:defRPr>
-            </a:lvl5pPr>
-            <a:lvl6pPr lvl="5">
-              <a:buNone/>
-              <a:defRPr>
-                <a:solidFill>
-                  <a:schemeClr val="lt1"/>
-                </a:solidFill>
-              </a:defRPr>
-            </a:lvl6pPr>
-            <a:lvl7pPr lvl="6">
-              <a:buNone/>
-              <a:defRPr>
-                <a:solidFill>
-                  <a:schemeClr val="lt1"/>
-                </a:solidFill>
-              </a:defRPr>
-            </a:lvl7pPr>
-            <a:lvl8pPr lvl="7">
-              <a:buNone/>
-              <a:defRPr>
-                <a:solidFill>
-                  <a:schemeClr val="lt1"/>
-                </a:solidFill>
-              </a:defRPr>
-            </a:lvl8pPr>
-            <a:lvl9pPr lvl="8">
-              <a:buNone/>
-              <a:defRPr>
-                <a:solidFill>
-                  <a:schemeClr val="lt1"/>
-                </a:solidFill>
-              </a:defRPr>
-            </a:lvl9pPr>
-          </a:lstStyle>
-          <a:p>
-            <a:pPr marL="0" lvl="0" indent="0" algn="r" rtl="0">
-              <a:spcBef>
-                <a:spcPts val="0"/>
-              </a:spcBef>
-              <a:spcAft>
-                <a:spcPts val="0"/>
-              </a:spcAft>
-              <a:buNone/>
-            </a:pPr>
-            <a:fld id="{00000000-1234-1234-1234-123412341234}" type="slidenum">
-              <a:rPr lang="en"/>
-              <a:t>‹#›</a:t>
-            </a:fld>
-            <a:endParaRPr/>
-          </a:p>
-        </p:txBody>
-      </p:sp>
-    </p:spTree>
-  </p:cSld>
-  <p:clrMapOvr>
-    <a:masterClrMapping/>
-  </p:clrMapOvr>
-</p:sldLayout>
-</file>
-
-<file path=ppt/slideLayouts/slideLayout3.xml><?xml version="1.0" encoding="utf-8"?>
 <p:sldLayout xmlns:a="http://schemas.openxmlformats.org/drawingml/2006/main" xmlns:r="http://schemas.openxmlformats.org/officeDocument/2006/relationships" xmlns:p="http://schemas.openxmlformats.org/presentationml/2006/main" matchingName="Title and body" type="tx">
   <p:cSld name="TITLE_AND_BODY">
     <p:spTree>
@@ -2292,7 +1943,7 @@
 </p:sldLayout>
 </file>
 
-<file path=ppt/slideLayouts/slideLayout4.xml><?xml version="1.0" encoding="utf-8"?>
+<file path=ppt/slideLayouts/slideLayout3.xml><?xml version="1.0" encoding="utf-8"?>
 <p:sldLayout xmlns:a="http://schemas.openxmlformats.org/drawingml/2006/main" xmlns:r="http://schemas.openxmlformats.org/officeDocument/2006/relationships" xmlns:p="http://schemas.openxmlformats.org/presentationml/2006/main" matchingName="Title and two columns" type="twoColTx">
   <p:cSld name="TITLE_AND_TWO_COLUMNS">
     <p:spTree>
@@ -2877,7 +2528,7 @@
 </p:sldLayout>
 </file>
 
-<file path=ppt/slideLayouts/slideLayout5.xml><?xml version="1.0" encoding="utf-8"?>
+<file path=ppt/slideLayouts/slideLayout4.xml><?xml version="1.0" encoding="utf-8"?>
 <p:sldLayout xmlns:a="http://schemas.openxmlformats.org/drawingml/2006/main" xmlns:r="http://schemas.openxmlformats.org/officeDocument/2006/relationships" xmlns:p="http://schemas.openxmlformats.org/presentationml/2006/main" matchingName="One column text">
   <p:cSld name="ONE_COLUMN_TEXT">
     <p:spTree>
@@ -3396,276 +3047,7 @@
 </p:sldLayout>
 </file>
 
-<file path=ppt/slideLayouts/slideLayout6.xml><?xml version="1.0" encoding="utf-8"?>
-<p:sldLayout xmlns:a="http://schemas.openxmlformats.org/drawingml/2006/main" xmlns:r="http://schemas.openxmlformats.org/officeDocument/2006/relationships" xmlns:p="http://schemas.openxmlformats.org/presentationml/2006/main" matchingName="Main point">
-  <p:cSld name="MAIN_POINT">
-    <p:spTree>
-      <p:nvGrpSpPr>
-        <p:cNvPr id="1" name="Shape 42"/>
-        <p:cNvGrpSpPr/>
-        <p:nvPr/>
-      </p:nvGrpSpPr>
-      <p:grpSpPr>
-        <a:xfrm>
-          <a:off x="0" y="0"/>
-          <a:ext cx="0" cy="0"/>
-          <a:chOff x="0" y="0"/>
-          <a:chExt cx="0" cy="0"/>
-        </a:xfrm>
-      </p:grpSpPr>
-      <p:sp>
-        <p:nvSpPr>
-          <p:cNvPr id="43" name="Google Shape;43;p8"/>
-          <p:cNvSpPr txBox="1">
-            <a:spLocks noGrp="1"/>
-          </p:cNvSpPr>
-          <p:nvPr>
-            <p:ph type="title"/>
-          </p:nvPr>
-        </p:nvSpPr>
-        <p:spPr>
-          <a:xfrm>
-            <a:off x="490250" y="488250"/>
-            <a:ext cx="6227100" cy="4090800"/>
-          </a:xfrm>
-          <a:prstGeom prst="rect">
-            <a:avLst/>
-          </a:prstGeom>
-        </p:spPr>
-        <p:txBody>
-          <a:bodyPr spcFirstLastPara="1" wrap="square" lIns="91425" tIns="91425" rIns="91425" bIns="91425" anchor="ctr" anchorCtr="0">
-            <a:noAutofit/>
-          </a:bodyPr>
-          <a:lstStyle>
-            <a:lvl1pPr lvl="0">
-              <a:spcBef>
-                <a:spcPts val="0"/>
-              </a:spcBef>
-              <a:spcAft>
-                <a:spcPts val="0"/>
-              </a:spcAft>
-              <a:buSzPts val="6000"/>
-              <a:buNone/>
-              <a:defRPr sz="6000"/>
-            </a:lvl1pPr>
-            <a:lvl2pPr lvl="1">
-              <a:spcBef>
-                <a:spcPts val="0"/>
-              </a:spcBef>
-              <a:spcAft>
-                <a:spcPts val="0"/>
-              </a:spcAft>
-              <a:buSzPts val="6000"/>
-              <a:buNone/>
-              <a:defRPr sz="6000"/>
-            </a:lvl2pPr>
-            <a:lvl3pPr lvl="2">
-              <a:spcBef>
-                <a:spcPts val="0"/>
-              </a:spcBef>
-              <a:spcAft>
-                <a:spcPts val="0"/>
-              </a:spcAft>
-              <a:buSzPts val="6000"/>
-              <a:buNone/>
-              <a:defRPr sz="6000"/>
-            </a:lvl3pPr>
-            <a:lvl4pPr lvl="3">
-              <a:spcBef>
-                <a:spcPts val="0"/>
-              </a:spcBef>
-              <a:spcAft>
-                <a:spcPts val="0"/>
-              </a:spcAft>
-              <a:buSzPts val="6000"/>
-              <a:buNone/>
-              <a:defRPr sz="6000"/>
-            </a:lvl4pPr>
-            <a:lvl5pPr lvl="4">
-              <a:spcBef>
-                <a:spcPts val="0"/>
-              </a:spcBef>
-              <a:spcAft>
-                <a:spcPts val="0"/>
-              </a:spcAft>
-              <a:buSzPts val="6000"/>
-              <a:buNone/>
-              <a:defRPr sz="6000"/>
-            </a:lvl5pPr>
-            <a:lvl6pPr lvl="5">
-              <a:spcBef>
-                <a:spcPts val="0"/>
-              </a:spcBef>
-              <a:spcAft>
-                <a:spcPts val="0"/>
-              </a:spcAft>
-              <a:buSzPts val="6000"/>
-              <a:buNone/>
-              <a:defRPr sz="6000"/>
-            </a:lvl6pPr>
-            <a:lvl7pPr lvl="6">
-              <a:spcBef>
-                <a:spcPts val="0"/>
-              </a:spcBef>
-              <a:spcAft>
-                <a:spcPts val="0"/>
-              </a:spcAft>
-              <a:buSzPts val="6000"/>
-              <a:buNone/>
-              <a:defRPr sz="6000"/>
-            </a:lvl7pPr>
-            <a:lvl8pPr lvl="7">
-              <a:spcBef>
-                <a:spcPts val="0"/>
-              </a:spcBef>
-              <a:spcAft>
-                <a:spcPts val="0"/>
-              </a:spcAft>
-              <a:buSzPts val="6000"/>
-              <a:buNone/>
-              <a:defRPr sz="6000"/>
-            </a:lvl8pPr>
-            <a:lvl9pPr lvl="8">
-              <a:spcBef>
-                <a:spcPts val="0"/>
-              </a:spcBef>
-              <a:spcAft>
-                <a:spcPts val="0"/>
-              </a:spcAft>
-              <a:buSzPts val="6000"/>
-              <a:buNone/>
-              <a:defRPr sz="6000"/>
-            </a:lvl9pPr>
-          </a:lstStyle>
-          <a:p>
-            <a:endParaRPr/>
-          </a:p>
-        </p:txBody>
-      </p:sp>
-      <p:sp>
-        <p:nvSpPr>
-          <p:cNvPr id="44" name="Google Shape;44;p8"/>
-          <p:cNvSpPr txBox="1">
-            <a:spLocks noGrp="1"/>
-          </p:cNvSpPr>
-          <p:nvPr>
-            <p:ph type="sldNum" idx="12"/>
-          </p:nvPr>
-        </p:nvSpPr>
-        <p:spPr>
-          <a:xfrm>
-            <a:off x="8523541" y="4695623"/>
-            <a:ext cx="548700" cy="393600"/>
-          </a:xfrm>
-          <a:prstGeom prst="rect">
-            <a:avLst/>
-          </a:prstGeom>
-        </p:spPr>
-        <p:txBody>
-          <a:bodyPr spcFirstLastPara="1" wrap="square" lIns="91425" tIns="91425" rIns="91425" bIns="91425" anchor="ctr" anchorCtr="0">
-            <a:noAutofit/>
-          </a:bodyPr>
-          <a:lstStyle>
-            <a:lvl1pPr lvl="0">
-              <a:buNone/>
-              <a:defRPr>
-                <a:solidFill>
-                  <a:schemeClr val="lt1"/>
-                </a:solidFill>
-              </a:defRPr>
-            </a:lvl1pPr>
-            <a:lvl2pPr lvl="1">
-              <a:buNone/>
-              <a:defRPr>
-                <a:solidFill>
-                  <a:schemeClr val="lt1"/>
-                </a:solidFill>
-              </a:defRPr>
-            </a:lvl2pPr>
-            <a:lvl3pPr lvl="2">
-              <a:buNone/>
-              <a:defRPr>
-                <a:solidFill>
-                  <a:schemeClr val="lt1"/>
-                </a:solidFill>
-              </a:defRPr>
-            </a:lvl3pPr>
-            <a:lvl4pPr lvl="3">
-              <a:buNone/>
-              <a:defRPr>
-                <a:solidFill>
-                  <a:schemeClr val="lt1"/>
-                </a:solidFill>
-              </a:defRPr>
-            </a:lvl4pPr>
-            <a:lvl5pPr lvl="4">
-              <a:buNone/>
-              <a:defRPr>
-                <a:solidFill>
-                  <a:schemeClr val="lt1"/>
-                </a:solidFill>
-              </a:defRPr>
-            </a:lvl5pPr>
-            <a:lvl6pPr lvl="5">
-              <a:buNone/>
-              <a:defRPr>
-                <a:solidFill>
-                  <a:schemeClr val="lt1"/>
-                </a:solidFill>
-              </a:defRPr>
-            </a:lvl6pPr>
-            <a:lvl7pPr lvl="6">
-              <a:buNone/>
-              <a:defRPr>
-                <a:solidFill>
-                  <a:schemeClr val="lt1"/>
-                </a:solidFill>
-              </a:defRPr>
-            </a:lvl7pPr>
-            <a:lvl8pPr lvl="7">
-              <a:buNone/>
-              <a:defRPr>
-                <a:solidFill>
-                  <a:schemeClr val="lt1"/>
-                </a:solidFill>
-              </a:defRPr>
-            </a:lvl8pPr>
-            <a:lvl9pPr lvl="8">
-              <a:buNone/>
-              <a:defRPr>
-                <a:solidFill>
-                  <a:schemeClr val="lt1"/>
-                </a:solidFill>
-              </a:defRPr>
-            </a:lvl9pPr>
-          </a:lstStyle>
-          <a:p>
-            <a:pPr marL="0" lvl="0" indent="0" algn="r" rtl="0">
-              <a:spcBef>
-                <a:spcPts val="0"/>
-              </a:spcBef>
-              <a:spcAft>
-                <a:spcPts val="0"/>
-              </a:spcAft>
-              <a:buNone/>
-            </a:pPr>
-            <a:fld id="{00000000-1234-1234-1234-123412341234}" type="slidenum">
-              <a:rPr lang="en"/>
-              <a:t>‹#›</a:t>
-            </a:fld>
-            <a:endParaRPr/>
-          </a:p>
-        </p:txBody>
-      </p:sp>
-    </p:spTree>
-  </p:cSld>
-  <p:clrMapOvr>
-    <a:masterClrMapping/>
-  </p:clrMapOvr>
-</p:sldLayout>
-</file>
-
-<file path=ppt/slideLayouts/slideLayout7.xml><?xml version="1.0" encoding="utf-8"?>
+<file path=ppt/slideLayouts/slideLayout5.xml><?xml version="1.0" encoding="utf-8"?>
 <p:sldLayout xmlns:a="http://schemas.openxmlformats.org/drawingml/2006/main" xmlns:r="http://schemas.openxmlformats.org/officeDocument/2006/relationships" xmlns:p="http://schemas.openxmlformats.org/presentationml/2006/main" matchingName="Section title and description">
   <p:cSld name="SECTION_TITLE_AND_DESCRIPTION">
     <p:spTree>
@@ -4439,7 +3821,7 @@
 </p:sldLayout>
 </file>
 
-<file path=ppt/slideLayouts/slideLayout8.xml><?xml version="1.0" encoding="utf-8"?>
+<file path=ppt/slideLayouts/slideLayout6.xml><?xml version="1.0" encoding="utf-8"?>
 <p:sldLayout xmlns:a="http://schemas.openxmlformats.org/drawingml/2006/main" xmlns:r="http://schemas.openxmlformats.org/officeDocument/2006/relationships" xmlns:p="http://schemas.openxmlformats.org/presentationml/2006/main" matchingName="Caption">
   <p:cSld name="CAPTION_ONLY">
     <p:spTree>
@@ -4724,7 +4106,7 @@
 </p:sldLayout>
 </file>
 
-<file path=ppt/slideLayouts/slideLayout9.xml><?xml version="1.0" encoding="utf-8"?>
+<file path=ppt/slideLayouts/slideLayout7.xml><?xml version="1.0" encoding="utf-8"?>
 <p:sldLayout xmlns:a="http://schemas.openxmlformats.org/drawingml/2006/main" xmlns:r="http://schemas.openxmlformats.org/officeDocument/2006/relationships" xmlns:p="http://schemas.openxmlformats.org/presentationml/2006/main" matchingName="Big number">
   <p:cSld name="BIG_NUMBER">
     <p:bg>
@@ -5075,6 +4457,118 @@
       <p:sp>
         <p:nvSpPr>
           <p:cNvPr id="60" name="Google Shape;60;p11"/>
+          <p:cNvSpPr txBox="1">
+            <a:spLocks noGrp="1"/>
+          </p:cNvSpPr>
+          <p:nvPr>
+            <p:ph type="sldNum" idx="12"/>
+          </p:nvPr>
+        </p:nvSpPr>
+        <p:spPr>
+          <a:xfrm>
+            <a:off x="8523541" y="4695623"/>
+            <a:ext cx="548700" cy="393600"/>
+          </a:xfrm>
+          <a:prstGeom prst="rect">
+            <a:avLst/>
+          </a:prstGeom>
+        </p:spPr>
+        <p:txBody>
+          <a:bodyPr spcFirstLastPara="1" wrap="square" lIns="91425" tIns="91425" rIns="91425" bIns="91425" anchor="ctr" anchorCtr="0">
+            <a:noAutofit/>
+          </a:bodyPr>
+          <a:lstStyle>
+            <a:lvl1pPr lvl="0">
+              <a:buNone/>
+              <a:defRPr/>
+            </a:lvl1pPr>
+            <a:lvl2pPr lvl="1">
+              <a:buNone/>
+              <a:defRPr/>
+            </a:lvl2pPr>
+            <a:lvl3pPr lvl="2">
+              <a:buNone/>
+              <a:defRPr/>
+            </a:lvl3pPr>
+            <a:lvl4pPr lvl="3">
+              <a:buNone/>
+              <a:defRPr/>
+            </a:lvl4pPr>
+            <a:lvl5pPr lvl="4">
+              <a:buNone/>
+              <a:defRPr/>
+            </a:lvl5pPr>
+            <a:lvl6pPr lvl="5">
+              <a:buNone/>
+              <a:defRPr/>
+            </a:lvl6pPr>
+            <a:lvl7pPr lvl="6">
+              <a:buNone/>
+              <a:defRPr/>
+            </a:lvl7pPr>
+            <a:lvl8pPr lvl="7">
+              <a:buNone/>
+              <a:defRPr/>
+            </a:lvl8pPr>
+            <a:lvl9pPr lvl="8">
+              <a:buNone/>
+              <a:defRPr/>
+            </a:lvl9pPr>
+          </a:lstStyle>
+          <a:p>
+            <a:pPr marL="0" lvl="0" indent="0" algn="r" rtl="0">
+              <a:spcBef>
+                <a:spcPts val="0"/>
+              </a:spcBef>
+              <a:spcAft>
+                <a:spcPts val="0"/>
+              </a:spcAft>
+              <a:buNone/>
+            </a:pPr>
+            <a:fld id="{00000000-1234-1234-1234-123412341234}" type="slidenum">
+              <a:rPr lang="en"/>
+              <a:t>‹#›</a:t>
+            </a:fld>
+            <a:endParaRPr/>
+          </a:p>
+        </p:txBody>
+      </p:sp>
+    </p:spTree>
+  </p:cSld>
+  <p:clrMapOvr>
+    <a:masterClrMapping/>
+  </p:clrMapOvr>
+</p:sldLayout>
+</file>
+
+<file path=ppt/slideLayouts/slideLayout8.xml><?xml version="1.0" encoding="utf-8"?>
+<p:sldLayout xmlns:a="http://schemas.openxmlformats.org/drawingml/2006/main" xmlns:r="http://schemas.openxmlformats.org/officeDocument/2006/relationships" xmlns:p="http://schemas.openxmlformats.org/presentationml/2006/main" matchingName="Blank" type="blank">
+  <p:cSld name="BLANK">
+    <p:bg>
+      <p:bgPr>
+        <a:solidFill>
+          <a:schemeClr val="accent4"/>
+        </a:solidFill>
+        <a:effectLst/>
+      </p:bgPr>
+    </p:bg>
+    <p:spTree>
+      <p:nvGrpSpPr>
+        <p:cNvPr id="1" name="Shape 61"/>
+        <p:cNvGrpSpPr/>
+        <p:nvPr/>
+      </p:nvGrpSpPr>
+      <p:grpSpPr>
+        <a:xfrm>
+          <a:off x="0" y="0"/>
+          <a:ext cx="0" cy="0"/>
+          <a:chOff x="0" y="0"/>
+          <a:chExt cx="0" cy="0"/>
+        </a:xfrm>
+      </p:grpSpPr>
+      <p:sp>
+        <p:nvSpPr>
+          <p:cNvPr id="62" name="Google Shape;62;p12"/>
           <p:cNvSpPr txBox="1">
             <a:spLocks noGrp="1"/>
           </p:cNvSpPr>
@@ -5853,15 +5347,13 @@
   <p:clrMap bg1="lt1" tx1="dk1" bg2="dk2" tx2="lt2" accent1="accent1" accent2="accent2" accent3="accent3" accent4="accent4" accent5="accent5" accent6="accent6" hlink="hlink" folHlink="folHlink"/>
   <p:sldLayoutIdLst>
     <p:sldLayoutId id="2147483648" r:id="rId1"/>
-    <p:sldLayoutId id="2147483649" r:id="rId2"/>
-    <p:sldLayoutId id="2147483650" r:id="rId3"/>
-    <p:sldLayoutId id="2147483651" r:id="rId4"/>
-    <p:sldLayoutId id="2147483653" r:id="rId5"/>
-    <p:sldLayoutId id="2147483654" r:id="rId6"/>
-    <p:sldLayoutId id="2147483655" r:id="rId7"/>
-    <p:sldLayoutId id="2147483656" r:id="rId8"/>
-    <p:sldLayoutId id="2147483657" r:id="rId9"/>
-    <p:sldLayoutId id="2147483658" r:id="rId10"/>
+    <p:sldLayoutId id="2147483650" r:id="rId2"/>
+    <p:sldLayoutId id="2147483651" r:id="rId3"/>
+    <p:sldLayoutId id="2147483653" r:id="rId4"/>
+    <p:sldLayoutId id="2147483655" r:id="rId5"/>
+    <p:sldLayoutId id="2147483656" r:id="rId6"/>
+    <p:sldLayoutId id="2147483657" r:id="rId7"/>
+    <p:sldLayoutId id="2147483658" r:id="rId8"/>
   </p:sldLayoutIdLst>
   <p:hf sldNum="0" hdr="0" ftr="0" dt="0"/>
   <p:txStyles>
@@ -7024,7 +6516,3173 @@
 </p:sld>
 </file>
 
+<file path=ppt/slides/slide10.xml><?xml version="1.0" encoding="utf-8"?>
+<p:sld xmlns:a="http://schemas.openxmlformats.org/drawingml/2006/main" xmlns:r="http://schemas.openxmlformats.org/officeDocument/2006/relationships" xmlns:p="http://schemas.openxmlformats.org/presentationml/2006/main">
+  <p:cSld>
+    <p:spTree>
+      <p:nvGrpSpPr>
+        <p:cNvPr id="1" name=""/>
+        <p:cNvGrpSpPr/>
+        <p:nvPr/>
+      </p:nvGrpSpPr>
+      <p:grpSpPr>
+        <a:xfrm>
+          <a:off x="0" y="0"/>
+          <a:ext cx="0" cy="0"/>
+          <a:chOff x="0" y="0"/>
+          <a:chExt cx="0" cy="0"/>
+        </a:xfrm>
+      </p:grpSpPr>
+      <p:pic>
+        <p:nvPicPr>
+          <p:cNvPr id="3" name="Picture 2">
+            <a:extLst>
+              <a:ext uri="{FF2B5EF4-FFF2-40B4-BE49-F238E27FC236}">
+                <a16:creationId xmlns:a16="http://schemas.microsoft.com/office/drawing/2014/main" id="{FC09A936-182D-4BC7-BB18-BD1FEAE69301}"/>
+              </a:ext>
+            </a:extLst>
+          </p:cNvPr>
+          <p:cNvPicPr>
+            <a:picLocks noChangeAspect="1"/>
+          </p:cNvPicPr>
+          <p:nvPr/>
+        </p:nvPicPr>
+        <p:blipFill>
+          <a:blip r:embed="rId2"/>
+          <a:stretch>
+            <a:fillRect/>
+          </a:stretch>
+        </p:blipFill>
+        <p:spPr>
+          <a:xfrm>
+            <a:off x="185897" y="615359"/>
+            <a:ext cx="8772205" cy="3912781"/>
+          </a:xfrm>
+          <a:prstGeom prst="rect">
+            <a:avLst/>
+          </a:prstGeom>
+        </p:spPr>
+      </p:pic>
+    </p:spTree>
+    <p:extLst>
+      <p:ext uri="{BB962C8B-B14F-4D97-AF65-F5344CB8AC3E}">
+        <p14:creationId xmlns:p14="http://schemas.microsoft.com/office/powerpoint/2010/main" val="4013114286"/>
+      </p:ext>
+    </p:extLst>
+  </p:cSld>
+  <p:clrMapOvr>
+    <a:masterClrMapping/>
+  </p:clrMapOvr>
+</p:sld>
+</file>
+
+<file path=ppt/slides/slide11.xml><?xml version="1.0" encoding="utf-8"?>
+<p:sld xmlns:a="http://schemas.openxmlformats.org/drawingml/2006/main" xmlns:r="http://schemas.openxmlformats.org/officeDocument/2006/relationships" xmlns:p="http://schemas.openxmlformats.org/presentationml/2006/main">
+  <p:cSld>
+    <p:spTree>
+      <p:nvGrpSpPr>
+        <p:cNvPr id="1" name=""/>
+        <p:cNvGrpSpPr/>
+        <p:nvPr/>
+      </p:nvGrpSpPr>
+      <p:grpSpPr>
+        <a:xfrm>
+          <a:off x="0" y="0"/>
+          <a:ext cx="0" cy="0"/>
+          <a:chOff x="0" y="0"/>
+          <a:chExt cx="0" cy="0"/>
+        </a:xfrm>
+      </p:grpSpPr>
+      <p:sp>
+        <p:nvSpPr>
+          <p:cNvPr id="2" name="Title 1">
+            <a:extLst>
+              <a:ext uri="{FF2B5EF4-FFF2-40B4-BE49-F238E27FC236}">
+                <a16:creationId xmlns:a16="http://schemas.microsoft.com/office/drawing/2014/main" id="{FE986348-2E6B-4B83-90C9-7B2144299D98}"/>
+              </a:ext>
+            </a:extLst>
+          </p:cNvPr>
+          <p:cNvSpPr>
+            <a:spLocks noGrp="1"/>
+          </p:cNvSpPr>
+          <p:nvPr>
+            <p:ph type="title"/>
+          </p:nvPr>
+        </p:nvSpPr>
+        <p:spPr/>
+        <p:txBody>
+          <a:bodyPr/>
+          <a:lstStyle/>
+          <a:p>
+            <a:r>
+              <a:rPr lang="en-US" b="1" dirty="0"/>
+              <a:t>A function taking ‘function’ as a parameter</a:t>
+            </a:r>
+            <a:endParaRPr lang="en-US" dirty="0"/>
+          </a:p>
+        </p:txBody>
+      </p:sp>
+      <p:sp>
+        <p:nvSpPr>
+          <p:cNvPr id="3" name="Text Placeholder 2">
+            <a:extLst>
+              <a:ext uri="{FF2B5EF4-FFF2-40B4-BE49-F238E27FC236}">
+                <a16:creationId xmlns:a16="http://schemas.microsoft.com/office/drawing/2014/main" id="{C70A55CC-EDEA-47CA-95D1-4EC725A3634F}"/>
+              </a:ext>
+            </a:extLst>
+          </p:cNvPr>
+          <p:cNvSpPr>
+            <a:spLocks noGrp="1"/>
+          </p:cNvSpPr>
+          <p:nvPr>
+            <p:ph type="body" idx="1"/>
+          </p:nvPr>
+        </p:nvSpPr>
+        <p:spPr>
+          <a:xfrm>
+            <a:off x="471900" y="2083981"/>
+            <a:ext cx="8222100" cy="2545294"/>
+          </a:xfrm>
+        </p:spPr>
+        <p:txBody>
+          <a:bodyPr/>
+          <a:lstStyle/>
+          <a:p>
+            <a:pPr marL="114300" indent="0">
+              <a:buNone/>
+            </a:pPr>
+            <a:r>
+              <a:rPr lang="en-US" dirty="0"/>
+              <a:t>function dispatch (</a:t>
+            </a:r>
+            <a:r>
+              <a:rPr lang="en-US" dirty="0" err="1"/>
+              <a:t>fn</a:t>
+            </a:r>
+            <a:r>
+              <a:rPr lang="en-US" dirty="0"/>
+              <a:t>) {</a:t>
+            </a:r>
+            <a:br>
+              <a:rPr lang="en-US" dirty="0"/>
+            </a:br>
+            <a:r>
+              <a:rPr lang="en-US" dirty="0"/>
+              <a:t>      </a:t>
+            </a:r>
+            <a:r>
+              <a:rPr lang="en-US" dirty="0" err="1"/>
+              <a:t>fn</a:t>
+            </a:r>
+            <a:r>
+              <a:rPr lang="en-US" dirty="0"/>
+              <a:t>();</a:t>
+            </a:r>
+            <a:br>
+              <a:rPr lang="en-US" dirty="0"/>
+            </a:br>
+            <a:r>
+              <a:rPr lang="en-US" dirty="0"/>
+              <a:t>}</a:t>
+            </a:r>
+          </a:p>
+          <a:p>
+            <a:pPr marL="114300" indent="0">
+              <a:buNone/>
+            </a:pPr>
+            <a:endParaRPr lang="en-US" dirty="0"/>
+          </a:p>
+          <a:p>
+            <a:pPr marL="114300" indent="0">
+              <a:buNone/>
+            </a:pPr>
+            <a:endParaRPr lang="en-US" dirty="0"/>
+          </a:p>
+          <a:p>
+            <a:pPr marL="114300" indent="0">
+              <a:buNone/>
+            </a:pPr>
+            <a:endParaRPr lang="en-US" dirty="0"/>
+          </a:p>
+          <a:p>
+            <a:pPr marL="114300" indent="0">
+              <a:buNone/>
+            </a:pPr>
+            <a:r>
+              <a:rPr lang="en-US" b="1" i="1" dirty="0"/>
+              <a:t>NOTE: We will use the term ‘callback’ when we are referring to functions that take function as a parameter.</a:t>
+            </a:r>
+            <a:endParaRPr lang="en-US" b="1" dirty="0"/>
+          </a:p>
+          <a:p>
+            <a:pPr marL="114300" indent="0">
+              <a:buNone/>
+            </a:pPr>
+            <a:endParaRPr lang="en-US" dirty="0"/>
+          </a:p>
+        </p:txBody>
+      </p:sp>
+    </p:spTree>
+    <p:extLst>
+      <p:ext uri="{BB962C8B-B14F-4D97-AF65-F5344CB8AC3E}">
+        <p14:creationId xmlns:p14="http://schemas.microsoft.com/office/powerpoint/2010/main" val="1579018120"/>
+      </p:ext>
+    </p:extLst>
+  </p:cSld>
+  <p:clrMapOvr>
+    <a:masterClrMapping/>
+  </p:clrMapOvr>
+</p:sld>
+</file>
+
+<file path=ppt/slides/slide12.xml><?xml version="1.0" encoding="utf-8"?>
+<p:sld xmlns:a="http://schemas.openxmlformats.org/drawingml/2006/main" xmlns:r="http://schemas.openxmlformats.org/officeDocument/2006/relationships" xmlns:p="http://schemas.openxmlformats.org/presentationml/2006/main">
+  <p:cSld>
+    <p:spTree>
+      <p:nvGrpSpPr>
+        <p:cNvPr id="1" name=""/>
+        <p:cNvGrpSpPr/>
+        <p:nvPr/>
+      </p:nvGrpSpPr>
+      <p:grpSpPr>
+        <a:xfrm>
+          <a:off x="0" y="0"/>
+          <a:ext cx="0" cy="0"/>
+          <a:chOff x="0" y="0"/>
+          <a:chExt cx="0" cy="0"/>
+        </a:xfrm>
+      </p:grpSpPr>
+      <p:sp>
+        <p:nvSpPr>
+          <p:cNvPr id="2" name="Title 1">
+            <a:extLst>
+              <a:ext uri="{FF2B5EF4-FFF2-40B4-BE49-F238E27FC236}">
+                <a16:creationId xmlns:a16="http://schemas.microsoft.com/office/drawing/2014/main" id="{8014AB59-4A0C-4557-B576-C7FC361BBF02}"/>
+              </a:ext>
+            </a:extLst>
+          </p:cNvPr>
+          <p:cNvSpPr>
+            <a:spLocks noGrp="1"/>
+          </p:cNvSpPr>
+          <p:nvPr>
+            <p:ph type="title"/>
+          </p:nvPr>
+        </p:nvSpPr>
+        <p:spPr/>
+        <p:txBody>
+          <a:bodyPr/>
+          <a:lstStyle/>
+          <a:p>
+            <a:r>
+              <a:rPr lang="en-US" b="1" dirty="0"/>
+              <a:t>A function can call itself (aka recursion)</a:t>
+            </a:r>
+            <a:endParaRPr lang="en-US" dirty="0"/>
+          </a:p>
+        </p:txBody>
+      </p:sp>
+      <p:sp>
+        <p:nvSpPr>
+          <p:cNvPr id="3" name="Text Placeholder 2">
+            <a:extLst>
+              <a:ext uri="{FF2B5EF4-FFF2-40B4-BE49-F238E27FC236}">
+                <a16:creationId xmlns:a16="http://schemas.microsoft.com/office/drawing/2014/main" id="{CB447D9E-E936-4B0A-838F-A5DF4283FE7B}"/>
+              </a:ext>
+            </a:extLst>
+          </p:cNvPr>
+          <p:cNvSpPr>
+            <a:spLocks noGrp="1"/>
+          </p:cNvSpPr>
+          <p:nvPr>
+            <p:ph type="body" idx="1"/>
+          </p:nvPr>
+        </p:nvSpPr>
+        <p:spPr>
+          <a:xfrm>
+            <a:off x="460950" y="2099828"/>
+            <a:ext cx="8222100" cy="2710200"/>
+          </a:xfrm>
+        </p:spPr>
+        <p:txBody>
+          <a:bodyPr/>
+          <a:lstStyle/>
+          <a:p>
+            <a:pPr marL="114300" indent="0">
+              <a:buNone/>
+            </a:pPr>
+            <a:r>
+              <a:rPr lang="en-US" dirty="0"/>
+              <a:t>function </a:t>
+            </a:r>
+            <a:r>
+              <a:rPr lang="en-US" dirty="0" err="1"/>
+              <a:t>runForEver</a:t>
+            </a:r>
+            <a:r>
+              <a:rPr lang="en-US" dirty="0"/>
+              <a:t>() {</a:t>
+            </a:r>
+            <a:br>
+              <a:rPr lang="en-US" dirty="0"/>
+            </a:br>
+            <a:r>
+              <a:rPr lang="en-US" dirty="0"/>
+              <a:t>      </a:t>
+            </a:r>
+            <a:r>
+              <a:rPr lang="en-US" dirty="0" err="1"/>
+              <a:t>runForEver</a:t>
+            </a:r>
+            <a:r>
+              <a:rPr lang="en-US" dirty="0"/>
+              <a:t>();</a:t>
+            </a:r>
+            <a:br>
+              <a:rPr lang="en-US" dirty="0"/>
+            </a:br>
+            <a:r>
+              <a:rPr lang="en-US" dirty="0"/>
+              <a:t>}</a:t>
+            </a:r>
+          </a:p>
+          <a:p>
+            <a:endParaRPr lang="en-US" dirty="0"/>
+          </a:p>
+          <a:p>
+            <a:pPr marL="114300" indent="0">
+              <a:buNone/>
+            </a:pPr>
+            <a:r>
+              <a:rPr lang="en-US" dirty="0">
+                <a:solidFill>
+                  <a:schemeClr val="tx1"/>
+                </a:solidFill>
+              </a:rPr>
+              <a:t>// You can invoke the above function by running</a:t>
+            </a:r>
+            <a:br>
+              <a:rPr lang="en-US" dirty="0"/>
+            </a:br>
+            <a:r>
+              <a:rPr lang="en-US" dirty="0" err="1"/>
+              <a:t>runForEver</a:t>
+            </a:r>
+            <a:r>
+              <a:rPr lang="en-US" dirty="0"/>
+              <a:t>();     </a:t>
+            </a:r>
+            <a:r>
+              <a:rPr lang="en-US" dirty="0">
+                <a:solidFill>
+                  <a:schemeClr val="tx1"/>
+                </a:solidFill>
+              </a:rPr>
+              <a:t>// If you try you will get the call stack error</a:t>
+            </a:r>
+          </a:p>
+          <a:p>
+            <a:pPr marL="114300" indent="0">
+              <a:buNone/>
+            </a:pPr>
+            <a:endParaRPr lang="en-US" dirty="0"/>
+          </a:p>
+        </p:txBody>
+      </p:sp>
+    </p:spTree>
+    <p:extLst>
+      <p:ext uri="{BB962C8B-B14F-4D97-AF65-F5344CB8AC3E}">
+        <p14:creationId xmlns:p14="http://schemas.microsoft.com/office/powerpoint/2010/main" val="820987665"/>
+      </p:ext>
+    </p:extLst>
+  </p:cSld>
+  <p:clrMapOvr>
+    <a:masterClrMapping/>
+  </p:clrMapOvr>
+</p:sld>
+</file>
+
+<file path=ppt/slides/slide13.xml><?xml version="1.0" encoding="utf-8"?>
+<p:sld xmlns:a="http://schemas.openxmlformats.org/drawingml/2006/main" xmlns:r="http://schemas.openxmlformats.org/officeDocument/2006/relationships" xmlns:p="http://schemas.openxmlformats.org/presentationml/2006/main">
+  <p:cSld>
+    <p:spTree>
+      <p:nvGrpSpPr>
+        <p:cNvPr id="1" name=""/>
+        <p:cNvGrpSpPr/>
+        <p:nvPr/>
+      </p:nvGrpSpPr>
+      <p:grpSpPr>
+        <a:xfrm>
+          <a:off x="0" y="0"/>
+          <a:ext cx="0" cy="0"/>
+          <a:chOff x="0" y="0"/>
+          <a:chExt cx="0" cy="0"/>
+        </a:xfrm>
+      </p:grpSpPr>
+      <p:sp>
+        <p:nvSpPr>
+          <p:cNvPr id="2" name="Title 1">
+            <a:extLst>
+              <a:ext uri="{FF2B5EF4-FFF2-40B4-BE49-F238E27FC236}">
+                <a16:creationId xmlns:a16="http://schemas.microsoft.com/office/drawing/2014/main" id="{0A26158A-8D68-45C6-A165-167DFCD0B3BF}"/>
+              </a:ext>
+            </a:extLst>
+          </p:cNvPr>
+          <p:cNvSpPr>
+            <a:spLocks noGrp="1"/>
+          </p:cNvSpPr>
+          <p:nvPr>
+            <p:ph type="title"/>
+          </p:nvPr>
+        </p:nvSpPr>
+        <p:spPr/>
+        <p:txBody>
+          <a:bodyPr/>
+          <a:lstStyle/>
+          <a:p>
+            <a:r>
+              <a:rPr lang="en-US" b="1" dirty="0"/>
+              <a:t>Immediately Invoked Function Expression aka IIFE</a:t>
+            </a:r>
+            <a:endParaRPr lang="en-US" dirty="0"/>
+          </a:p>
+        </p:txBody>
+      </p:sp>
+      <p:sp>
+        <p:nvSpPr>
+          <p:cNvPr id="3" name="Text Placeholder 2">
+            <a:extLst>
+              <a:ext uri="{FF2B5EF4-FFF2-40B4-BE49-F238E27FC236}">
+                <a16:creationId xmlns:a16="http://schemas.microsoft.com/office/drawing/2014/main" id="{BA57982A-54E1-441C-A88C-4DAB4749C268}"/>
+              </a:ext>
+            </a:extLst>
+          </p:cNvPr>
+          <p:cNvSpPr>
+            <a:spLocks noGrp="1"/>
+          </p:cNvSpPr>
+          <p:nvPr>
+            <p:ph type="body" idx="1"/>
+          </p:nvPr>
+        </p:nvSpPr>
+        <p:spPr>
+          <a:xfrm>
+            <a:off x="460950" y="1694574"/>
+            <a:ext cx="8222100" cy="3448925"/>
+          </a:xfrm>
+        </p:spPr>
+        <p:txBody>
+          <a:bodyPr/>
+          <a:lstStyle/>
+          <a:p>
+            <a:pPr marL="114300" indent="0">
+              <a:buNone/>
+            </a:pPr>
+            <a:r>
+              <a:rPr lang="en-US" sz="1700" dirty="0"/>
+              <a:t>function () {</a:t>
+            </a:r>
+            <a:br>
+              <a:rPr lang="en-US" sz="1700" dirty="0"/>
+            </a:br>
+            <a:r>
+              <a:rPr lang="en-US" sz="1700" dirty="0"/>
+              <a:t>    let message = "I don't have a name";</a:t>
+            </a:r>
+            <a:br>
+              <a:rPr lang="en-US" sz="1700" dirty="0"/>
+            </a:br>
+            <a:r>
+              <a:rPr lang="en-US" sz="1700" dirty="0"/>
+              <a:t>    console.log(message);</a:t>
+            </a:r>
+            <a:br>
+              <a:rPr lang="en-US" sz="1700" dirty="0"/>
+            </a:br>
+            <a:r>
+              <a:rPr lang="en-US" sz="1700" dirty="0"/>
+              <a:t>}</a:t>
+            </a:r>
+          </a:p>
+          <a:p>
+            <a:endParaRPr lang="en-US" sz="1700" dirty="0"/>
+          </a:p>
+          <a:p>
+            <a:pPr marL="114300" indent="0">
+              <a:buNone/>
+            </a:pPr>
+            <a:r>
+              <a:rPr lang="en-US" sz="1700" b="1" i="1" dirty="0">
+                <a:solidFill>
+                  <a:schemeClr val="tx2">
+                    <a:lumMod val="50000"/>
+                  </a:schemeClr>
+                </a:solidFill>
+              </a:rPr>
+              <a:t>Now, let’s see how to execute the above anonymous function.</a:t>
+            </a:r>
+          </a:p>
+          <a:p>
+            <a:endParaRPr lang="en-US" sz="1700" dirty="0"/>
+          </a:p>
+          <a:p>
+            <a:pPr marL="114300" indent="0">
+              <a:buNone/>
+            </a:pPr>
+            <a:r>
+              <a:rPr lang="en-US" sz="1700" dirty="0"/>
+              <a:t>(function () {</a:t>
+            </a:r>
+            <a:br>
+              <a:rPr lang="en-US" sz="1700" dirty="0"/>
+            </a:br>
+            <a:r>
+              <a:rPr lang="en-US" sz="1700" dirty="0"/>
+              <a:t>     let message = "I don't have a name";</a:t>
+            </a:r>
+            <a:br>
+              <a:rPr lang="en-US" sz="1700" dirty="0"/>
+            </a:br>
+            <a:r>
+              <a:rPr lang="en-US" sz="1700" dirty="0"/>
+              <a:t>     console.log(message);</a:t>
+            </a:r>
+            <a:br>
+              <a:rPr lang="en-US" sz="1700" dirty="0"/>
+            </a:br>
+            <a:r>
+              <a:rPr lang="en-US" sz="1700" dirty="0"/>
+              <a:t>})();</a:t>
+            </a:r>
+          </a:p>
+          <a:p>
+            <a:pPr marL="114300" indent="0">
+              <a:buNone/>
+            </a:pPr>
+            <a:endParaRPr lang="en-US" dirty="0"/>
+          </a:p>
+        </p:txBody>
+      </p:sp>
+    </p:spTree>
+    <p:extLst>
+      <p:ext uri="{BB962C8B-B14F-4D97-AF65-F5344CB8AC3E}">
+        <p14:creationId xmlns:p14="http://schemas.microsoft.com/office/powerpoint/2010/main" val="3594849406"/>
+      </p:ext>
+    </p:extLst>
+  </p:cSld>
+  <p:clrMapOvr>
+    <a:masterClrMapping/>
+  </p:clrMapOvr>
+</p:sld>
+</file>
+
+<file path=ppt/slides/slide14.xml><?xml version="1.0" encoding="utf-8"?>
+<p:sld xmlns:a="http://schemas.openxmlformats.org/drawingml/2006/main" xmlns:r="http://schemas.openxmlformats.org/officeDocument/2006/relationships" xmlns:p="http://schemas.openxmlformats.org/presentationml/2006/main">
+  <p:cSld>
+    <p:spTree>
+      <p:nvGrpSpPr>
+        <p:cNvPr id="1" name=""/>
+        <p:cNvGrpSpPr/>
+        <p:nvPr/>
+      </p:nvGrpSpPr>
+      <p:grpSpPr>
+        <a:xfrm>
+          <a:off x="0" y="0"/>
+          <a:ext cx="0" cy="0"/>
+          <a:chOff x="0" y="0"/>
+          <a:chExt cx="0" cy="0"/>
+        </a:xfrm>
+      </p:grpSpPr>
+      <p:sp>
+        <p:nvSpPr>
+          <p:cNvPr id="2" name="Title 1">
+            <a:extLst>
+              <a:ext uri="{FF2B5EF4-FFF2-40B4-BE49-F238E27FC236}">
+                <a16:creationId xmlns:a16="http://schemas.microsoft.com/office/drawing/2014/main" id="{3BB5A8F6-FF7E-4FFA-82FD-D15872F49664}"/>
+              </a:ext>
+            </a:extLst>
+          </p:cNvPr>
+          <p:cNvSpPr>
+            <a:spLocks noGrp="1"/>
+          </p:cNvSpPr>
+          <p:nvPr>
+            <p:ph type="title"/>
+          </p:nvPr>
+        </p:nvSpPr>
+        <p:spPr/>
+        <p:txBody>
+          <a:bodyPr/>
+          <a:lstStyle/>
+          <a:p>
+            <a:r>
+              <a:rPr lang="en-US" b="1" dirty="0"/>
+              <a:t>Where can IIFE be used?</a:t>
+            </a:r>
+            <a:endParaRPr lang="en-US" dirty="0"/>
+          </a:p>
+        </p:txBody>
+      </p:sp>
+      <p:sp>
+        <p:nvSpPr>
+          <p:cNvPr id="3" name="Text Placeholder 2">
+            <a:extLst>
+              <a:ext uri="{FF2B5EF4-FFF2-40B4-BE49-F238E27FC236}">
+                <a16:creationId xmlns:a16="http://schemas.microsoft.com/office/drawing/2014/main" id="{E656E491-A8E0-41F3-A980-18726B7944C2}"/>
+              </a:ext>
+            </a:extLst>
+          </p:cNvPr>
+          <p:cNvSpPr>
+            <a:spLocks noGrp="1"/>
+          </p:cNvSpPr>
+          <p:nvPr>
+            <p:ph type="body" idx="1"/>
+          </p:nvPr>
+        </p:nvSpPr>
+        <p:spPr/>
+        <p:txBody>
+          <a:bodyPr/>
+          <a:lstStyle/>
+          <a:p>
+            <a:pPr marL="114300" indent="0">
+              <a:buNone/>
+            </a:pPr>
+            <a:r>
+              <a:rPr lang="en-US" sz="2000" dirty="0"/>
+              <a:t>Objects and Functions (call, apply and bind)</a:t>
+            </a:r>
+          </a:p>
+          <a:p>
+            <a:pPr marL="114300" indent="0">
+              <a:buNone/>
+            </a:pPr>
+            <a:endParaRPr lang="en-US" sz="2000" dirty="0"/>
+          </a:p>
+          <a:p>
+            <a:r>
+              <a:rPr lang="en-US" dirty="0"/>
+              <a:t>call</a:t>
+            </a:r>
+          </a:p>
+          <a:p>
+            <a:r>
+              <a:rPr lang="en-US" dirty="0"/>
+              <a:t>bind</a:t>
+            </a:r>
+          </a:p>
+          <a:p>
+            <a:r>
+              <a:rPr lang="en-US" dirty="0"/>
+              <a:t>apply</a:t>
+            </a:r>
+          </a:p>
+          <a:p>
+            <a:pPr marL="114300" indent="0">
+              <a:buNone/>
+            </a:pPr>
+            <a:endParaRPr lang="en-US" dirty="0"/>
+          </a:p>
+        </p:txBody>
+      </p:sp>
+    </p:spTree>
+    <p:extLst>
+      <p:ext uri="{BB962C8B-B14F-4D97-AF65-F5344CB8AC3E}">
+        <p14:creationId xmlns:p14="http://schemas.microsoft.com/office/powerpoint/2010/main" val="268880298"/>
+      </p:ext>
+    </p:extLst>
+  </p:cSld>
+  <p:clrMapOvr>
+    <a:masterClrMapping/>
+  </p:clrMapOvr>
+</p:sld>
+</file>
+
+<file path=ppt/slides/slide15.xml><?xml version="1.0" encoding="utf-8"?>
+<p:sld xmlns:a="http://schemas.openxmlformats.org/drawingml/2006/main" xmlns:r="http://schemas.openxmlformats.org/officeDocument/2006/relationships" xmlns:p="http://schemas.openxmlformats.org/presentationml/2006/main">
+  <p:cSld>
+    <p:spTree>
+      <p:nvGrpSpPr>
+        <p:cNvPr id="1" name=""/>
+        <p:cNvGrpSpPr/>
+        <p:nvPr/>
+      </p:nvGrpSpPr>
+      <p:grpSpPr>
+        <a:xfrm>
+          <a:off x="0" y="0"/>
+          <a:ext cx="0" cy="0"/>
+          <a:chOff x="0" y="0"/>
+          <a:chExt cx="0" cy="0"/>
+        </a:xfrm>
+      </p:grpSpPr>
+      <p:sp>
+        <p:nvSpPr>
+          <p:cNvPr id="2" name="TextBox 1">
+            <a:extLst>
+              <a:ext uri="{FF2B5EF4-FFF2-40B4-BE49-F238E27FC236}">
+                <a16:creationId xmlns:a16="http://schemas.microsoft.com/office/drawing/2014/main" id="{40D013C0-32D6-4696-B37A-015284372213}"/>
+              </a:ext>
+            </a:extLst>
+          </p:cNvPr>
+          <p:cNvSpPr txBox="1"/>
+          <p:nvPr/>
+        </p:nvSpPr>
+        <p:spPr>
+          <a:xfrm>
+            <a:off x="0" y="851561"/>
+            <a:ext cx="9144000" cy="4001095"/>
+          </a:xfrm>
+          <a:prstGeom prst="rect">
+            <a:avLst/>
+          </a:prstGeom>
+          <a:noFill/>
+        </p:spPr>
+        <p:txBody>
+          <a:bodyPr wrap="square" rtlCol="0">
+            <a:spAutoFit/>
+          </a:bodyPr>
+          <a:lstStyle/>
+          <a:p>
+            <a:r>
+              <a:rPr lang="en-US" altLang="en-US" sz="2400" dirty="0">
+                <a:solidFill>
+                  <a:schemeClr val="bg1">
+                    <a:lumMod val="50000"/>
+                  </a:schemeClr>
+                </a:solidFill>
+                <a:latin typeface="Roboto" panose="020B0604020202020204" charset="0"/>
+                <a:ea typeface="Roboto" panose="020B0604020202020204" charset="0"/>
+              </a:rPr>
+              <a:t>let user = {</a:t>
+            </a:r>
+            <a:br>
+              <a:rPr lang="en-US" altLang="en-US" sz="2400" dirty="0">
+                <a:solidFill>
+                  <a:schemeClr val="bg1">
+                    <a:lumMod val="50000"/>
+                  </a:schemeClr>
+                </a:solidFill>
+                <a:latin typeface="Roboto" panose="020B0604020202020204" charset="0"/>
+                <a:ea typeface="Roboto" panose="020B0604020202020204" charset="0"/>
+              </a:rPr>
+            </a:br>
+            <a:r>
+              <a:rPr lang="en-US" altLang="en-US" sz="2400" dirty="0">
+                <a:solidFill>
+                  <a:schemeClr val="bg1">
+                    <a:lumMod val="50000"/>
+                  </a:schemeClr>
+                </a:solidFill>
+                <a:latin typeface="Roboto" panose="020B0604020202020204" charset="0"/>
+                <a:ea typeface="Roboto" panose="020B0604020202020204" charset="0"/>
+              </a:rPr>
+              <a:t>      </a:t>
+            </a:r>
+            <a:r>
+              <a:rPr lang="en-US" altLang="en-US" sz="2400" dirty="0" err="1">
+                <a:solidFill>
+                  <a:schemeClr val="bg1">
+                    <a:lumMod val="50000"/>
+                  </a:schemeClr>
+                </a:solidFill>
+                <a:latin typeface="Roboto" panose="020B0604020202020204" charset="0"/>
+                <a:ea typeface="Roboto" panose="020B0604020202020204" charset="0"/>
+              </a:rPr>
+              <a:t>userName</a:t>
+            </a:r>
+            <a:r>
+              <a:rPr lang="en-US" altLang="en-US" sz="2400" dirty="0">
+                <a:solidFill>
+                  <a:schemeClr val="bg1">
+                    <a:lumMod val="50000"/>
+                  </a:schemeClr>
+                </a:solidFill>
+                <a:latin typeface="Roboto" panose="020B0604020202020204" charset="0"/>
+                <a:ea typeface="Roboto" panose="020B0604020202020204" charset="0"/>
+              </a:rPr>
+              <a:t>: "</a:t>
+            </a:r>
+            <a:r>
+              <a:rPr lang="en-US" altLang="en-US" sz="2400" dirty="0" err="1">
+                <a:solidFill>
+                  <a:schemeClr val="bg1">
+                    <a:lumMod val="50000"/>
+                  </a:schemeClr>
+                </a:solidFill>
+                <a:latin typeface="Roboto" panose="020B0604020202020204" charset="0"/>
+                <a:ea typeface="Roboto" panose="020B0604020202020204" charset="0"/>
+              </a:rPr>
+              <a:t>codingmonk</a:t>
+            </a:r>
+            <a:r>
+              <a:rPr lang="en-US" altLang="en-US" sz="2400" dirty="0">
+                <a:solidFill>
+                  <a:schemeClr val="bg1">
+                    <a:lumMod val="50000"/>
+                  </a:schemeClr>
+                </a:solidFill>
+                <a:latin typeface="Roboto" panose="020B0604020202020204" charset="0"/>
+                <a:ea typeface="Roboto" panose="020B0604020202020204" charset="0"/>
+              </a:rPr>
+              <a:t>",</a:t>
+            </a:r>
+            <a:br>
+              <a:rPr lang="en-US" altLang="en-US" sz="2400" dirty="0">
+                <a:solidFill>
+                  <a:schemeClr val="bg1">
+                    <a:lumMod val="50000"/>
+                  </a:schemeClr>
+                </a:solidFill>
+                <a:latin typeface="Roboto" panose="020B0604020202020204" charset="0"/>
+                <a:ea typeface="Roboto" panose="020B0604020202020204" charset="0"/>
+              </a:rPr>
+            </a:br>
+            <a:r>
+              <a:rPr lang="en-US" altLang="en-US" sz="2400" dirty="0">
+                <a:solidFill>
+                  <a:schemeClr val="bg1">
+                    <a:lumMod val="50000"/>
+                  </a:schemeClr>
+                </a:solidFill>
+                <a:latin typeface="Roboto" panose="020B0604020202020204" charset="0"/>
+                <a:ea typeface="Roboto" panose="020B0604020202020204" charset="0"/>
+              </a:rPr>
+              <a:t>      </a:t>
+            </a:r>
+            <a:r>
+              <a:rPr lang="en-US" altLang="en-US" sz="2400" dirty="0" err="1">
+                <a:solidFill>
+                  <a:schemeClr val="bg1">
+                    <a:lumMod val="50000"/>
+                  </a:schemeClr>
+                </a:solidFill>
+                <a:latin typeface="Roboto" panose="020B0604020202020204" charset="0"/>
+                <a:ea typeface="Roboto" panose="020B0604020202020204" charset="0"/>
+              </a:rPr>
+              <a:t>displayName</a:t>
+            </a:r>
+            <a:r>
+              <a:rPr lang="en-US" altLang="en-US" sz="2400" dirty="0">
+                <a:solidFill>
+                  <a:schemeClr val="bg1">
+                    <a:lumMod val="50000"/>
+                  </a:schemeClr>
+                </a:solidFill>
+                <a:latin typeface="Roboto" panose="020B0604020202020204" charset="0"/>
+                <a:ea typeface="Roboto" panose="020B0604020202020204" charset="0"/>
+              </a:rPr>
+              <a:t>: "</a:t>
+            </a:r>
+            <a:r>
+              <a:rPr lang="en-US" altLang="en-US" sz="2400" dirty="0" err="1">
+                <a:solidFill>
+                  <a:schemeClr val="bg1">
+                    <a:lumMod val="50000"/>
+                  </a:schemeClr>
+                </a:solidFill>
+                <a:latin typeface="Roboto" panose="020B0604020202020204" charset="0"/>
+                <a:ea typeface="Roboto" panose="020B0604020202020204" charset="0"/>
+              </a:rPr>
+              <a:t>rajesh</a:t>
+            </a:r>
+            <a:r>
+              <a:rPr lang="en-US" altLang="en-US" sz="2400" dirty="0">
+                <a:solidFill>
+                  <a:schemeClr val="bg1">
+                    <a:lumMod val="50000"/>
+                  </a:schemeClr>
+                </a:solidFill>
+                <a:latin typeface="Roboto" panose="020B0604020202020204" charset="0"/>
+                <a:ea typeface="Roboto" panose="020B0604020202020204" charset="0"/>
+              </a:rPr>
+              <a:t>",</a:t>
+            </a:r>
+            <a:br>
+              <a:rPr lang="en-US" altLang="en-US" sz="2400" dirty="0">
+                <a:solidFill>
+                  <a:schemeClr val="bg1">
+                    <a:lumMod val="50000"/>
+                  </a:schemeClr>
+                </a:solidFill>
+                <a:latin typeface="Roboto" panose="020B0604020202020204" charset="0"/>
+                <a:ea typeface="Roboto" panose="020B0604020202020204" charset="0"/>
+              </a:rPr>
+            </a:br>
+            <a:r>
+              <a:rPr lang="en-US" altLang="en-US" sz="2400" dirty="0">
+                <a:solidFill>
+                  <a:schemeClr val="bg1">
+                    <a:lumMod val="50000"/>
+                  </a:schemeClr>
+                </a:solidFill>
+                <a:latin typeface="Roboto" panose="020B0604020202020204" charset="0"/>
+                <a:ea typeface="Roboto" panose="020B0604020202020204" charset="0"/>
+              </a:rPr>
+              <a:t>      </a:t>
+            </a:r>
+            <a:r>
+              <a:rPr lang="en-US" altLang="en-US" sz="2400" dirty="0" err="1">
+                <a:solidFill>
+                  <a:schemeClr val="bg1">
+                    <a:lumMod val="50000"/>
+                  </a:schemeClr>
+                </a:solidFill>
+                <a:latin typeface="Roboto" panose="020B0604020202020204" charset="0"/>
+                <a:ea typeface="Roboto" panose="020B0604020202020204" charset="0"/>
+              </a:rPr>
+              <a:t>sendMessage</a:t>
+            </a:r>
+            <a:r>
+              <a:rPr lang="en-US" altLang="en-US" sz="2400" dirty="0">
+                <a:solidFill>
+                  <a:schemeClr val="bg1">
+                    <a:lumMod val="50000"/>
+                  </a:schemeClr>
+                </a:solidFill>
+                <a:latin typeface="Roboto" panose="020B0604020202020204" charset="0"/>
+                <a:ea typeface="Roboto" panose="020B0604020202020204" charset="0"/>
+              </a:rPr>
+              <a:t>: function (message) {</a:t>
+            </a:r>
+            <a:br>
+              <a:rPr lang="en-US" altLang="en-US" sz="2400" dirty="0">
+                <a:solidFill>
+                  <a:schemeClr val="bg1">
+                    <a:lumMod val="50000"/>
+                  </a:schemeClr>
+                </a:solidFill>
+                <a:latin typeface="Roboto" panose="020B0604020202020204" charset="0"/>
+                <a:ea typeface="Roboto" panose="020B0604020202020204" charset="0"/>
+              </a:rPr>
+            </a:br>
+            <a:r>
+              <a:rPr lang="en-US" altLang="en-US" sz="2400" dirty="0">
+                <a:solidFill>
+                  <a:schemeClr val="bg1">
+                    <a:lumMod val="50000"/>
+                  </a:schemeClr>
+                </a:solidFill>
+                <a:latin typeface="Roboto" panose="020B0604020202020204" charset="0"/>
+                <a:ea typeface="Roboto" panose="020B0604020202020204" charset="0"/>
+              </a:rPr>
+              <a:t>            console.log(`Sending ${message} to ${</a:t>
+            </a:r>
+            <a:r>
+              <a:rPr lang="en-US" altLang="en-US" sz="2400" dirty="0" err="1">
+                <a:solidFill>
+                  <a:schemeClr val="bg1">
+                    <a:lumMod val="50000"/>
+                  </a:schemeClr>
+                </a:solidFill>
+                <a:latin typeface="Roboto" panose="020B0604020202020204" charset="0"/>
+                <a:ea typeface="Roboto" panose="020B0604020202020204" charset="0"/>
+              </a:rPr>
+              <a:t>this.displayName</a:t>
+            </a:r>
+            <a:r>
+              <a:rPr lang="en-US" altLang="en-US" sz="2400" dirty="0">
+                <a:solidFill>
+                  <a:schemeClr val="bg1">
+                    <a:lumMod val="50000"/>
+                  </a:schemeClr>
+                </a:solidFill>
+                <a:latin typeface="Roboto" panose="020B0604020202020204" charset="0"/>
+                <a:ea typeface="Roboto" panose="020B0604020202020204" charset="0"/>
+              </a:rPr>
+              <a:t>}`);</a:t>
+            </a:r>
+            <a:br>
+              <a:rPr lang="en-US" altLang="en-US" sz="2400" dirty="0">
+                <a:solidFill>
+                  <a:schemeClr val="bg1">
+                    <a:lumMod val="50000"/>
+                  </a:schemeClr>
+                </a:solidFill>
+                <a:latin typeface="Roboto" panose="020B0604020202020204" charset="0"/>
+                <a:ea typeface="Roboto" panose="020B0604020202020204" charset="0"/>
+              </a:rPr>
+            </a:br>
+            <a:r>
+              <a:rPr lang="en-US" altLang="en-US" sz="2400" dirty="0">
+                <a:solidFill>
+                  <a:schemeClr val="bg1">
+                    <a:lumMod val="50000"/>
+                  </a:schemeClr>
+                </a:solidFill>
+                <a:latin typeface="Roboto" panose="020B0604020202020204" charset="0"/>
+                <a:ea typeface="Roboto" panose="020B0604020202020204" charset="0"/>
+              </a:rPr>
+              <a:t>    }</a:t>
+            </a:r>
+            <a:br>
+              <a:rPr lang="en-US" altLang="en-US" sz="2400" dirty="0">
+                <a:solidFill>
+                  <a:schemeClr val="bg1">
+                    <a:lumMod val="50000"/>
+                  </a:schemeClr>
+                </a:solidFill>
+                <a:latin typeface="Roboto" panose="020B0604020202020204" charset="0"/>
+                <a:ea typeface="Roboto" panose="020B0604020202020204" charset="0"/>
+              </a:rPr>
+            </a:br>
+            <a:r>
+              <a:rPr lang="en-US" altLang="en-US" sz="2400" dirty="0">
+                <a:solidFill>
+                  <a:schemeClr val="bg1">
+                    <a:lumMod val="50000"/>
+                  </a:schemeClr>
+                </a:solidFill>
+                <a:latin typeface="Roboto" panose="020B0604020202020204" charset="0"/>
+                <a:ea typeface="Roboto" panose="020B0604020202020204" charset="0"/>
+              </a:rPr>
+              <a:t>}</a:t>
+            </a:r>
+          </a:p>
+          <a:p>
+            <a:r>
+              <a:rPr lang="en-US" altLang="en-US" sz="2400" dirty="0">
+                <a:solidFill>
+                  <a:schemeClr val="bg1">
+                    <a:lumMod val="50000"/>
+                  </a:schemeClr>
+                </a:solidFill>
+                <a:latin typeface="Roboto" panose="020B0604020202020204" charset="0"/>
+                <a:ea typeface="Roboto" panose="020B0604020202020204" charset="0"/>
+              </a:rPr>
+              <a:t>let student = {</a:t>
+            </a:r>
+            <a:br>
+              <a:rPr lang="en-US" altLang="en-US" sz="2400" dirty="0">
+                <a:solidFill>
+                  <a:schemeClr val="bg1">
+                    <a:lumMod val="50000"/>
+                  </a:schemeClr>
+                </a:solidFill>
+                <a:latin typeface="Roboto" panose="020B0604020202020204" charset="0"/>
+                <a:ea typeface="Roboto" panose="020B0604020202020204" charset="0"/>
+              </a:rPr>
+            </a:br>
+            <a:r>
+              <a:rPr lang="en-US" altLang="en-US" sz="2400" dirty="0">
+                <a:solidFill>
+                  <a:schemeClr val="bg1">
+                    <a:lumMod val="50000"/>
+                  </a:schemeClr>
+                </a:solidFill>
+                <a:latin typeface="Roboto" panose="020B0604020202020204" charset="0"/>
+                <a:ea typeface="Roboto" panose="020B0604020202020204" charset="0"/>
+              </a:rPr>
+              <a:t>    </a:t>
+            </a:r>
+            <a:r>
+              <a:rPr lang="en-US" altLang="en-US" sz="2400" dirty="0" err="1">
+                <a:solidFill>
+                  <a:schemeClr val="bg1">
+                    <a:lumMod val="50000"/>
+                  </a:schemeClr>
+                </a:solidFill>
+                <a:latin typeface="Roboto" panose="020B0604020202020204" charset="0"/>
+                <a:ea typeface="Roboto" panose="020B0604020202020204" charset="0"/>
+              </a:rPr>
+              <a:t>displayName</a:t>
+            </a:r>
+            <a:r>
+              <a:rPr lang="en-US" altLang="en-US" sz="2400" dirty="0">
+                <a:solidFill>
+                  <a:schemeClr val="bg1">
+                    <a:lumMod val="50000"/>
+                  </a:schemeClr>
+                </a:solidFill>
+                <a:latin typeface="Roboto" panose="020B0604020202020204" charset="0"/>
+                <a:ea typeface="Roboto" panose="020B0604020202020204" charset="0"/>
+              </a:rPr>
+              <a:t>: "</a:t>
+            </a:r>
+            <a:r>
+              <a:rPr lang="en-US" altLang="en-US" sz="2400" dirty="0" err="1">
+                <a:solidFill>
+                  <a:schemeClr val="bg1">
+                    <a:lumMod val="50000"/>
+                  </a:schemeClr>
+                </a:solidFill>
+                <a:latin typeface="Roboto" panose="020B0604020202020204" charset="0"/>
+                <a:ea typeface="Roboto" panose="020B0604020202020204" charset="0"/>
+              </a:rPr>
+              <a:t>rohan</a:t>
+            </a:r>
+            <a:r>
+              <a:rPr lang="en-US" altLang="en-US" sz="2400" dirty="0">
+                <a:solidFill>
+                  <a:schemeClr val="bg1">
+                    <a:lumMod val="50000"/>
+                  </a:schemeClr>
+                </a:solidFill>
+                <a:latin typeface="Roboto" panose="020B0604020202020204" charset="0"/>
+                <a:ea typeface="Roboto" panose="020B0604020202020204" charset="0"/>
+              </a:rPr>
+              <a:t>“</a:t>
+            </a:r>
+          </a:p>
+          <a:p>
+            <a:r>
+              <a:rPr lang="en-US" altLang="en-US" sz="2400" dirty="0">
+                <a:solidFill>
+                  <a:schemeClr val="bg1">
+                    <a:lumMod val="50000"/>
+                  </a:schemeClr>
+                </a:solidFill>
+                <a:latin typeface="Roboto" panose="020B0604020202020204" charset="0"/>
+                <a:ea typeface="Roboto" panose="020B0604020202020204" charset="0"/>
+              </a:rPr>
+              <a:t>}</a:t>
+            </a:r>
+            <a:br>
+              <a:rPr lang="en-US" altLang="en-US" dirty="0">
+                <a:solidFill>
+                  <a:schemeClr val="bg1"/>
+                </a:solidFill>
+                <a:latin typeface="Roboto" panose="020B0604020202020204" charset="0"/>
+                <a:ea typeface="Roboto" panose="020B0604020202020204" charset="0"/>
+              </a:rPr>
+            </a:br>
+            <a:r>
+              <a:rPr lang="en-US" altLang="en-US" dirty="0">
+                <a:solidFill>
+                  <a:schemeClr val="bg1"/>
+                </a:solidFill>
+                <a:latin typeface="Roboto" panose="020B0604020202020204" charset="0"/>
+                <a:ea typeface="Roboto" panose="020B0604020202020204" charset="0"/>
+              </a:rPr>
+              <a:t>}</a:t>
+            </a:r>
+            <a:endParaRPr lang="en-US" dirty="0"/>
+          </a:p>
+        </p:txBody>
+      </p:sp>
+    </p:spTree>
+    <p:extLst>
+      <p:ext uri="{BB962C8B-B14F-4D97-AF65-F5344CB8AC3E}">
+        <p14:creationId xmlns:p14="http://schemas.microsoft.com/office/powerpoint/2010/main" val="2921041481"/>
+      </p:ext>
+    </p:extLst>
+  </p:cSld>
+  <p:clrMapOvr>
+    <a:masterClrMapping/>
+  </p:clrMapOvr>
+</p:sld>
+</file>
+
+<file path=ppt/slides/slide16.xml><?xml version="1.0" encoding="utf-8"?>
+<p:sld xmlns:a="http://schemas.openxmlformats.org/drawingml/2006/main" xmlns:r="http://schemas.openxmlformats.org/officeDocument/2006/relationships" xmlns:p="http://schemas.openxmlformats.org/presentationml/2006/main">
+  <p:cSld>
+    <p:spTree>
+      <p:nvGrpSpPr>
+        <p:cNvPr id="1" name=""/>
+        <p:cNvGrpSpPr/>
+        <p:nvPr/>
+      </p:nvGrpSpPr>
+      <p:grpSpPr>
+        <a:xfrm>
+          <a:off x="0" y="0"/>
+          <a:ext cx="0" cy="0"/>
+          <a:chOff x="0" y="0"/>
+          <a:chExt cx="0" cy="0"/>
+        </a:xfrm>
+      </p:grpSpPr>
+      <p:sp>
+        <p:nvSpPr>
+          <p:cNvPr id="2" name="TextBox 1">
+            <a:extLst>
+              <a:ext uri="{FF2B5EF4-FFF2-40B4-BE49-F238E27FC236}">
+                <a16:creationId xmlns:a16="http://schemas.microsoft.com/office/drawing/2014/main" id="{6A00237B-F438-40FE-8624-913F540759ED}"/>
+              </a:ext>
+            </a:extLst>
+          </p:cNvPr>
+          <p:cNvSpPr txBox="1"/>
+          <p:nvPr/>
+        </p:nvSpPr>
+        <p:spPr>
+          <a:xfrm>
+            <a:off x="839972" y="244549"/>
+            <a:ext cx="7889358" cy="4708981"/>
+          </a:xfrm>
+          <a:prstGeom prst="rect">
+            <a:avLst/>
+          </a:prstGeom>
+          <a:noFill/>
+        </p:spPr>
+        <p:txBody>
+          <a:bodyPr wrap="square" rtlCol="0">
+            <a:spAutoFit/>
+          </a:bodyPr>
+          <a:lstStyle/>
+          <a:p>
+            <a:endParaRPr lang="en-US" sz="1600" b="1" dirty="0">
+              <a:solidFill>
+                <a:schemeClr val="bg2"/>
+              </a:solidFill>
+              <a:latin typeface="Roboto" panose="020B0604020202020204" charset="0"/>
+              <a:ea typeface="Roboto" panose="020B0604020202020204" charset="0"/>
+            </a:endParaRPr>
+          </a:p>
+          <a:p>
+            <a:endParaRPr lang="en-US" sz="1600" b="1" dirty="0">
+              <a:solidFill>
+                <a:schemeClr val="bg2"/>
+              </a:solidFill>
+              <a:latin typeface="Roboto" panose="020B0604020202020204" charset="0"/>
+              <a:ea typeface="Roboto" panose="020B0604020202020204" charset="0"/>
+            </a:endParaRPr>
+          </a:p>
+          <a:p>
+            <a:endParaRPr lang="en-US" sz="1600" b="1" dirty="0">
+              <a:solidFill>
+                <a:schemeClr val="bg2"/>
+              </a:solidFill>
+              <a:latin typeface="Roboto" panose="020B0604020202020204" charset="0"/>
+              <a:ea typeface="Roboto" panose="020B0604020202020204" charset="0"/>
+            </a:endParaRPr>
+          </a:p>
+          <a:p>
+            <a:r>
+              <a:rPr lang="en-US" sz="2400" b="1" dirty="0">
+                <a:solidFill>
+                  <a:schemeClr val="bg2"/>
+                </a:solidFill>
+                <a:latin typeface="Roboto" panose="020B0604020202020204" charset="0"/>
+                <a:ea typeface="Roboto" panose="020B0604020202020204" charset="0"/>
+              </a:rPr>
+              <a:t>Using call()</a:t>
+            </a:r>
+            <a:br>
+              <a:rPr lang="en-US" b="1" dirty="0">
+                <a:latin typeface="Roboto" panose="020B0604020202020204" charset="0"/>
+                <a:ea typeface="Roboto" panose="020B0604020202020204" charset="0"/>
+              </a:rPr>
+            </a:br>
+            <a:r>
+              <a:rPr lang="en-US" altLang="en-US" sz="1800" dirty="0" err="1">
+                <a:solidFill>
+                  <a:schemeClr val="bg2"/>
+                </a:solidFill>
+                <a:latin typeface="Roboto" panose="020B0604020202020204" charset="0"/>
+                <a:ea typeface="Roboto" panose="020B0604020202020204" charset="0"/>
+              </a:rPr>
+              <a:t>user.sendMessage.call</a:t>
+            </a:r>
+            <a:r>
+              <a:rPr lang="en-US" altLang="en-US" sz="1800" dirty="0">
+                <a:solidFill>
+                  <a:schemeClr val="bg2"/>
+                </a:solidFill>
+                <a:latin typeface="Roboto" panose="020B0604020202020204" charset="0"/>
+                <a:ea typeface="Roboto" panose="020B0604020202020204" charset="0"/>
+              </a:rPr>
+              <a:t>(student, “Hello from Rajesh”);</a:t>
+            </a:r>
+          </a:p>
+          <a:p>
+            <a:endParaRPr lang="en-US" b="1" dirty="0">
+              <a:solidFill>
+                <a:schemeClr val="bg1">
+                  <a:lumMod val="50000"/>
+                </a:schemeClr>
+              </a:solidFill>
+              <a:latin typeface="Roboto" panose="020B0604020202020204" charset="0"/>
+              <a:ea typeface="Roboto" panose="020B0604020202020204" charset="0"/>
+            </a:endParaRPr>
+          </a:p>
+          <a:p>
+            <a:endParaRPr lang="en-US" b="1" dirty="0">
+              <a:solidFill>
+                <a:schemeClr val="bg1">
+                  <a:lumMod val="50000"/>
+                </a:schemeClr>
+              </a:solidFill>
+              <a:latin typeface="Roboto" panose="020B0604020202020204" charset="0"/>
+              <a:ea typeface="Roboto" panose="020B0604020202020204" charset="0"/>
+            </a:endParaRPr>
+          </a:p>
+          <a:p>
+            <a:endParaRPr lang="en-US" b="1" dirty="0">
+              <a:solidFill>
+                <a:schemeClr val="bg1">
+                  <a:lumMod val="50000"/>
+                </a:schemeClr>
+              </a:solidFill>
+              <a:latin typeface="Roboto" panose="020B0604020202020204" charset="0"/>
+              <a:ea typeface="Roboto" panose="020B0604020202020204" charset="0"/>
+            </a:endParaRPr>
+          </a:p>
+          <a:p>
+            <a:r>
+              <a:rPr lang="en-US" sz="2400" b="1" dirty="0">
+                <a:solidFill>
+                  <a:schemeClr val="bg2"/>
+                </a:solidFill>
+                <a:latin typeface="Roboto" panose="020B0604020202020204" charset="0"/>
+                <a:ea typeface="Roboto" panose="020B0604020202020204" charset="0"/>
+              </a:rPr>
+              <a:t>Using apply() </a:t>
+            </a:r>
+            <a:br>
+              <a:rPr lang="en-US" b="1" dirty="0">
+                <a:solidFill>
+                  <a:schemeClr val="bg2"/>
+                </a:solidFill>
+                <a:latin typeface="Roboto" panose="020B0604020202020204" charset="0"/>
+                <a:ea typeface="Roboto" panose="020B0604020202020204" charset="0"/>
+              </a:rPr>
+            </a:br>
+            <a:r>
+              <a:rPr lang="en-US" altLang="en-US" sz="1800" dirty="0" err="1">
+                <a:solidFill>
+                  <a:schemeClr val="bg2"/>
+                </a:solidFill>
+                <a:latin typeface="Roboto" panose="020B0604020202020204" charset="0"/>
+                <a:ea typeface="Roboto" panose="020B0604020202020204" charset="0"/>
+              </a:rPr>
+              <a:t>user.sendMessage.apply</a:t>
+            </a:r>
+            <a:r>
+              <a:rPr lang="en-US" altLang="en-US" sz="1800" dirty="0">
+                <a:solidFill>
+                  <a:schemeClr val="bg2"/>
+                </a:solidFill>
+                <a:latin typeface="Roboto" panose="020B0604020202020204" charset="0"/>
+                <a:ea typeface="Roboto" panose="020B0604020202020204" charset="0"/>
+              </a:rPr>
+              <a:t>(student, [“Hello from Rajesh </a:t>
+            </a:r>
+            <a:r>
+              <a:rPr lang="en-US" altLang="en-US" sz="1800" dirty="0" err="1">
+                <a:solidFill>
+                  <a:schemeClr val="bg2"/>
+                </a:solidFill>
+                <a:latin typeface="Roboto" panose="020B0604020202020204" charset="0"/>
+                <a:ea typeface="Roboto" panose="020B0604020202020204" charset="0"/>
+              </a:rPr>
+              <a:t>agin</a:t>
+            </a:r>
+            <a:r>
+              <a:rPr lang="en-US" altLang="en-US" sz="1800" dirty="0">
+                <a:solidFill>
+                  <a:schemeClr val="bg2"/>
+                </a:solidFill>
+                <a:latin typeface="Roboto" panose="020B0604020202020204" charset="0"/>
+                <a:ea typeface="Roboto" panose="020B0604020202020204" charset="0"/>
+              </a:rPr>
+              <a:t>..”]);</a:t>
+            </a:r>
+          </a:p>
+          <a:p>
+            <a:endParaRPr lang="en-US" b="1" dirty="0">
+              <a:solidFill>
+                <a:schemeClr val="bg2"/>
+              </a:solidFill>
+              <a:latin typeface="Roboto" panose="020B0604020202020204" charset="0"/>
+              <a:ea typeface="Roboto" panose="020B0604020202020204" charset="0"/>
+            </a:endParaRPr>
+          </a:p>
+          <a:p>
+            <a:endParaRPr lang="en-US" b="1" dirty="0">
+              <a:solidFill>
+                <a:schemeClr val="bg2"/>
+              </a:solidFill>
+              <a:latin typeface="Roboto" panose="020B0604020202020204" charset="0"/>
+              <a:ea typeface="Roboto" panose="020B0604020202020204" charset="0"/>
+            </a:endParaRPr>
+          </a:p>
+          <a:p>
+            <a:endParaRPr lang="en-US" b="1" dirty="0">
+              <a:solidFill>
+                <a:schemeClr val="bg2"/>
+              </a:solidFill>
+              <a:latin typeface="Roboto" panose="020B0604020202020204" charset="0"/>
+              <a:ea typeface="Roboto" panose="020B0604020202020204" charset="0"/>
+            </a:endParaRPr>
+          </a:p>
+          <a:p>
+            <a:r>
+              <a:rPr lang="en-US" sz="2400" b="1" dirty="0">
+                <a:solidFill>
+                  <a:schemeClr val="bg2"/>
+                </a:solidFill>
+                <a:latin typeface="Roboto" panose="020B0604020202020204" charset="0"/>
+                <a:ea typeface="Roboto" panose="020B0604020202020204" charset="0"/>
+              </a:rPr>
+              <a:t>Using bind() </a:t>
+            </a:r>
+            <a:br>
+              <a:rPr lang="en-US" b="1" dirty="0">
+                <a:solidFill>
+                  <a:schemeClr val="bg2"/>
+                </a:solidFill>
+                <a:latin typeface="Roboto" panose="020B0604020202020204" charset="0"/>
+                <a:ea typeface="Roboto" panose="020B0604020202020204" charset="0"/>
+              </a:rPr>
+            </a:br>
+            <a:r>
+              <a:rPr lang="en-US" altLang="en-US" sz="1800" dirty="0">
+                <a:solidFill>
+                  <a:schemeClr val="bg2"/>
+                </a:solidFill>
+                <a:latin typeface="Roboto" panose="020B0604020202020204" charset="0"/>
+                <a:ea typeface="Roboto" panose="020B0604020202020204" charset="0"/>
+              </a:rPr>
+              <a:t>let </a:t>
+            </a:r>
+            <a:r>
+              <a:rPr lang="en-US" altLang="en-US" sz="1800" dirty="0" err="1">
+                <a:solidFill>
+                  <a:schemeClr val="bg2"/>
+                </a:solidFill>
+                <a:latin typeface="Roboto" panose="020B0604020202020204" charset="0"/>
+                <a:ea typeface="Roboto" panose="020B0604020202020204" charset="0"/>
+              </a:rPr>
+              <a:t>sendMessageToStudent</a:t>
+            </a:r>
+            <a:r>
+              <a:rPr lang="en-US" altLang="en-US" sz="1800" dirty="0">
+                <a:solidFill>
+                  <a:schemeClr val="bg2"/>
+                </a:solidFill>
+                <a:latin typeface="Roboto" panose="020B0604020202020204" charset="0"/>
+                <a:ea typeface="Roboto" panose="020B0604020202020204" charset="0"/>
+              </a:rPr>
+              <a:t> = </a:t>
+            </a:r>
+            <a:r>
+              <a:rPr lang="en-US" altLang="en-US" sz="1800" dirty="0" err="1">
+                <a:solidFill>
+                  <a:schemeClr val="bg2"/>
+                </a:solidFill>
+                <a:latin typeface="Roboto" panose="020B0604020202020204" charset="0"/>
+                <a:ea typeface="Roboto" panose="020B0604020202020204" charset="0"/>
+              </a:rPr>
+              <a:t>user.sendMessage.bind</a:t>
+            </a:r>
+            <a:r>
+              <a:rPr lang="en-US" altLang="en-US" sz="1800" dirty="0">
+                <a:solidFill>
+                  <a:schemeClr val="bg2"/>
+                </a:solidFill>
+                <a:latin typeface="Roboto" panose="020B0604020202020204" charset="0"/>
+                <a:ea typeface="Roboto" panose="020B0604020202020204" charset="0"/>
+              </a:rPr>
+              <a:t>(student);</a:t>
+            </a:r>
+            <a:endParaRPr lang="en-US" sz="1800" b="1" dirty="0">
+              <a:solidFill>
+                <a:schemeClr val="bg2"/>
+              </a:solidFill>
+              <a:latin typeface="Roboto" panose="020B0604020202020204" charset="0"/>
+              <a:ea typeface="Roboto" panose="020B0604020202020204" charset="0"/>
+            </a:endParaRPr>
+          </a:p>
+          <a:p>
+            <a:endParaRPr lang="en-US" b="1" dirty="0">
+              <a:solidFill>
+                <a:schemeClr val="bg1">
+                  <a:lumMod val="50000"/>
+                </a:schemeClr>
+              </a:solidFill>
+              <a:latin typeface="Roboto" panose="020B0604020202020204" charset="0"/>
+              <a:ea typeface="Roboto" panose="020B0604020202020204" charset="0"/>
+            </a:endParaRPr>
+          </a:p>
+          <a:p>
+            <a:br>
+              <a:rPr lang="en-US" b="1" dirty="0">
+                <a:solidFill>
+                  <a:schemeClr val="bg1">
+                    <a:lumMod val="50000"/>
+                  </a:schemeClr>
+                </a:solidFill>
+                <a:latin typeface="Roboto" panose="020B0604020202020204" charset="0"/>
+                <a:ea typeface="Roboto" panose="020B0604020202020204" charset="0"/>
+              </a:rPr>
+            </a:br>
+            <a:endParaRPr lang="en-US" dirty="0">
+              <a:solidFill>
+                <a:schemeClr val="bg1">
+                  <a:lumMod val="50000"/>
+                </a:schemeClr>
+              </a:solidFill>
+            </a:endParaRPr>
+          </a:p>
+        </p:txBody>
+      </p:sp>
+    </p:spTree>
+    <p:extLst>
+      <p:ext uri="{BB962C8B-B14F-4D97-AF65-F5344CB8AC3E}">
+        <p14:creationId xmlns:p14="http://schemas.microsoft.com/office/powerpoint/2010/main" val="1022021860"/>
+      </p:ext>
+    </p:extLst>
+  </p:cSld>
+  <p:clrMapOvr>
+    <a:masterClrMapping/>
+  </p:clrMapOvr>
+</p:sld>
+</file>
+
+<file path=ppt/slides/slide17.xml><?xml version="1.0" encoding="utf-8"?>
+<p:sld xmlns:a="http://schemas.openxmlformats.org/drawingml/2006/main" xmlns:r="http://schemas.openxmlformats.org/officeDocument/2006/relationships" xmlns:p="http://schemas.openxmlformats.org/presentationml/2006/main">
+  <p:cSld>
+    <p:spTree>
+      <p:nvGrpSpPr>
+        <p:cNvPr id="1" name=""/>
+        <p:cNvGrpSpPr/>
+        <p:nvPr/>
+      </p:nvGrpSpPr>
+      <p:grpSpPr>
+        <a:xfrm>
+          <a:off x="0" y="0"/>
+          <a:ext cx="0" cy="0"/>
+          <a:chOff x="0" y="0"/>
+          <a:chExt cx="0" cy="0"/>
+        </a:xfrm>
+      </p:grpSpPr>
+      <p:sp>
+        <p:nvSpPr>
+          <p:cNvPr id="2" name="Title 1">
+            <a:extLst>
+              <a:ext uri="{FF2B5EF4-FFF2-40B4-BE49-F238E27FC236}">
+                <a16:creationId xmlns:a16="http://schemas.microsoft.com/office/drawing/2014/main" id="{06544CB4-8E7E-4A86-944E-C314009A803C}"/>
+              </a:ext>
+            </a:extLst>
+          </p:cNvPr>
+          <p:cNvSpPr>
+            <a:spLocks noGrp="1"/>
+          </p:cNvSpPr>
+          <p:nvPr>
+            <p:ph type="title"/>
+          </p:nvPr>
+        </p:nvSpPr>
+        <p:spPr/>
+        <p:txBody>
+          <a:bodyPr/>
+          <a:lstStyle/>
+          <a:p>
+            <a:r>
+              <a:rPr lang="en-US" b="1" dirty="0"/>
+              <a:t>Constructor Function</a:t>
+            </a:r>
+            <a:endParaRPr lang="en-US" dirty="0"/>
+          </a:p>
+        </p:txBody>
+      </p:sp>
+      <p:sp>
+        <p:nvSpPr>
+          <p:cNvPr id="3" name="Text Placeholder 2">
+            <a:extLst>
+              <a:ext uri="{FF2B5EF4-FFF2-40B4-BE49-F238E27FC236}">
+                <a16:creationId xmlns:a16="http://schemas.microsoft.com/office/drawing/2014/main" id="{B28B48B3-22B9-46FF-9386-08BB3B80984E}"/>
+              </a:ext>
+            </a:extLst>
+          </p:cNvPr>
+          <p:cNvSpPr>
+            <a:spLocks noGrp="1"/>
+          </p:cNvSpPr>
+          <p:nvPr>
+            <p:ph type="body" idx="1"/>
+          </p:nvPr>
+        </p:nvSpPr>
+        <p:spPr>
+          <a:xfrm>
+            <a:off x="127591" y="1823381"/>
+            <a:ext cx="8491981" cy="3224425"/>
+          </a:xfrm>
+        </p:spPr>
+        <p:txBody>
+          <a:bodyPr/>
+          <a:lstStyle/>
+          <a:p>
+            <a:pPr marL="114300" indent="0">
+              <a:buNone/>
+            </a:pPr>
+            <a:r>
+              <a:rPr lang="en-US" sz="1600" dirty="0"/>
+              <a:t>function User (name, email) {</a:t>
+            </a:r>
+            <a:br>
+              <a:rPr lang="en-US" sz="1600" dirty="0"/>
+            </a:br>
+            <a:r>
+              <a:rPr lang="en-US" sz="1600" dirty="0"/>
+              <a:t>        this.name = name;   </a:t>
+            </a:r>
+            <a:r>
+              <a:rPr lang="en-US" sz="1600" dirty="0">
+                <a:solidFill>
+                  <a:schemeClr val="tx1"/>
+                </a:solidFill>
+              </a:rPr>
+              <a:t>// instance variables</a:t>
+            </a:r>
+            <a:br>
+              <a:rPr lang="en-US" sz="1600" dirty="0"/>
+            </a:br>
+            <a:r>
+              <a:rPr lang="en-US" sz="1600" dirty="0"/>
+              <a:t>        </a:t>
+            </a:r>
+            <a:r>
+              <a:rPr lang="en-US" sz="1600" dirty="0" err="1"/>
+              <a:t>this.email</a:t>
+            </a:r>
+            <a:r>
+              <a:rPr lang="en-US" sz="1600" dirty="0"/>
+              <a:t> = email;</a:t>
+            </a:r>
+            <a:br>
+              <a:rPr lang="en-US" sz="1600" dirty="0"/>
+            </a:br>
+            <a:r>
+              <a:rPr lang="en-US" sz="1600" dirty="0"/>
+              <a:t>        </a:t>
+            </a:r>
+            <a:r>
+              <a:rPr lang="en-US" sz="1600" dirty="0" err="1"/>
+              <a:t>this.save</a:t>
+            </a:r>
+            <a:r>
+              <a:rPr lang="en-US" sz="1600" dirty="0"/>
+              <a:t> = function () {</a:t>
+            </a:r>
+            <a:br>
+              <a:rPr lang="en-US" sz="1600" dirty="0"/>
+            </a:br>
+            <a:r>
+              <a:rPr lang="en-US" sz="1600" dirty="0"/>
+              <a:t>        this.id = +new Date(); </a:t>
+            </a:r>
+            <a:br>
+              <a:rPr lang="en-US" sz="1600" dirty="0"/>
+            </a:br>
+            <a:r>
+              <a:rPr lang="en-US" sz="1600" dirty="0"/>
+              <a:t>       //console.log(`${this.name} saved to DB successfully!`);</a:t>
+            </a:r>
+            <a:br>
+              <a:rPr lang="en-US" sz="1600" dirty="0"/>
+            </a:br>
+            <a:r>
+              <a:rPr lang="en-US" sz="1600" dirty="0"/>
+              <a:t>        return this.id;</a:t>
+            </a:r>
+            <a:br>
+              <a:rPr lang="en-US" sz="1600" dirty="0"/>
+            </a:br>
+            <a:r>
+              <a:rPr lang="en-US" sz="1600" dirty="0"/>
+              <a:t>        }</a:t>
+            </a:r>
+            <a:br>
+              <a:rPr lang="en-US" sz="1600" dirty="0"/>
+            </a:br>
+            <a:r>
+              <a:rPr lang="en-US" sz="1600" dirty="0"/>
+              <a:t>}</a:t>
+            </a:r>
+          </a:p>
+          <a:p>
+            <a:pPr marL="114300" indent="0">
+              <a:buNone/>
+            </a:pPr>
+            <a:r>
+              <a:rPr lang="en-US" sz="1600" dirty="0"/>
+              <a:t>let user = new User('</a:t>
+            </a:r>
+            <a:r>
+              <a:rPr lang="en-US" sz="1600" dirty="0" err="1"/>
+              <a:t>rajesh</a:t>
+            </a:r>
+            <a:r>
+              <a:rPr lang="en-US" sz="1600" dirty="0"/>
+              <a:t>', 'someemail@test.com');</a:t>
+            </a:r>
+          </a:p>
+        </p:txBody>
+      </p:sp>
+    </p:spTree>
+    <p:extLst>
+      <p:ext uri="{BB962C8B-B14F-4D97-AF65-F5344CB8AC3E}">
+        <p14:creationId xmlns:p14="http://schemas.microsoft.com/office/powerpoint/2010/main" val="3541455999"/>
+      </p:ext>
+    </p:extLst>
+  </p:cSld>
+  <p:clrMapOvr>
+    <a:masterClrMapping/>
+  </p:clrMapOvr>
+</p:sld>
+</file>
+
+<file path=ppt/slides/slide18.xml><?xml version="1.0" encoding="utf-8"?>
+<p:sld xmlns:a="http://schemas.openxmlformats.org/drawingml/2006/main" xmlns:r="http://schemas.openxmlformats.org/officeDocument/2006/relationships" xmlns:p="http://schemas.openxmlformats.org/presentationml/2006/main">
+  <p:cSld>
+    <p:spTree>
+      <p:nvGrpSpPr>
+        <p:cNvPr id="1" name=""/>
+        <p:cNvGrpSpPr/>
+        <p:nvPr/>
+      </p:nvGrpSpPr>
+      <p:grpSpPr>
+        <a:xfrm>
+          <a:off x="0" y="0"/>
+          <a:ext cx="0" cy="0"/>
+          <a:chOff x="0" y="0"/>
+          <a:chExt cx="0" cy="0"/>
+        </a:xfrm>
+      </p:grpSpPr>
+      <p:sp>
+        <p:nvSpPr>
+          <p:cNvPr id="2" name="Title 1">
+            <a:extLst>
+              <a:ext uri="{FF2B5EF4-FFF2-40B4-BE49-F238E27FC236}">
+                <a16:creationId xmlns:a16="http://schemas.microsoft.com/office/drawing/2014/main" id="{FE1B2D4C-BD3A-4133-8C24-2DE8D5674FDD}"/>
+              </a:ext>
+            </a:extLst>
+          </p:cNvPr>
+          <p:cNvSpPr>
+            <a:spLocks noGrp="1"/>
+          </p:cNvSpPr>
+          <p:nvPr>
+            <p:ph type="title"/>
+          </p:nvPr>
+        </p:nvSpPr>
+        <p:spPr/>
+        <p:txBody>
+          <a:bodyPr/>
+          <a:lstStyle/>
+          <a:p>
+            <a:r>
+              <a:rPr lang="en-US" b="1" dirty="0"/>
+              <a:t>Why use a prototype for adding instance methods?</a:t>
+            </a:r>
+            <a:endParaRPr lang="en-US" dirty="0"/>
+          </a:p>
+        </p:txBody>
+      </p:sp>
+      <p:sp>
+        <p:nvSpPr>
+          <p:cNvPr id="3" name="Text Placeholder 2">
+            <a:extLst>
+              <a:ext uri="{FF2B5EF4-FFF2-40B4-BE49-F238E27FC236}">
+                <a16:creationId xmlns:a16="http://schemas.microsoft.com/office/drawing/2014/main" id="{9B197A80-2E5F-4DFC-B0F6-EE5A18779974}"/>
+              </a:ext>
+            </a:extLst>
+          </p:cNvPr>
+          <p:cNvSpPr>
+            <a:spLocks noGrp="1"/>
+          </p:cNvSpPr>
+          <p:nvPr>
+            <p:ph type="body" idx="1"/>
+          </p:nvPr>
+        </p:nvSpPr>
+        <p:spPr>
+          <a:xfrm>
+            <a:off x="810108" y="1940340"/>
+            <a:ext cx="7545684" cy="2710200"/>
+          </a:xfrm>
+        </p:spPr>
+        <p:txBody>
+          <a:bodyPr/>
+          <a:lstStyle/>
+          <a:p>
+            <a:pPr marL="114300" indent="0">
+              <a:buNone/>
+            </a:pPr>
+            <a:r>
+              <a:rPr lang="en-US" altLang="en-US" dirty="0">
+                <a:solidFill>
+                  <a:schemeClr val="tx2"/>
+                </a:solidFill>
+                <a:latin typeface="Roboto" panose="020B0604020202020204" charset="0"/>
+                <a:ea typeface="Roboto" panose="020B0604020202020204" charset="0"/>
+              </a:rPr>
+              <a:t>let users = [];</a:t>
+            </a:r>
+            <a:br>
+              <a:rPr lang="en-US" altLang="en-US" dirty="0">
+                <a:solidFill>
+                  <a:schemeClr val="tx2"/>
+                </a:solidFill>
+                <a:latin typeface="Roboto" panose="020B0604020202020204" charset="0"/>
+                <a:ea typeface="Roboto" panose="020B0604020202020204" charset="0"/>
+              </a:rPr>
+            </a:br>
+            <a:r>
+              <a:rPr lang="en-US" altLang="en-US" dirty="0">
+                <a:solidFill>
+                  <a:schemeClr val="tx2"/>
+                </a:solidFill>
+                <a:latin typeface="Roboto" panose="020B0604020202020204" charset="0"/>
+                <a:ea typeface="Roboto" panose="020B0604020202020204" charset="0"/>
+              </a:rPr>
+              <a:t>for(let </a:t>
+            </a:r>
+            <a:r>
+              <a:rPr lang="en-US" altLang="en-US" dirty="0" err="1">
+                <a:solidFill>
+                  <a:schemeClr val="tx2"/>
+                </a:solidFill>
+                <a:latin typeface="Roboto" panose="020B0604020202020204" charset="0"/>
+                <a:ea typeface="Roboto" panose="020B0604020202020204" charset="0"/>
+              </a:rPr>
+              <a:t>i</a:t>
+            </a:r>
+            <a:r>
+              <a:rPr lang="en-US" altLang="en-US" dirty="0">
+                <a:solidFill>
+                  <a:schemeClr val="tx2"/>
+                </a:solidFill>
+                <a:latin typeface="Roboto" panose="020B0604020202020204" charset="0"/>
+                <a:ea typeface="Roboto" panose="020B0604020202020204" charset="0"/>
+              </a:rPr>
+              <a:t> = 1; </a:t>
+            </a:r>
+            <a:r>
+              <a:rPr lang="en-US" altLang="en-US" dirty="0" err="1">
+                <a:solidFill>
+                  <a:schemeClr val="tx2"/>
+                </a:solidFill>
+                <a:latin typeface="Roboto" panose="020B0604020202020204" charset="0"/>
+                <a:ea typeface="Roboto" panose="020B0604020202020204" charset="0"/>
+              </a:rPr>
+              <a:t>i</a:t>
+            </a:r>
+            <a:r>
+              <a:rPr lang="en-US" altLang="en-US" dirty="0">
+                <a:solidFill>
+                  <a:schemeClr val="tx2"/>
+                </a:solidFill>
+                <a:latin typeface="Roboto" panose="020B0604020202020204" charset="0"/>
+                <a:ea typeface="Roboto" panose="020B0604020202020204" charset="0"/>
+              </a:rPr>
+              <a:t> &lt;= 100; </a:t>
+            </a:r>
+            <a:r>
+              <a:rPr lang="en-US" altLang="en-US" dirty="0" err="1">
+                <a:solidFill>
+                  <a:schemeClr val="tx2"/>
+                </a:solidFill>
+                <a:latin typeface="Roboto" panose="020B0604020202020204" charset="0"/>
+                <a:ea typeface="Roboto" panose="020B0604020202020204" charset="0"/>
+              </a:rPr>
+              <a:t>i</a:t>
+            </a:r>
+            <a:r>
+              <a:rPr lang="en-US" altLang="en-US" dirty="0">
+                <a:solidFill>
+                  <a:schemeClr val="tx2"/>
+                </a:solidFill>
+                <a:latin typeface="Roboto" panose="020B0604020202020204" charset="0"/>
+                <a:ea typeface="Roboto" panose="020B0604020202020204" charset="0"/>
+              </a:rPr>
+              <a:t>++) {</a:t>
+            </a:r>
+            <a:br>
+              <a:rPr lang="en-US" altLang="en-US" dirty="0">
+                <a:solidFill>
+                  <a:schemeClr val="tx2"/>
+                </a:solidFill>
+                <a:latin typeface="Roboto" panose="020B0604020202020204" charset="0"/>
+                <a:ea typeface="Roboto" panose="020B0604020202020204" charset="0"/>
+              </a:rPr>
+            </a:br>
+            <a:r>
+              <a:rPr lang="en-US" altLang="en-US" dirty="0">
+                <a:solidFill>
+                  <a:schemeClr val="tx2"/>
+                </a:solidFill>
+                <a:latin typeface="Roboto" panose="020B0604020202020204" charset="0"/>
+                <a:ea typeface="Roboto" panose="020B0604020202020204" charset="0"/>
+              </a:rPr>
+              <a:t>        let user = new User(`user ${</a:t>
+            </a:r>
+            <a:r>
+              <a:rPr lang="en-US" altLang="en-US" dirty="0" err="1">
+                <a:solidFill>
+                  <a:schemeClr val="tx2"/>
+                </a:solidFill>
+                <a:latin typeface="Roboto" panose="020B0604020202020204" charset="0"/>
+                <a:ea typeface="Roboto" panose="020B0604020202020204" charset="0"/>
+              </a:rPr>
+              <a:t>i</a:t>
+            </a:r>
+            <a:r>
+              <a:rPr lang="en-US" altLang="en-US" dirty="0">
+                <a:solidFill>
+                  <a:schemeClr val="tx2"/>
+                </a:solidFill>
+                <a:latin typeface="Roboto" panose="020B0604020202020204" charset="0"/>
+                <a:ea typeface="Roboto" panose="020B0604020202020204" charset="0"/>
+              </a:rPr>
+              <a:t>}`);</a:t>
+            </a:r>
+            <a:br>
+              <a:rPr lang="en-US" altLang="en-US" dirty="0">
+                <a:solidFill>
+                  <a:schemeClr val="tx2"/>
+                </a:solidFill>
+                <a:latin typeface="Roboto" panose="020B0604020202020204" charset="0"/>
+                <a:ea typeface="Roboto" panose="020B0604020202020204" charset="0"/>
+              </a:rPr>
+            </a:br>
+            <a:r>
+              <a:rPr lang="en-US" altLang="en-US" dirty="0">
+                <a:solidFill>
+                  <a:schemeClr val="tx2"/>
+                </a:solidFill>
+                <a:latin typeface="Roboto" panose="020B0604020202020204" charset="0"/>
+                <a:ea typeface="Roboto" panose="020B0604020202020204" charset="0"/>
+              </a:rPr>
+              <a:t>        </a:t>
+            </a:r>
+            <a:r>
+              <a:rPr lang="en-US" altLang="en-US" dirty="0" err="1">
+                <a:solidFill>
+                  <a:schemeClr val="tx2"/>
+                </a:solidFill>
+                <a:latin typeface="Roboto" panose="020B0604020202020204" charset="0"/>
+                <a:ea typeface="Roboto" panose="020B0604020202020204" charset="0"/>
+              </a:rPr>
+              <a:t>user.email</a:t>
+            </a:r>
+            <a:r>
+              <a:rPr lang="en-US" altLang="en-US" dirty="0">
+                <a:solidFill>
+                  <a:schemeClr val="tx2"/>
+                </a:solidFill>
+                <a:latin typeface="Roboto" panose="020B0604020202020204" charset="0"/>
+                <a:ea typeface="Roboto" panose="020B0604020202020204" charset="0"/>
+              </a:rPr>
+              <a:t> = `</a:t>
+            </a:r>
+            <a:r>
+              <a:rPr lang="en-US" altLang="en-US" dirty="0">
+                <a:solidFill>
+                  <a:schemeClr val="tx2"/>
+                </a:solidFill>
+                <a:latin typeface="Roboto" panose="020B0604020202020204" charset="0"/>
+                <a:ea typeface="Roboto" panose="020B0604020202020204" charset="0"/>
+                <a:hlinkClick r:id="rId2">
+                  <a:extLst>
+                    <a:ext uri="{A12FA001-AC4F-418D-AE19-62706E023703}">
+                      <ahyp:hlinkClr xmlns:ahyp="http://schemas.microsoft.com/office/drawing/2018/hyperlinkcolor" val="tx"/>
+                    </a:ext>
+                  </a:extLst>
+                </a:hlinkClick>
+              </a:rPr>
+              <a:t>user${</a:t>
+            </a:r>
+            <a:r>
+              <a:rPr lang="en-US" altLang="en-US" dirty="0" err="1">
+                <a:solidFill>
+                  <a:schemeClr val="tx2"/>
+                </a:solidFill>
+                <a:latin typeface="Roboto" panose="020B0604020202020204" charset="0"/>
+                <a:ea typeface="Roboto" panose="020B0604020202020204" charset="0"/>
+                <a:hlinkClick r:id="rId2">
+                  <a:extLst>
+                    <a:ext uri="{A12FA001-AC4F-418D-AE19-62706E023703}">
+                      <ahyp:hlinkClr xmlns:ahyp="http://schemas.microsoft.com/office/drawing/2018/hyperlinkcolor" val="tx"/>
+                    </a:ext>
+                  </a:extLst>
+                </a:hlinkClick>
+              </a:rPr>
+              <a:t>i</a:t>
+            </a:r>
+            <a:r>
+              <a:rPr lang="en-US" altLang="en-US" dirty="0">
+                <a:solidFill>
+                  <a:schemeClr val="tx2"/>
+                </a:solidFill>
+                <a:latin typeface="Roboto" panose="020B0604020202020204" charset="0"/>
+                <a:ea typeface="Roboto" panose="020B0604020202020204" charset="0"/>
+                <a:hlinkClick r:id="rId2">
+                  <a:extLst>
+                    <a:ext uri="{A12FA001-AC4F-418D-AE19-62706E023703}">
+                      <ahyp:hlinkClr xmlns:ahyp="http://schemas.microsoft.com/office/drawing/2018/hyperlinkcolor" val="tx"/>
+                    </a:ext>
+                  </a:extLst>
+                </a:hlinkClick>
+              </a:rPr>
+              <a:t>}@test.com</a:t>
+            </a:r>
+            <a:r>
+              <a:rPr lang="en-US" altLang="en-US" dirty="0">
+                <a:solidFill>
+                  <a:schemeClr val="tx2"/>
+                </a:solidFill>
+                <a:latin typeface="Roboto" panose="020B0604020202020204" charset="0"/>
+                <a:ea typeface="Roboto" panose="020B0604020202020204" charset="0"/>
+              </a:rPr>
+              <a:t>`;   </a:t>
+            </a:r>
+            <a:r>
+              <a:rPr lang="en-US" altLang="en-US" dirty="0">
+                <a:solidFill>
+                  <a:schemeClr val="tx1"/>
+                </a:solidFill>
+                <a:latin typeface="Roboto" panose="020B0604020202020204" charset="0"/>
+                <a:ea typeface="Roboto" panose="020B0604020202020204" charset="0"/>
+              </a:rPr>
+              <a:t>// Lets create dynamic email</a:t>
+            </a:r>
+            <a:br>
+              <a:rPr lang="en-US" altLang="en-US" dirty="0">
+                <a:solidFill>
+                  <a:schemeClr val="tx2"/>
+                </a:solidFill>
+                <a:latin typeface="Roboto" panose="020B0604020202020204" charset="0"/>
+                <a:ea typeface="Roboto" panose="020B0604020202020204" charset="0"/>
+              </a:rPr>
+            </a:br>
+            <a:r>
+              <a:rPr lang="en-US" altLang="en-US" dirty="0">
+                <a:solidFill>
+                  <a:schemeClr val="tx2"/>
+                </a:solidFill>
+                <a:latin typeface="Roboto" panose="020B0604020202020204" charset="0"/>
+                <a:ea typeface="Roboto" panose="020B0604020202020204" charset="0"/>
+              </a:rPr>
+              <a:t>        </a:t>
+            </a:r>
+            <a:r>
+              <a:rPr lang="en-US" altLang="en-US" dirty="0" err="1">
+                <a:solidFill>
+                  <a:schemeClr val="tx2"/>
+                </a:solidFill>
+                <a:latin typeface="Roboto" panose="020B0604020202020204" charset="0"/>
+                <a:ea typeface="Roboto" panose="020B0604020202020204" charset="0"/>
+              </a:rPr>
+              <a:t>users.push</a:t>
+            </a:r>
+            <a:r>
+              <a:rPr lang="en-US" altLang="en-US" dirty="0">
+                <a:solidFill>
+                  <a:schemeClr val="tx2"/>
+                </a:solidFill>
+                <a:latin typeface="Roboto" panose="020B0604020202020204" charset="0"/>
+                <a:ea typeface="Roboto" panose="020B0604020202020204" charset="0"/>
+              </a:rPr>
+              <a:t>(user);</a:t>
+            </a:r>
+            <a:br>
+              <a:rPr lang="en-US" altLang="en-US" dirty="0">
+                <a:solidFill>
+                  <a:schemeClr val="tx2"/>
+                </a:solidFill>
+                <a:latin typeface="Roboto" panose="020B0604020202020204" charset="0"/>
+                <a:ea typeface="Roboto" panose="020B0604020202020204" charset="0"/>
+              </a:rPr>
+            </a:br>
+            <a:r>
+              <a:rPr lang="en-US" altLang="en-US" dirty="0">
+                <a:solidFill>
+                  <a:schemeClr val="tx2"/>
+                </a:solidFill>
+                <a:latin typeface="Roboto" panose="020B0604020202020204" charset="0"/>
+                <a:ea typeface="Roboto" panose="020B0604020202020204" charset="0"/>
+              </a:rPr>
+              <a:t>}</a:t>
+            </a:r>
+          </a:p>
+          <a:p>
+            <a:pPr marL="114300" indent="0">
+              <a:buNone/>
+            </a:pPr>
+            <a:endParaRPr lang="en-US" altLang="en-US" dirty="0">
+              <a:solidFill>
+                <a:schemeClr val="tx2"/>
+              </a:solidFill>
+              <a:latin typeface="Roboto" panose="020B0604020202020204" charset="0"/>
+              <a:ea typeface="Roboto" panose="020B0604020202020204" charset="0"/>
+            </a:endParaRPr>
+          </a:p>
+          <a:p>
+            <a:pPr marL="114300" indent="0">
+              <a:buNone/>
+            </a:pPr>
+            <a:r>
+              <a:rPr lang="en-US" altLang="en-US" dirty="0">
+                <a:solidFill>
+                  <a:schemeClr val="tx2"/>
+                </a:solidFill>
+                <a:latin typeface="Roboto" panose="020B0604020202020204" charset="0"/>
+                <a:ea typeface="Roboto" panose="020B0604020202020204" charset="0"/>
+              </a:rPr>
+              <a:t>console.log(users); </a:t>
+            </a:r>
+          </a:p>
+          <a:p>
+            <a:pPr marL="114300" indent="0">
+              <a:buNone/>
+            </a:pPr>
+            <a:endParaRPr lang="en-US" dirty="0"/>
+          </a:p>
+        </p:txBody>
+      </p:sp>
+    </p:spTree>
+    <p:extLst>
+      <p:ext uri="{BB962C8B-B14F-4D97-AF65-F5344CB8AC3E}">
+        <p14:creationId xmlns:p14="http://schemas.microsoft.com/office/powerpoint/2010/main" val="4162339832"/>
+      </p:ext>
+    </p:extLst>
+  </p:cSld>
+  <p:clrMapOvr>
+    <a:masterClrMapping/>
+  </p:clrMapOvr>
+</p:sld>
+</file>
+
+<file path=ppt/slides/slide19.xml><?xml version="1.0" encoding="utf-8"?>
+<p:sld xmlns:a="http://schemas.openxmlformats.org/drawingml/2006/main" xmlns:r="http://schemas.openxmlformats.org/officeDocument/2006/relationships" xmlns:p="http://schemas.openxmlformats.org/presentationml/2006/main">
+  <p:cSld>
+    <p:spTree>
+      <p:nvGrpSpPr>
+        <p:cNvPr id="1" name=""/>
+        <p:cNvGrpSpPr/>
+        <p:nvPr/>
+      </p:nvGrpSpPr>
+      <p:grpSpPr>
+        <a:xfrm>
+          <a:off x="0" y="0"/>
+          <a:ext cx="0" cy="0"/>
+          <a:chOff x="0" y="0"/>
+          <a:chExt cx="0" cy="0"/>
+        </a:xfrm>
+      </p:grpSpPr>
+      <p:sp>
+        <p:nvSpPr>
+          <p:cNvPr id="2" name="Title 1">
+            <a:extLst>
+              <a:ext uri="{FF2B5EF4-FFF2-40B4-BE49-F238E27FC236}">
+                <a16:creationId xmlns:a16="http://schemas.microsoft.com/office/drawing/2014/main" id="{66C2CA43-AB30-4CF9-A1E9-7FF7764C3A79}"/>
+              </a:ext>
+            </a:extLst>
+          </p:cNvPr>
+          <p:cNvSpPr>
+            <a:spLocks noGrp="1"/>
+          </p:cNvSpPr>
+          <p:nvPr>
+            <p:ph type="title"/>
+          </p:nvPr>
+        </p:nvSpPr>
+        <p:spPr/>
+        <p:txBody>
+          <a:bodyPr/>
+          <a:lstStyle/>
+          <a:p>
+            <a:r>
+              <a:rPr lang="en-US" b="1" dirty="0"/>
+              <a:t>How to return a custom object from a Constructor function?</a:t>
+            </a:r>
+            <a:endParaRPr lang="en-US" dirty="0"/>
+          </a:p>
+        </p:txBody>
+      </p:sp>
+      <p:sp>
+        <p:nvSpPr>
+          <p:cNvPr id="3" name="Text Placeholder 2">
+            <a:extLst>
+              <a:ext uri="{FF2B5EF4-FFF2-40B4-BE49-F238E27FC236}">
+                <a16:creationId xmlns:a16="http://schemas.microsoft.com/office/drawing/2014/main" id="{55747EBD-47FF-4ACA-B91F-6607C6EF378F}"/>
+              </a:ext>
+            </a:extLst>
+          </p:cNvPr>
+          <p:cNvSpPr>
+            <a:spLocks noGrp="1"/>
+          </p:cNvSpPr>
+          <p:nvPr>
+            <p:ph type="body" idx="1"/>
+          </p:nvPr>
+        </p:nvSpPr>
+        <p:spPr>
+          <a:xfrm>
+            <a:off x="460950" y="1630779"/>
+            <a:ext cx="8222100" cy="3512721"/>
+          </a:xfrm>
+        </p:spPr>
+        <p:txBody>
+          <a:bodyPr/>
+          <a:lstStyle/>
+          <a:p>
+            <a:pPr marL="114300" indent="0">
+              <a:buNone/>
+            </a:pPr>
+            <a:r>
+              <a:rPr lang="en-US" altLang="en-US" sz="1500" dirty="0">
+                <a:solidFill>
+                  <a:schemeClr val="tx2"/>
+                </a:solidFill>
+                <a:latin typeface="Roboto" panose="020B0604020202020204" charset="0"/>
+                <a:ea typeface="Roboto" panose="020B0604020202020204" charset="0"/>
+              </a:rPr>
+              <a:t>function </a:t>
+            </a:r>
+            <a:r>
+              <a:rPr lang="en-US" altLang="en-US" sz="1500" dirty="0" err="1">
+                <a:solidFill>
+                  <a:schemeClr val="tx2"/>
+                </a:solidFill>
+                <a:latin typeface="Roboto" panose="020B0604020202020204" charset="0"/>
+                <a:ea typeface="Roboto" panose="020B0604020202020204" charset="0"/>
+              </a:rPr>
+              <a:t>Api</a:t>
+            </a:r>
+            <a:r>
+              <a:rPr lang="en-US" altLang="en-US" sz="1500" dirty="0">
+                <a:solidFill>
+                  <a:schemeClr val="tx2"/>
+                </a:solidFill>
+                <a:latin typeface="Roboto" panose="020B0604020202020204" charset="0"/>
+                <a:ea typeface="Roboto" panose="020B0604020202020204" charset="0"/>
+              </a:rPr>
+              <a:t>(</a:t>
+            </a:r>
+            <a:r>
+              <a:rPr lang="en-US" altLang="en-US" sz="1500" dirty="0" err="1">
+                <a:solidFill>
+                  <a:schemeClr val="tx2"/>
+                </a:solidFill>
+                <a:latin typeface="Roboto" panose="020B0604020202020204" charset="0"/>
+                <a:ea typeface="Roboto" panose="020B0604020202020204" charset="0"/>
+              </a:rPr>
+              <a:t>baseUrl</a:t>
+            </a:r>
+            <a:r>
+              <a:rPr lang="en-US" altLang="en-US" sz="1500" dirty="0">
+                <a:solidFill>
+                  <a:schemeClr val="tx2"/>
+                </a:solidFill>
+                <a:latin typeface="Roboto" panose="020B0604020202020204" charset="0"/>
+                <a:ea typeface="Roboto" panose="020B0604020202020204" charset="0"/>
+              </a:rPr>
+              <a:t>) {</a:t>
+            </a:r>
+            <a:br>
+              <a:rPr lang="en-US" altLang="en-US" sz="1500" dirty="0">
+                <a:solidFill>
+                  <a:schemeClr val="tx2"/>
+                </a:solidFill>
+                <a:latin typeface="Roboto" panose="020B0604020202020204" charset="0"/>
+                <a:ea typeface="Roboto" panose="020B0604020202020204" charset="0"/>
+              </a:rPr>
+            </a:br>
+            <a:r>
+              <a:rPr lang="en-US" altLang="en-US" sz="1500" dirty="0">
+                <a:solidFill>
+                  <a:schemeClr val="tx2"/>
+                </a:solidFill>
+                <a:latin typeface="Roboto" panose="020B0604020202020204" charset="0"/>
+                <a:ea typeface="Roboto" panose="020B0604020202020204" charset="0"/>
+              </a:rPr>
+              <a:t>         let _secret = +new Date(); </a:t>
+            </a:r>
+            <a:br>
+              <a:rPr lang="en-US" altLang="en-US" sz="1500" dirty="0">
+                <a:solidFill>
+                  <a:schemeClr val="tx2"/>
+                </a:solidFill>
+                <a:latin typeface="Roboto" panose="020B0604020202020204" charset="0"/>
+                <a:ea typeface="Roboto" panose="020B0604020202020204" charset="0"/>
+              </a:rPr>
+            </a:br>
+            <a:r>
+              <a:rPr lang="en-US" altLang="en-US" sz="1500" dirty="0">
+                <a:solidFill>
+                  <a:schemeClr val="tx2"/>
+                </a:solidFill>
+                <a:latin typeface="Roboto" panose="020B0604020202020204" charset="0"/>
+                <a:ea typeface="Roboto" panose="020B0604020202020204" charset="0"/>
+              </a:rPr>
+              <a:t>         let self = this; </a:t>
+            </a:r>
+            <a:r>
+              <a:rPr lang="en-US" altLang="en-US" sz="1500" dirty="0">
+                <a:solidFill>
+                  <a:schemeClr val="tx1"/>
+                </a:solidFill>
+                <a:latin typeface="Roboto" panose="020B0604020202020204" charset="0"/>
+                <a:ea typeface="Roboto" panose="020B0604020202020204" charset="0"/>
+              </a:rPr>
+              <a:t>// in case you access to 'this' of </a:t>
+            </a:r>
+            <a:r>
+              <a:rPr lang="en-US" altLang="en-US" sz="1500" dirty="0" err="1">
+                <a:solidFill>
+                  <a:schemeClr val="tx1"/>
+                </a:solidFill>
+                <a:latin typeface="Roboto" panose="020B0604020202020204" charset="0"/>
+                <a:ea typeface="Roboto" panose="020B0604020202020204" charset="0"/>
+              </a:rPr>
+              <a:t>Api</a:t>
+            </a:r>
+            <a:r>
+              <a:rPr lang="en-US" altLang="en-US" sz="1500" dirty="0">
+                <a:solidFill>
+                  <a:schemeClr val="tx1"/>
+                </a:solidFill>
+                <a:latin typeface="Roboto" panose="020B0604020202020204" charset="0"/>
+                <a:ea typeface="Roboto" panose="020B0604020202020204" charset="0"/>
+              </a:rPr>
+              <a:t>. </a:t>
+            </a:r>
+          </a:p>
+          <a:p>
+            <a:pPr marL="114300" indent="0">
+              <a:buNone/>
+            </a:pPr>
+            <a:r>
+              <a:rPr lang="en-US" altLang="en-US" sz="1500" dirty="0">
+                <a:solidFill>
+                  <a:schemeClr val="tx2"/>
+                </a:solidFill>
+                <a:latin typeface="Roboto" panose="020B0604020202020204" charset="0"/>
+                <a:ea typeface="Roboto" panose="020B0604020202020204" charset="0"/>
+              </a:rPr>
+              <a:t>return {</a:t>
+            </a:r>
+            <a:br>
+              <a:rPr lang="en-US" altLang="en-US" sz="1500" dirty="0">
+                <a:solidFill>
+                  <a:schemeClr val="tx2"/>
+                </a:solidFill>
+                <a:latin typeface="Roboto" panose="020B0604020202020204" charset="0"/>
+                <a:ea typeface="Roboto" panose="020B0604020202020204" charset="0"/>
+              </a:rPr>
+            </a:br>
+            <a:r>
+              <a:rPr lang="en-US" altLang="en-US" sz="1500" dirty="0">
+                <a:solidFill>
+                  <a:schemeClr val="tx2"/>
+                </a:solidFill>
+                <a:latin typeface="Roboto" panose="020B0604020202020204" charset="0"/>
+                <a:ea typeface="Roboto" panose="020B0604020202020204" charset="0"/>
+              </a:rPr>
+              <a:t>         </a:t>
+            </a:r>
+            <a:r>
+              <a:rPr lang="en-US" altLang="en-US" sz="1500" dirty="0" err="1">
+                <a:solidFill>
+                  <a:schemeClr val="tx2"/>
+                </a:solidFill>
+                <a:latin typeface="Roboto" panose="020B0604020202020204" charset="0"/>
+                <a:ea typeface="Roboto" panose="020B0604020202020204" charset="0"/>
+              </a:rPr>
+              <a:t>fetchData</a:t>
+            </a:r>
+            <a:r>
+              <a:rPr lang="en-US" altLang="en-US" sz="1500" dirty="0">
+                <a:solidFill>
+                  <a:schemeClr val="tx2"/>
+                </a:solidFill>
+                <a:latin typeface="Roboto" panose="020B0604020202020204" charset="0"/>
+                <a:ea typeface="Roboto" panose="020B0604020202020204" charset="0"/>
+              </a:rPr>
+              <a:t>: function (resource) {</a:t>
+            </a:r>
+            <a:br>
+              <a:rPr lang="en-US" altLang="en-US" sz="1500" dirty="0">
+                <a:solidFill>
+                  <a:schemeClr val="tx2"/>
+                </a:solidFill>
+                <a:latin typeface="Roboto" panose="020B0604020202020204" charset="0"/>
+                <a:ea typeface="Roboto" panose="020B0604020202020204" charset="0"/>
+              </a:rPr>
+            </a:br>
+            <a:r>
+              <a:rPr lang="en-US" altLang="en-US" sz="1500" dirty="0">
+                <a:solidFill>
+                  <a:schemeClr val="tx2"/>
+                </a:solidFill>
+                <a:latin typeface="Roboto" panose="020B0604020202020204" charset="0"/>
+                <a:ea typeface="Roboto" panose="020B0604020202020204" charset="0"/>
+              </a:rPr>
+              <a:t>         	let </a:t>
+            </a:r>
+            <a:r>
+              <a:rPr lang="en-US" altLang="en-US" sz="1500" dirty="0" err="1">
+                <a:solidFill>
+                  <a:schemeClr val="tx2"/>
+                </a:solidFill>
+                <a:latin typeface="Roboto" panose="020B0604020202020204" charset="0"/>
+                <a:ea typeface="Roboto" panose="020B0604020202020204" charset="0"/>
+              </a:rPr>
+              <a:t>url</a:t>
+            </a:r>
+            <a:r>
+              <a:rPr lang="en-US" altLang="en-US" sz="1500" dirty="0">
+                <a:solidFill>
+                  <a:schemeClr val="tx2"/>
+                </a:solidFill>
+                <a:latin typeface="Roboto" panose="020B0604020202020204" charset="0"/>
+                <a:ea typeface="Roboto" panose="020B0604020202020204" charset="0"/>
+              </a:rPr>
+              <a:t> = `${</a:t>
+            </a:r>
+            <a:r>
+              <a:rPr lang="en-US" altLang="en-US" sz="1500" dirty="0" err="1">
+                <a:solidFill>
+                  <a:schemeClr val="tx2"/>
+                </a:solidFill>
+                <a:latin typeface="Roboto" panose="020B0604020202020204" charset="0"/>
+                <a:ea typeface="Roboto" panose="020B0604020202020204" charset="0"/>
+              </a:rPr>
+              <a:t>baseUrl</a:t>
+            </a:r>
+            <a:r>
+              <a:rPr lang="en-US" altLang="en-US" sz="1500" dirty="0">
+                <a:solidFill>
+                  <a:schemeClr val="tx2"/>
+                </a:solidFill>
+                <a:latin typeface="Roboto" panose="020B0604020202020204" charset="0"/>
+                <a:ea typeface="Roboto" panose="020B0604020202020204" charset="0"/>
+              </a:rPr>
+              <a:t>}/${resource}/`;</a:t>
+            </a:r>
+            <a:br>
+              <a:rPr lang="en-US" altLang="en-US" sz="1500" dirty="0">
+                <a:solidFill>
+                  <a:schemeClr val="tx2"/>
+                </a:solidFill>
+                <a:latin typeface="Roboto" panose="020B0604020202020204" charset="0"/>
+                <a:ea typeface="Roboto" panose="020B0604020202020204" charset="0"/>
+              </a:rPr>
+            </a:br>
+            <a:r>
+              <a:rPr lang="en-US" altLang="en-US" sz="1500" dirty="0">
+                <a:solidFill>
+                  <a:schemeClr val="tx2"/>
+                </a:solidFill>
+                <a:latin typeface="Roboto" panose="020B0604020202020204" charset="0"/>
+                <a:ea typeface="Roboto" panose="020B0604020202020204" charset="0"/>
+              </a:rPr>
+              <a:t>         	console.log(</a:t>
+            </a:r>
+            <a:r>
+              <a:rPr lang="en-US" altLang="en-US" sz="1500" dirty="0" err="1">
+                <a:solidFill>
+                  <a:schemeClr val="tx2"/>
+                </a:solidFill>
+                <a:latin typeface="Roboto" panose="020B0604020202020204" charset="0"/>
+                <a:ea typeface="Roboto" panose="020B0604020202020204" charset="0"/>
+              </a:rPr>
+              <a:t>url</a:t>
+            </a:r>
+            <a:r>
+              <a:rPr lang="en-US" altLang="en-US" sz="1500" dirty="0">
+                <a:solidFill>
+                  <a:schemeClr val="tx2"/>
+                </a:solidFill>
+                <a:latin typeface="Roboto" panose="020B0604020202020204" charset="0"/>
+                <a:ea typeface="Roboto" panose="020B0604020202020204" charset="0"/>
+              </a:rPr>
+              <a:t>);</a:t>
+            </a:r>
+            <a:br>
+              <a:rPr lang="en-US" altLang="en-US" sz="1500" dirty="0">
+                <a:solidFill>
+                  <a:schemeClr val="tx2"/>
+                </a:solidFill>
+                <a:latin typeface="Roboto" panose="020B0604020202020204" charset="0"/>
+                <a:ea typeface="Roboto" panose="020B0604020202020204" charset="0"/>
+              </a:rPr>
+            </a:br>
+            <a:r>
+              <a:rPr lang="en-US" altLang="en-US" sz="1500" dirty="0">
+                <a:solidFill>
+                  <a:schemeClr val="tx2"/>
+                </a:solidFill>
+                <a:latin typeface="Roboto" panose="020B0604020202020204" charset="0"/>
+                <a:ea typeface="Roboto" panose="020B0604020202020204" charset="0"/>
+              </a:rPr>
+              <a:t>        	 fetch(`${</a:t>
+            </a:r>
+            <a:r>
+              <a:rPr lang="en-US" altLang="en-US" sz="1500" dirty="0" err="1">
+                <a:solidFill>
+                  <a:schemeClr val="tx2"/>
+                </a:solidFill>
+                <a:latin typeface="Roboto" panose="020B0604020202020204" charset="0"/>
+                <a:ea typeface="Roboto" panose="020B0604020202020204" charset="0"/>
+              </a:rPr>
+              <a:t>url</a:t>
+            </a:r>
+            <a:r>
+              <a:rPr lang="en-US" altLang="en-US" sz="1500" dirty="0">
+                <a:solidFill>
+                  <a:schemeClr val="tx2"/>
+                </a:solidFill>
+                <a:latin typeface="Roboto" panose="020B0604020202020204" charset="0"/>
+                <a:ea typeface="Roboto" panose="020B0604020202020204" charset="0"/>
+              </a:rPr>
+              <a:t>}`)</a:t>
+            </a:r>
+            <a:br>
+              <a:rPr lang="en-US" altLang="en-US" sz="1500" dirty="0">
+                <a:solidFill>
+                  <a:schemeClr val="tx2"/>
+                </a:solidFill>
+                <a:latin typeface="Roboto" panose="020B0604020202020204" charset="0"/>
+                <a:ea typeface="Roboto" panose="020B0604020202020204" charset="0"/>
+              </a:rPr>
+            </a:br>
+            <a:r>
+              <a:rPr lang="en-US" altLang="en-US" sz="1500" dirty="0">
+                <a:solidFill>
+                  <a:schemeClr val="tx2"/>
+                </a:solidFill>
+                <a:latin typeface="Roboto" panose="020B0604020202020204" charset="0"/>
+                <a:ea typeface="Roboto" panose="020B0604020202020204" charset="0"/>
+              </a:rPr>
+              <a:t>.       	then(response =&gt; </a:t>
+            </a:r>
+            <a:r>
+              <a:rPr lang="en-US" altLang="en-US" sz="1500" dirty="0" err="1">
+                <a:solidFill>
+                  <a:schemeClr val="tx2"/>
+                </a:solidFill>
+                <a:latin typeface="Roboto" panose="020B0604020202020204" charset="0"/>
+                <a:ea typeface="Roboto" panose="020B0604020202020204" charset="0"/>
+              </a:rPr>
+              <a:t>response.json</a:t>
+            </a:r>
+            <a:r>
+              <a:rPr lang="en-US" altLang="en-US" sz="1500" dirty="0">
+                <a:solidFill>
+                  <a:schemeClr val="tx2"/>
+                </a:solidFill>
+                <a:latin typeface="Roboto" panose="020B0604020202020204" charset="0"/>
+                <a:ea typeface="Roboto" panose="020B0604020202020204" charset="0"/>
+              </a:rPr>
+              <a:t>())</a:t>
+            </a:r>
+            <a:br>
+              <a:rPr lang="en-US" altLang="en-US" sz="1500" dirty="0">
+                <a:solidFill>
+                  <a:schemeClr val="tx2"/>
+                </a:solidFill>
+                <a:latin typeface="Roboto" panose="020B0604020202020204" charset="0"/>
+                <a:ea typeface="Roboto" panose="020B0604020202020204" charset="0"/>
+              </a:rPr>
+            </a:br>
+            <a:r>
+              <a:rPr lang="en-US" altLang="en-US" sz="1500" dirty="0">
+                <a:solidFill>
+                  <a:schemeClr val="tx2"/>
+                </a:solidFill>
+                <a:latin typeface="Roboto" panose="020B0604020202020204" charset="0"/>
+                <a:ea typeface="Roboto" panose="020B0604020202020204" charset="0"/>
+              </a:rPr>
+              <a:t>       	.then(json =&gt; console.log(json));</a:t>
+            </a:r>
+            <a:br>
+              <a:rPr lang="en-US" altLang="en-US" sz="1500" dirty="0">
+                <a:solidFill>
+                  <a:schemeClr val="tx2"/>
+                </a:solidFill>
+                <a:latin typeface="Roboto" panose="020B0604020202020204" charset="0"/>
+                <a:ea typeface="Roboto" panose="020B0604020202020204" charset="0"/>
+              </a:rPr>
+            </a:br>
+            <a:r>
+              <a:rPr lang="en-US" altLang="en-US" sz="1500" dirty="0">
+                <a:solidFill>
+                  <a:schemeClr val="tx2"/>
+                </a:solidFill>
+                <a:latin typeface="Roboto" panose="020B0604020202020204" charset="0"/>
+                <a:ea typeface="Roboto" panose="020B0604020202020204" charset="0"/>
+              </a:rPr>
+              <a:t>        }</a:t>
+            </a:r>
+            <a:br>
+              <a:rPr lang="en-US" altLang="en-US" sz="1500" dirty="0">
+                <a:solidFill>
+                  <a:schemeClr val="tx2"/>
+                </a:solidFill>
+                <a:latin typeface="Roboto" panose="020B0604020202020204" charset="0"/>
+                <a:ea typeface="Roboto" panose="020B0604020202020204" charset="0"/>
+              </a:rPr>
+            </a:br>
+            <a:r>
+              <a:rPr lang="en-US" altLang="en-US" sz="1500" dirty="0">
+                <a:solidFill>
+                  <a:schemeClr val="tx2"/>
+                </a:solidFill>
+                <a:latin typeface="Roboto" panose="020B0604020202020204" charset="0"/>
+                <a:ea typeface="Roboto" panose="020B0604020202020204" charset="0"/>
+              </a:rPr>
+              <a:t>     }</a:t>
+            </a:r>
+            <a:br>
+              <a:rPr lang="en-US" altLang="en-US" sz="1500" dirty="0">
+                <a:solidFill>
+                  <a:schemeClr val="tx2"/>
+                </a:solidFill>
+                <a:latin typeface="Roboto" panose="020B0604020202020204" charset="0"/>
+                <a:ea typeface="Roboto" panose="020B0604020202020204" charset="0"/>
+              </a:rPr>
+            </a:br>
+            <a:r>
+              <a:rPr lang="en-US" altLang="en-US" sz="1500" dirty="0">
+                <a:solidFill>
+                  <a:schemeClr val="tx2"/>
+                </a:solidFill>
+                <a:latin typeface="Roboto" panose="020B0604020202020204" charset="0"/>
+                <a:ea typeface="Roboto" panose="020B0604020202020204" charset="0"/>
+              </a:rPr>
+              <a:t>} </a:t>
+            </a:r>
+          </a:p>
+          <a:p>
+            <a:pPr marL="114300" indent="0">
+              <a:buNone/>
+            </a:pPr>
+            <a:endParaRPr lang="en-US" dirty="0"/>
+          </a:p>
+        </p:txBody>
+      </p:sp>
+    </p:spTree>
+    <p:extLst>
+      <p:ext uri="{BB962C8B-B14F-4D97-AF65-F5344CB8AC3E}">
+        <p14:creationId xmlns:p14="http://schemas.microsoft.com/office/powerpoint/2010/main" val="482446201"/>
+      </p:ext>
+    </p:extLst>
+  </p:cSld>
+  <p:clrMapOvr>
+    <a:masterClrMapping/>
+  </p:clrMapOvr>
+</p:sld>
+</file>
+
 <file path=ppt/slides/slide2.xml><?xml version="1.0" encoding="utf-8"?>
+<p:sld xmlns:a="http://schemas.openxmlformats.org/drawingml/2006/main" xmlns:r="http://schemas.openxmlformats.org/officeDocument/2006/relationships" xmlns:p="http://schemas.openxmlformats.org/presentationml/2006/main">
+  <p:cSld>
+    <p:spTree>
+      <p:nvGrpSpPr>
+        <p:cNvPr id="1" name=""/>
+        <p:cNvGrpSpPr/>
+        <p:nvPr/>
+      </p:nvGrpSpPr>
+      <p:grpSpPr>
+        <a:xfrm>
+          <a:off x="0" y="0"/>
+          <a:ext cx="0" cy="0"/>
+          <a:chOff x="0" y="0"/>
+          <a:chExt cx="0" cy="0"/>
+        </a:xfrm>
+      </p:grpSpPr>
+      <p:sp>
+        <p:nvSpPr>
+          <p:cNvPr id="2" name="Title 1">
+            <a:extLst>
+              <a:ext uri="{FF2B5EF4-FFF2-40B4-BE49-F238E27FC236}">
+                <a16:creationId xmlns:a16="http://schemas.microsoft.com/office/drawing/2014/main" id="{9CC1F392-09A2-4DD9-A0EB-571597ADA347}"/>
+              </a:ext>
+            </a:extLst>
+          </p:cNvPr>
+          <p:cNvSpPr>
+            <a:spLocks noGrp="1"/>
+          </p:cNvSpPr>
+          <p:nvPr>
+            <p:ph type="title"/>
+          </p:nvPr>
+        </p:nvSpPr>
+        <p:spPr/>
+        <p:txBody>
+          <a:bodyPr/>
+          <a:lstStyle/>
+          <a:p>
+            <a:r>
+              <a:rPr lang="en-US" dirty="0"/>
+              <a:t>What is a function ?</a:t>
+            </a:r>
+          </a:p>
+        </p:txBody>
+      </p:sp>
+      <p:sp>
+        <p:nvSpPr>
+          <p:cNvPr id="3" name="Text Placeholder 2">
+            <a:extLst>
+              <a:ext uri="{FF2B5EF4-FFF2-40B4-BE49-F238E27FC236}">
+                <a16:creationId xmlns:a16="http://schemas.microsoft.com/office/drawing/2014/main" id="{0D0BDF69-E031-402F-B2F4-14DFBB2C2864}"/>
+              </a:ext>
+            </a:extLst>
+          </p:cNvPr>
+          <p:cNvSpPr>
+            <a:spLocks noGrp="1"/>
+          </p:cNvSpPr>
+          <p:nvPr>
+            <p:ph type="body" idx="1"/>
+          </p:nvPr>
+        </p:nvSpPr>
+        <p:spPr>
+          <a:xfrm>
+            <a:off x="471900" y="1919075"/>
+            <a:ext cx="8395653" cy="2710200"/>
+          </a:xfrm>
+        </p:spPr>
+        <p:txBody>
+          <a:bodyPr/>
+          <a:lstStyle/>
+          <a:p>
+            <a:pPr marL="114300" indent="0">
+              <a:buNone/>
+            </a:pPr>
+            <a:endParaRPr lang="en-US" dirty="0"/>
+          </a:p>
+          <a:p>
+            <a:pPr marL="114300" indent="0">
+              <a:buNone/>
+            </a:pPr>
+            <a:endParaRPr lang="en-US" dirty="0"/>
+          </a:p>
+          <a:p>
+            <a:pPr marL="114300" indent="0">
+              <a:buNone/>
+            </a:pPr>
+            <a:r>
+              <a:rPr lang="en-US" dirty="0"/>
+              <a:t>“A reusable piece of code that is designed to perform a particular task”</a:t>
+            </a:r>
+          </a:p>
+          <a:p>
+            <a:pPr marL="114300" indent="0">
+              <a:buNone/>
+            </a:pPr>
+            <a:endParaRPr lang="en-US" dirty="0"/>
+          </a:p>
+          <a:p>
+            <a:pPr marL="114300" indent="0">
+              <a:buNone/>
+            </a:pPr>
+            <a:endParaRPr lang="en-US" dirty="0"/>
+          </a:p>
+          <a:p>
+            <a:pPr marL="114300" indent="0">
+              <a:buNone/>
+            </a:pPr>
+            <a:endParaRPr lang="en-US" dirty="0">
+              <a:solidFill>
+                <a:schemeClr val="bg1">
+                  <a:lumMod val="50000"/>
+                </a:schemeClr>
+              </a:solidFill>
+            </a:endParaRPr>
+          </a:p>
+          <a:p>
+            <a:pPr marL="114300" indent="0">
+              <a:buNone/>
+            </a:pPr>
+            <a:endParaRPr lang="en-US" dirty="0">
+              <a:solidFill>
+                <a:schemeClr val="bg1">
+                  <a:lumMod val="50000"/>
+                </a:schemeClr>
+              </a:solidFill>
+            </a:endParaRPr>
+          </a:p>
+          <a:p>
+            <a:pPr marL="114300" indent="0">
+              <a:buNone/>
+            </a:pPr>
+            <a:r>
+              <a:rPr lang="en-US" b="1" dirty="0">
+                <a:solidFill>
+                  <a:schemeClr val="bg1">
+                    <a:lumMod val="50000"/>
+                  </a:schemeClr>
+                </a:solidFill>
+              </a:rPr>
+              <a:t>N. B: Now, with modern applications, functions can be a complete program in itself, rather than the general notion of a “subprogram”.</a:t>
+            </a:r>
+          </a:p>
+          <a:p>
+            <a:pPr marL="114300" indent="0">
+              <a:buNone/>
+            </a:pPr>
+            <a:endParaRPr lang="en-US" dirty="0"/>
+          </a:p>
+        </p:txBody>
+      </p:sp>
+    </p:spTree>
+    <p:extLst>
+      <p:ext uri="{BB962C8B-B14F-4D97-AF65-F5344CB8AC3E}">
+        <p14:creationId xmlns:p14="http://schemas.microsoft.com/office/powerpoint/2010/main" val="2355437649"/>
+      </p:ext>
+    </p:extLst>
+  </p:cSld>
+  <p:clrMapOvr>
+    <a:masterClrMapping/>
+  </p:clrMapOvr>
+</p:sld>
+</file>
+
+<file path=ppt/slides/slide20.xml><?xml version="1.0" encoding="utf-8"?>
+<p:sld xmlns:a="http://schemas.openxmlformats.org/drawingml/2006/main" xmlns:r="http://schemas.openxmlformats.org/officeDocument/2006/relationships" xmlns:p="http://schemas.openxmlformats.org/presentationml/2006/main">
+  <p:cSld>
+    <p:spTree>
+      <p:nvGrpSpPr>
+        <p:cNvPr id="1" name=""/>
+        <p:cNvGrpSpPr/>
+        <p:nvPr/>
+      </p:nvGrpSpPr>
+      <p:grpSpPr>
+        <a:xfrm>
+          <a:off x="0" y="0"/>
+          <a:ext cx="0" cy="0"/>
+          <a:chOff x="0" y="0"/>
+          <a:chExt cx="0" cy="0"/>
+        </a:xfrm>
+      </p:grpSpPr>
+      <p:sp>
+        <p:nvSpPr>
+          <p:cNvPr id="2" name="Title 1">
+            <a:extLst>
+              <a:ext uri="{FF2B5EF4-FFF2-40B4-BE49-F238E27FC236}">
+                <a16:creationId xmlns:a16="http://schemas.microsoft.com/office/drawing/2014/main" id="{435653E7-B7D5-4FA3-85AB-714B97BA1C92}"/>
+              </a:ext>
+            </a:extLst>
+          </p:cNvPr>
+          <p:cNvSpPr>
+            <a:spLocks noGrp="1"/>
+          </p:cNvSpPr>
+          <p:nvPr>
+            <p:ph type="title"/>
+          </p:nvPr>
+        </p:nvSpPr>
+        <p:spPr/>
+        <p:txBody>
+          <a:bodyPr/>
+          <a:lstStyle/>
+          <a:p>
+            <a:r>
+              <a:rPr lang="en-US" b="1" dirty="0"/>
+              <a:t>Singleton</a:t>
+            </a:r>
+            <a:endParaRPr lang="en-US" dirty="0"/>
+          </a:p>
+        </p:txBody>
+      </p:sp>
+      <p:sp>
+        <p:nvSpPr>
+          <p:cNvPr id="3" name="Text Placeholder 2">
+            <a:extLst>
+              <a:ext uri="{FF2B5EF4-FFF2-40B4-BE49-F238E27FC236}">
+                <a16:creationId xmlns:a16="http://schemas.microsoft.com/office/drawing/2014/main" id="{B9C98350-CD4A-4792-B57D-19582C410EEB}"/>
+              </a:ext>
+            </a:extLst>
+          </p:cNvPr>
+          <p:cNvSpPr>
+            <a:spLocks noGrp="1"/>
+          </p:cNvSpPr>
+          <p:nvPr>
+            <p:ph type="body" idx="1"/>
+          </p:nvPr>
+        </p:nvSpPr>
+        <p:spPr>
+          <a:xfrm>
+            <a:off x="460950" y="1694575"/>
+            <a:ext cx="8222100" cy="2710200"/>
+          </a:xfrm>
+        </p:spPr>
+        <p:txBody>
+          <a:bodyPr/>
+          <a:lstStyle/>
+          <a:p>
+            <a:pPr marL="114300" indent="0">
+              <a:buNone/>
+            </a:pPr>
+            <a:r>
+              <a:rPr lang="en-US" sz="1100" dirty="0"/>
+              <a:t>var Singleton = (function () {</a:t>
+            </a:r>
+            <a:br>
+              <a:rPr lang="en-US" sz="1100" dirty="0"/>
+            </a:br>
+            <a:r>
+              <a:rPr lang="en-US" sz="1100" dirty="0"/>
+              <a:t>	var instance;</a:t>
+            </a:r>
+          </a:p>
+          <a:p>
+            <a:pPr marL="114300" indent="0">
+              <a:buNone/>
+            </a:pPr>
+            <a:br>
+              <a:rPr lang="en-US" sz="1100" dirty="0"/>
+            </a:br>
+            <a:r>
+              <a:rPr lang="en-US" sz="1100" dirty="0"/>
+              <a:t>	function </a:t>
+            </a:r>
+            <a:r>
+              <a:rPr lang="en-US" sz="1100" dirty="0" err="1"/>
+              <a:t>createInstance</a:t>
+            </a:r>
+            <a:r>
+              <a:rPr lang="en-US" sz="1100" dirty="0"/>
+              <a:t>() {</a:t>
+            </a:r>
+            <a:br>
+              <a:rPr lang="en-US" sz="1100" dirty="0"/>
+            </a:br>
+            <a:r>
+              <a:rPr lang="en-US" sz="1100" dirty="0"/>
+              <a:t>	var object = new Object("I am the instance");</a:t>
+            </a:r>
+            <a:br>
+              <a:rPr lang="en-US" sz="1100" dirty="0"/>
+            </a:br>
+            <a:r>
+              <a:rPr lang="en-US" sz="1100" dirty="0"/>
+              <a:t>	return object;</a:t>
+            </a:r>
+            <a:br>
+              <a:rPr lang="en-US" sz="1100" dirty="0"/>
+            </a:br>
+            <a:r>
+              <a:rPr lang="en-US" sz="1100" dirty="0"/>
+              <a:t>	}</a:t>
+            </a:r>
+          </a:p>
+          <a:p>
+            <a:pPr marL="114300" indent="0">
+              <a:buNone/>
+            </a:pPr>
+            <a:br>
+              <a:rPr lang="en-US" sz="1100" dirty="0"/>
+            </a:br>
+            <a:r>
+              <a:rPr lang="en-US" sz="1100" dirty="0"/>
+              <a:t>	return {</a:t>
+            </a:r>
+            <a:br>
+              <a:rPr lang="en-US" sz="1100" dirty="0"/>
+            </a:br>
+            <a:r>
+              <a:rPr lang="en-US" sz="1100" dirty="0"/>
+              <a:t>		</a:t>
+            </a:r>
+            <a:r>
+              <a:rPr lang="en-US" sz="1100" dirty="0" err="1"/>
+              <a:t>getInstance</a:t>
+            </a:r>
+            <a:r>
+              <a:rPr lang="en-US" sz="1100" dirty="0"/>
+              <a:t>: function () {</a:t>
+            </a:r>
+            <a:br>
+              <a:rPr lang="en-US" sz="1100" dirty="0"/>
+            </a:br>
+            <a:r>
+              <a:rPr lang="en-US" sz="1100" dirty="0"/>
+              <a:t>		if (!instance) {</a:t>
+            </a:r>
+            <a:br>
+              <a:rPr lang="en-US" sz="1100" dirty="0"/>
+            </a:br>
+            <a:r>
+              <a:rPr lang="en-US" sz="1100" dirty="0"/>
+              <a:t>		instance = </a:t>
+            </a:r>
+            <a:r>
+              <a:rPr lang="en-US" sz="1100" dirty="0" err="1"/>
+              <a:t>createInstance</a:t>
+            </a:r>
+            <a:r>
+              <a:rPr lang="en-US" sz="1100" dirty="0"/>
+              <a:t>();</a:t>
+            </a:r>
+            <a:br>
+              <a:rPr lang="en-US" sz="1100" dirty="0"/>
+            </a:br>
+            <a:r>
+              <a:rPr lang="en-US" sz="1100" dirty="0"/>
+              <a:t>	            }</a:t>
+            </a:r>
+            <a:br>
+              <a:rPr lang="en-US" sz="1100" dirty="0"/>
+            </a:br>
+            <a:r>
+              <a:rPr lang="en-US" sz="1100" dirty="0"/>
+              <a:t>                      return instance;</a:t>
+            </a:r>
+            <a:br>
+              <a:rPr lang="en-US" sz="1100" dirty="0"/>
+            </a:br>
+            <a:r>
+              <a:rPr lang="en-US" sz="1100" dirty="0"/>
+              <a:t>                       }</a:t>
+            </a:r>
+            <a:br>
+              <a:rPr lang="en-US" sz="1100" dirty="0"/>
+            </a:br>
+            <a:r>
+              <a:rPr lang="en-US" sz="1100" dirty="0"/>
+              <a:t>              };</a:t>
+            </a:r>
+            <a:br>
+              <a:rPr lang="en-US" sz="1100" dirty="0"/>
+            </a:br>
+            <a:r>
+              <a:rPr lang="en-US" sz="1100" dirty="0"/>
+              <a:t>})();</a:t>
+            </a:r>
+          </a:p>
+          <a:p>
+            <a:pPr marL="114300" indent="0">
+              <a:buNone/>
+            </a:pPr>
+            <a:endParaRPr lang="en-US" dirty="0"/>
+          </a:p>
+        </p:txBody>
+      </p:sp>
+    </p:spTree>
+    <p:extLst>
+      <p:ext uri="{BB962C8B-B14F-4D97-AF65-F5344CB8AC3E}">
+        <p14:creationId xmlns:p14="http://schemas.microsoft.com/office/powerpoint/2010/main" val="4238339963"/>
+      </p:ext>
+    </p:extLst>
+  </p:cSld>
+  <p:clrMapOvr>
+    <a:masterClrMapping/>
+  </p:clrMapOvr>
+</p:sld>
+</file>
+
+<file path=ppt/slides/slide21.xml><?xml version="1.0" encoding="utf-8"?>
+<p:sld xmlns:a="http://schemas.openxmlformats.org/drawingml/2006/main" xmlns:r="http://schemas.openxmlformats.org/officeDocument/2006/relationships" xmlns:p="http://schemas.openxmlformats.org/presentationml/2006/main">
+  <p:cSld>
+    <p:spTree>
+      <p:nvGrpSpPr>
+        <p:cNvPr id="1" name=""/>
+        <p:cNvGrpSpPr/>
+        <p:nvPr/>
+      </p:nvGrpSpPr>
+      <p:grpSpPr>
+        <a:xfrm>
+          <a:off x="0" y="0"/>
+          <a:ext cx="0" cy="0"/>
+          <a:chOff x="0" y="0"/>
+          <a:chExt cx="0" cy="0"/>
+        </a:xfrm>
+      </p:grpSpPr>
+      <p:sp>
+        <p:nvSpPr>
+          <p:cNvPr id="2" name="Title 1">
+            <a:extLst>
+              <a:ext uri="{FF2B5EF4-FFF2-40B4-BE49-F238E27FC236}">
+                <a16:creationId xmlns:a16="http://schemas.microsoft.com/office/drawing/2014/main" id="{00B4C2E2-00F5-4920-BE6F-347A8CA2FB2D}"/>
+              </a:ext>
+            </a:extLst>
+          </p:cNvPr>
+          <p:cNvSpPr>
+            <a:spLocks noGrp="1"/>
+          </p:cNvSpPr>
+          <p:nvPr>
+            <p:ph type="title"/>
+          </p:nvPr>
+        </p:nvSpPr>
+        <p:spPr/>
+        <p:txBody>
+          <a:bodyPr/>
+          <a:lstStyle/>
+          <a:p>
+            <a:r>
+              <a:rPr lang="en-US" b="1" dirty="0"/>
+              <a:t>Closures</a:t>
+            </a:r>
+            <a:endParaRPr lang="en-US" dirty="0"/>
+          </a:p>
+        </p:txBody>
+      </p:sp>
+      <p:sp>
+        <p:nvSpPr>
+          <p:cNvPr id="3" name="Text Placeholder 2">
+            <a:extLst>
+              <a:ext uri="{FF2B5EF4-FFF2-40B4-BE49-F238E27FC236}">
+                <a16:creationId xmlns:a16="http://schemas.microsoft.com/office/drawing/2014/main" id="{17C44018-4EE2-4BBA-8D46-31D461123558}"/>
+              </a:ext>
+            </a:extLst>
+          </p:cNvPr>
+          <p:cNvSpPr>
+            <a:spLocks noGrp="1"/>
+          </p:cNvSpPr>
+          <p:nvPr>
+            <p:ph type="body" idx="1"/>
+          </p:nvPr>
+        </p:nvSpPr>
+        <p:spPr>
+          <a:xfrm>
+            <a:off x="460950" y="1694575"/>
+            <a:ext cx="8222100" cy="2710200"/>
+          </a:xfrm>
+        </p:spPr>
+        <p:txBody>
+          <a:bodyPr/>
+          <a:lstStyle/>
+          <a:p>
+            <a:pPr marL="114300" indent="0">
+              <a:buNone/>
+            </a:pPr>
+            <a:r>
+              <a:rPr lang="en-US" dirty="0"/>
+              <a:t>A closure is the combination of a function and the lexical environment within which that function was declared.</a:t>
+            </a:r>
+          </a:p>
+          <a:p>
+            <a:pPr marL="114300" indent="0">
+              <a:buNone/>
+            </a:pPr>
+            <a:endParaRPr lang="en-US" dirty="0"/>
+          </a:p>
+        </p:txBody>
+      </p:sp>
+      <p:pic>
+        <p:nvPicPr>
+          <p:cNvPr id="5" name="Picture 4">
+            <a:extLst>
+              <a:ext uri="{FF2B5EF4-FFF2-40B4-BE49-F238E27FC236}">
+                <a16:creationId xmlns:a16="http://schemas.microsoft.com/office/drawing/2014/main" id="{259D0901-099D-4947-AEF7-7A70CA70DBF6}"/>
+              </a:ext>
+            </a:extLst>
+          </p:cNvPr>
+          <p:cNvPicPr>
+            <a:picLocks noChangeAspect="1"/>
+          </p:cNvPicPr>
+          <p:nvPr/>
+        </p:nvPicPr>
+        <p:blipFill>
+          <a:blip r:embed="rId2"/>
+          <a:stretch>
+            <a:fillRect/>
+          </a:stretch>
+        </p:blipFill>
+        <p:spPr>
+          <a:xfrm>
+            <a:off x="1473506" y="2433300"/>
+            <a:ext cx="6196988" cy="2710200"/>
+          </a:xfrm>
+          <a:prstGeom prst="rect">
+            <a:avLst/>
+          </a:prstGeom>
+        </p:spPr>
+      </p:pic>
+    </p:spTree>
+    <p:extLst>
+      <p:ext uri="{BB962C8B-B14F-4D97-AF65-F5344CB8AC3E}">
+        <p14:creationId xmlns:p14="http://schemas.microsoft.com/office/powerpoint/2010/main" val="2380254785"/>
+      </p:ext>
+    </p:extLst>
+  </p:cSld>
+  <p:clrMapOvr>
+    <a:masterClrMapping/>
+  </p:clrMapOvr>
+</p:sld>
+</file>
+
+<file path=ppt/slides/slide22.xml><?xml version="1.0" encoding="utf-8"?>
 <p:sld xmlns:a="http://schemas.openxmlformats.org/drawingml/2006/main" xmlns:r="http://schemas.openxmlformats.org/officeDocument/2006/relationships" xmlns:p="http://schemas.openxmlformats.org/presentationml/2006/main">
   <p:cSld>
     <p:spTree>
@@ -7184,6 +9842,1544 @@
         </p:spPr>
       </p:pic>
     </p:spTree>
+  </p:cSld>
+  <p:clrMapOvr>
+    <a:masterClrMapping/>
+  </p:clrMapOvr>
+</p:sld>
+</file>
+
+<file path=ppt/slides/slide3.xml><?xml version="1.0" encoding="utf-8"?>
+<p:sld xmlns:a="http://schemas.openxmlformats.org/drawingml/2006/main" xmlns:r="http://schemas.openxmlformats.org/officeDocument/2006/relationships" xmlns:p="http://schemas.openxmlformats.org/presentationml/2006/main">
+  <p:cSld>
+    <p:spTree>
+      <p:nvGrpSpPr>
+        <p:cNvPr id="1" name=""/>
+        <p:cNvGrpSpPr/>
+        <p:nvPr/>
+      </p:nvGrpSpPr>
+      <p:grpSpPr>
+        <a:xfrm>
+          <a:off x="0" y="0"/>
+          <a:ext cx="0" cy="0"/>
+          <a:chOff x="0" y="0"/>
+          <a:chExt cx="0" cy="0"/>
+        </a:xfrm>
+      </p:grpSpPr>
+      <p:sp>
+        <p:nvSpPr>
+          <p:cNvPr id="2" name="Title 1">
+            <a:extLst>
+              <a:ext uri="{FF2B5EF4-FFF2-40B4-BE49-F238E27FC236}">
+                <a16:creationId xmlns:a16="http://schemas.microsoft.com/office/drawing/2014/main" id="{2880D861-F3E7-4488-B2C7-4685FAD5017D}"/>
+              </a:ext>
+            </a:extLst>
+          </p:cNvPr>
+          <p:cNvSpPr>
+            <a:spLocks noGrp="1"/>
+          </p:cNvSpPr>
+          <p:nvPr>
+            <p:ph type="title"/>
+          </p:nvPr>
+        </p:nvSpPr>
+        <p:spPr/>
+        <p:txBody>
+          <a:bodyPr/>
+          <a:lstStyle/>
+          <a:p>
+            <a:r>
+              <a:rPr lang="en-US" b="1" dirty="0"/>
+              <a:t>Function that does not take a parameter and doesn’t return anything.</a:t>
+            </a:r>
+            <a:endParaRPr lang="en-US" dirty="0"/>
+          </a:p>
+        </p:txBody>
+      </p:sp>
+      <p:sp>
+        <p:nvSpPr>
+          <p:cNvPr id="3" name="Text Placeholder 2">
+            <a:extLst>
+              <a:ext uri="{FF2B5EF4-FFF2-40B4-BE49-F238E27FC236}">
+                <a16:creationId xmlns:a16="http://schemas.microsoft.com/office/drawing/2014/main" id="{AAE0C8AB-111A-4255-86E7-0BF09C2EEC72}"/>
+              </a:ext>
+            </a:extLst>
+          </p:cNvPr>
+          <p:cNvSpPr>
+            <a:spLocks noGrp="1"/>
+          </p:cNvSpPr>
+          <p:nvPr>
+            <p:ph type="body" idx="1"/>
+          </p:nvPr>
+        </p:nvSpPr>
+        <p:spPr>
+          <a:xfrm>
+            <a:off x="460950" y="2178647"/>
+            <a:ext cx="8222100" cy="2710200"/>
+          </a:xfrm>
+        </p:spPr>
+        <p:txBody>
+          <a:bodyPr/>
+          <a:lstStyle/>
+          <a:p>
+            <a:pPr marL="114300" indent="0">
+              <a:buNone/>
+            </a:pPr>
+            <a:r>
+              <a:rPr lang="en-US" dirty="0"/>
+              <a:t>function </a:t>
+            </a:r>
+            <a:r>
+              <a:rPr lang="en-US" dirty="0" err="1"/>
+              <a:t>sayHello</a:t>
+            </a:r>
+            <a:r>
+              <a:rPr lang="en-US" dirty="0"/>
+              <a:t> () {</a:t>
+            </a:r>
+            <a:br>
+              <a:rPr lang="en-US" dirty="0"/>
+            </a:br>
+            <a:r>
+              <a:rPr lang="en-US" dirty="0"/>
+              <a:t>      console.log("Hello !");</a:t>
+            </a:r>
+            <a:br>
+              <a:rPr lang="en-US" dirty="0"/>
+            </a:br>
+            <a:r>
+              <a:rPr lang="en-US" dirty="0"/>
+              <a:t>}</a:t>
+            </a:r>
+          </a:p>
+          <a:p>
+            <a:endParaRPr lang="en-US" dirty="0"/>
+          </a:p>
+          <a:p>
+            <a:pPr marL="114300" indent="0">
+              <a:buNone/>
+            </a:pPr>
+            <a:r>
+              <a:rPr lang="en-US" dirty="0" err="1"/>
+              <a:t>sayHello</a:t>
+            </a:r>
+            <a:r>
+              <a:rPr lang="en-US" dirty="0"/>
+              <a:t>();</a:t>
+            </a:r>
+          </a:p>
+          <a:p>
+            <a:pPr marL="114300" indent="0">
+              <a:buNone/>
+            </a:pPr>
+            <a:endParaRPr lang="en-US" dirty="0"/>
+          </a:p>
+        </p:txBody>
+      </p:sp>
+      <p:pic>
+        <p:nvPicPr>
+          <p:cNvPr id="4" name="Picture 3">
+            <a:extLst>
+              <a:ext uri="{FF2B5EF4-FFF2-40B4-BE49-F238E27FC236}">
+                <a16:creationId xmlns:a16="http://schemas.microsoft.com/office/drawing/2014/main" id="{A0CFE946-B501-4904-A62A-2AAC4984E509}"/>
+              </a:ext>
+            </a:extLst>
+          </p:cNvPr>
+          <p:cNvPicPr>
+            <a:picLocks noChangeAspect="1"/>
+          </p:cNvPicPr>
+          <p:nvPr/>
+        </p:nvPicPr>
+        <p:blipFill>
+          <a:blip r:embed="rId2"/>
+          <a:stretch>
+            <a:fillRect/>
+          </a:stretch>
+        </p:blipFill>
+        <p:spPr>
+          <a:xfrm>
+            <a:off x="5250855" y="2438219"/>
+            <a:ext cx="2924583" cy="1095528"/>
+          </a:xfrm>
+          <a:prstGeom prst="rect">
+            <a:avLst/>
+          </a:prstGeom>
+        </p:spPr>
+      </p:pic>
+    </p:spTree>
+    <p:extLst>
+      <p:ext uri="{BB962C8B-B14F-4D97-AF65-F5344CB8AC3E}">
+        <p14:creationId xmlns:p14="http://schemas.microsoft.com/office/powerpoint/2010/main" val="2886056719"/>
+      </p:ext>
+    </p:extLst>
+  </p:cSld>
+  <p:clrMapOvr>
+    <a:masterClrMapping/>
+  </p:clrMapOvr>
+</p:sld>
+</file>
+
+<file path=ppt/slides/slide4.xml><?xml version="1.0" encoding="utf-8"?>
+<p:sld xmlns:a="http://schemas.openxmlformats.org/drawingml/2006/main" xmlns:r="http://schemas.openxmlformats.org/officeDocument/2006/relationships" xmlns:p="http://schemas.openxmlformats.org/presentationml/2006/main">
+  <p:cSld>
+    <p:spTree>
+      <p:nvGrpSpPr>
+        <p:cNvPr id="1" name=""/>
+        <p:cNvGrpSpPr/>
+        <p:nvPr/>
+      </p:nvGrpSpPr>
+      <p:grpSpPr>
+        <a:xfrm>
+          <a:off x="0" y="0"/>
+          <a:ext cx="0" cy="0"/>
+          <a:chOff x="0" y="0"/>
+          <a:chExt cx="0" cy="0"/>
+        </a:xfrm>
+      </p:grpSpPr>
+      <p:sp>
+        <p:nvSpPr>
+          <p:cNvPr id="2" name="Title 1">
+            <a:extLst>
+              <a:ext uri="{FF2B5EF4-FFF2-40B4-BE49-F238E27FC236}">
+                <a16:creationId xmlns:a16="http://schemas.microsoft.com/office/drawing/2014/main" id="{D1F64FA4-9DF7-4F65-8364-9B8B684BEBD6}"/>
+              </a:ext>
+            </a:extLst>
+          </p:cNvPr>
+          <p:cNvSpPr>
+            <a:spLocks noGrp="1"/>
+          </p:cNvSpPr>
+          <p:nvPr>
+            <p:ph type="title"/>
+          </p:nvPr>
+        </p:nvSpPr>
+        <p:spPr>
+          <a:xfrm>
+            <a:off x="460950" y="0"/>
+            <a:ext cx="8222100" cy="1687178"/>
+          </a:xfrm>
+        </p:spPr>
+        <p:txBody>
+          <a:bodyPr/>
+          <a:lstStyle/>
+          <a:p>
+            <a:r>
+              <a:rPr lang="en-US" dirty="0"/>
+              <a:t>If you are using es6/es2015 then the same function can be written as an arrow function.</a:t>
+            </a:r>
+          </a:p>
+        </p:txBody>
+      </p:sp>
+      <p:sp>
+        <p:nvSpPr>
+          <p:cNvPr id="3" name="Text Placeholder 2">
+            <a:extLst>
+              <a:ext uri="{FF2B5EF4-FFF2-40B4-BE49-F238E27FC236}">
+                <a16:creationId xmlns:a16="http://schemas.microsoft.com/office/drawing/2014/main" id="{2EBDEE96-0560-4206-888E-8625F61509C4}"/>
+              </a:ext>
+            </a:extLst>
+          </p:cNvPr>
+          <p:cNvSpPr>
+            <a:spLocks noGrp="1"/>
+          </p:cNvSpPr>
+          <p:nvPr>
+            <p:ph type="body" idx="1"/>
+          </p:nvPr>
+        </p:nvSpPr>
+        <p:spPr>
+          <a:xfrm>
+            <a:off x="471900" y="2281976"/>
+            <a:ext cx="3999900" cy="2710200"/>
+          </a:xfrm>
+        </p:spPr>
+        <p:txBody>
+          <a:bodyPr/>
+          <a:lstStyle/>
+          <a:p>
+            <a:pPr marL="139700" indent="0">
+              <a:buNone/>
+            </a:pPr>
+            <a:r>
+              <a:rPr lang="en-US" sz="1800" dirty="0"/>
+              <a:t>const </a:t>
+            </a:r>
+            <a:r>
+              <a:rPr lang="en-US" sz="1800" dirty="0" err="1"/>
+              <a:t>sayHello</a:t>
+            </a:r>
+            <a:r>
+              <a:rPr lang="en-US" sz="1800" dirty="0"/>
+              <a:t> = () =&gt; {</a:t>
+            </a:r>
+            <a:br>
+              <a:rPr lang="en-US" sz="1800" dirty="0"/>
+            </a:br>
+            <a:r>
+              <a:rPr lang="en-US" sz="1800" dirty="0"/>
+              <a:t>      console.log("Hello !");</a:t>
+            </a:r>
+            <a:br>
+              <a:rPr lang="en-US" sz="1800" dirty="0"/>
+            </a:br>
+            <a:r>
+              <a:rPr lang="en-US" sz="1800" dirty="0"/>
+              <a:t>}</a:t>
+            </a:r>
+          </a:p>
+          <a:p>
+            <a:endParaRPr lang="en-US" sz="1800" dirty="0"/>
+          </a:p>
+          <a:p>
+            <a:pPr marL="139700" indent="0">
+              <a:buNone/>
+            </a:pPr>
+            <a:r>
+              <a:rPr lang="en-US" sz="1800" dirty="0" err="1"/>
+              <a:t>sayHello</a:t>
+            </a:r>
+            <a:r>
+              <a:rPr lang="en-US" sz="1800" dirty="0"/>
+              <a:t>();</a:t>
+            </a:r>
+          </a:p>
+          <a:p>
+            <a:pPr marL="139700" indent="0">
+              <a:buNone/>
+            </a:pPr>
+            <a:endParaRPr lang="en-US" dirty="0"/>
+          </a:p>
+        </p:txBody>
+      </p:sp>
+      <p:pic>
+        <p:nvPicPr>
+          <p:cNvPr id="5" name="Picture 4">
+            <a:extLst>
+              <a:ext uri="{FF2B5EF4-FFF2-40B4-BE49-F238E27FC236}">
+                <a16:creationId xmlns:a16="http://schemas.microsoft.com/office/drawing/2014/main" id="{A46460E0-AD98-4E9A-B542-FB79020EBB20}"/>
+              </a:ext>
+            </a:extLst>
+          </p:cNvPr>
+          <p:cNvPicPr>
+            <a:picLocks noChangeAspect="1"/>
+          </p:cNvPicPr>
+          <p:nvPr/>
+        </p:nvPicPr>
+        <p:blipFill>
+          <a:blip r:embed="rId2"/>
+          <a:stretch>
+            <a:fillRect/>
+          </a:stretch>
+        </p:blipFill>
+        <p:spPr>
+          <a:xfrm>
+            <a:off x="5491401" y="2571750"/>
+            <a:ext cx="2924583" cy="1095528"/>
+          </a:xfrm>
+          <a:prstGeom prst="rect">
+            <a:avLst/>
+          </a:prstGeom>
+        </p:spPr>
+      </p:pic>
+    </p:spTree>
+    <p:extLst>
+      <p:ext uri="{BB962C8B-B14F-4D97-AF65-F5344CB8AC3E}">
+        <p14:creationId xmlns:p14="http://schemas.microsoft.com/office/powerpoint/2010/main" val="2891132879"/>
+      </p:ext>
+    </p:extLst>
+  </p:cSld>
+  <p:clrMapOvr>
+    <a:masterClrMapping/>
+  </p:clrMapOvr>
+</p:sld>
+</file>
+
+<file path=ppt/slides/slide5.xml><?xml version="1.0" encoding="utf-8"?>
+<p:sld xmlns:a="http://schemas.openxmlformats.org/drawingml/2006/main" xmlns:r="http://schemas.openxmlformats.org/officeDocument/2006/relationships" xmlns:p="http://schemas.openxmlformats.org/presentationml/2006/main">
+  <p:cSld>
+    <p:spTree>
+      <p:nvGrpSpPr>
+        <p:cNvPr id="1" name=""/>
+        <p:cNvGrpSpPr/>
+        <p:nvPr/>
+      </p:nvGrpSpPr>
+      <p:grpSpPr>
+        <a:xfrm>
+          <a:off x="0" y="0"/>
+          <a:ext cx="0" cy="0"/>
+          <a:chOff x="0" y="0"/>
+          <a:chExt cx="0" cy="0"/>
+        </a:xfrm>
+      </p:grpSpPr>
+      <p:sp>
+        <p:nvSpPr>
+          <p:cNvPr id="2" name="Title 1">
+            <a:extLst>
+              <a:ext uri="{FF2B5EF4-FFF2-40B4-BE49-F238E27FC236}">
+                <a16:creationId xmlns:a16="http://schemas.microsoft.com/office/drawing/2014/main" id="{423BDEF5-CA88-46FA-B904-8C29D1809659}"/>
+              </a:ext>
+            </a:extLst>
+          </p:cNvPr>
+          <p:cNvSpPr>
+            <a:spLocks noGrp="1"/>
+          </p:cNvSpPr>
+          <p:nvPr>
+            <p:ph type="title"/>
+          </p:nvPr>
+        </p:nvSpPr>
+        <p:spPr/>
+        <p:txBody>
+          <a:bodyPr/>
+          <a:lstStyle/>
+          <a:p>
+            <a:r>
+              <a:rPr lang="en-US" b="1" dirty="0"/>
+              <a:t>A function that does take a parameter but doesn’t return anything</a:t>
+            </a:r>
+            <a:endParaRPr lang="en-US" dirty="0"/>
+          </a:p>
+        </p:txBody>
+      </p:sp>
+      <p:sp>
+        <p:nvSpPr>
+          <p:cNvPr id="3" name="Text Placeholder 2">
+            <a:extLst>
+              <a:ext uri="{FF2B5EF4-FFF2-40B4-BE49-F238E27FC236}">
+                <a16:creationId xmlns:a16="http://schemas.microsoft.com/office/drawing/2014/main" id="{6169C28F-02D0-48BA-8A29-B07692389A3D}"/>
+              </a:ext>
+            </a:extLst>
+          </p:cNvPr>
+          <p:cNvSpPr>
+            <a:spLocks noGrp="1"/>
+          </p:cNvSpPr>
+          <p:nvPr>
+            <p:ph type="body" idx="1"/>
+          </p:nvPr>
+        </p:nvSpPr>
+        <p:spPr/>
+        <p:txBody>
+          <a:bodyPr/>
+          <a:lstStyle/>
+          <a:p>
+            <a:pPr marL="114300" indent="0">
+              <a:buNone/>
+            </a:pPr>
+            <a:r>
+              <a:rPr lang="en-US" dirty="0"/>
+              <a:t>function log (message) {</a:t>
+            </a:r>
+            <a:br>
+              <a:rPr lang="en-US" dirty="0"/>
+            </a:br>
+            <a:r>
+              <a:rPr lang="en-US" dirty="0"/>
+              <a:t>     console.log (message);</a:t>
+            </a:r>
+            <a:br>
+              <a:rPr lang="en-US" dirty="0"/>
+            </a:br>
+            <a:r>
+              <a:rPr lang="en-US" dirty="0"/>
+              <a:t>}</a:t>
+            </a:r>
+          </a:p>
+          <a:p>
+            <a:endParaRPr lang="en-US" dirty="0"/>
+          </a:p>
+          <a:p>
+            <a:pPr marL="114300" indent="0">
+              <a:buNone/>
+            </a:pPr>
+            <a:r>
+              <a:rPr lang="en-US" dirty="0"/>
+              <a:t>log ("Hello JavaScript!");</a:t>
+            </a:r>
+          </a:p>
+          <a:p>
+            <a:endParaRPr lang="en-US" dirty="0"/>
+          </a:p>
+          <a:p>
+            <a:endParaRPr lang="en-US" dirty="0"/>
+          </a:p>
+          <a:p>
+            <a:pPr marL="114300" indent="0">
+              <a:buNone/>
+            </a:pPr>
+            <a:r>
+              <a:rPr lang="en-US" altLang="en-US" b="1" i="1" dirty="0">
+                <a:solidFill>
+                  <a:schemeClr val="bg1">
+                    <a:lumMod val="50000"/>
+                  </a:schemeClr>
+                </a:solidFill>
+                <a:latin typeface="Roboto" panose="020B0604020202020204" charset="0"/>
+                <a:ea typeface="Roboto" panose="020B0604020202020204" charset="0"/>
+              </a:rPr>
+              <a:t>NOTE: If the function doesn’t return any value explicitly, then by default it returns “undefined</a:t>
+            </a:r>
+            <a:r>
+              <a:rPr lang="en-US" altLang="en-US" b="1" i="1" dirty="0">
+                <a:solidFill>
+                  <a:schemeClr val="bg1"/>
+                </a:solidFill>
+                <a:latin typeface="Roboto" panose="020B0604020202020204" charset="0"/>
+                <a:ea typeface="Roboto" panose="020B0604020202020204" charset="0"/>
+              </a:rPr>
+              <a:t>”</a:t>
+            </a:r>
+            <a:endParaRPr lang="en-US" altLang="en-US" sz="900" b="1" dirty="0">
+              <a:solidFill>
+                <a:schemeClr val="bg1"/>
+              </a:solidFill>
+              <a:latin typeface="Roboto" panose="020B0604020202020204" charset="0"/>
+              <a:ea typeface="Roboto" panose="020B0604020202020204" charset="0"/>
+            </a:endParaRPr>
+          </a:p>
+          <a:p>
+            <a:pPr marL="114300" indent="0">
+              <a:buNone/>
+            </a:pPr>
+            <a:r>
+              <a:rPr lang="en-US" dirty="0"/>
+              <a:t> </a:t>
+            </a:r>
+          </a:p>
+          <a:p>
+            <a:pPr marL="114300" indent="0">
+              <a:buNone/>
+            </a:pPr>
+            <a:endParaRPr lang="en-US" dirty="0"/>
+          </a:p>
+        </p:txBody>
+      </p:sp>
+    </p:spTree>
+    <p:extLst>
+      <p:ext uri="{BB962C8B-B14F-4D97-AF65-F5344CB8AC3E}">
+        <p14:creationId xmlns:p14="http://schemas.microsoft.com/office/powerpoint/2010/main" val="3445662084"/>
+      </p:ext>
+    </p:extLst>
+  </p:cSld>
+  <p:clrMapOvr>
+    <a:masterClrMapping/>
+  </p:clrMapOvr>
+</p:sld>
+</file>
+
+<file path=ppt/slides/slide6.xml><?xml version="1.0" encoding="utf-8"?>
+<p:sld xmlns:a="http://schemas.openxmlformats.org/drawingml/2006/main" xmlns:r="http://schemas.openxmlformats.org/officeDocument/2006/relationships" xmlns:p="http://schemas.openxmlformats.org/presentationml/2006/main">
+  <p:cSld>
+    <p:spTree>
+      <p:nvGrpSpPr>
+        <p:cNvPr id="1" name=""/>
+        <p:cNvGrpSpPr/>
+        <p:nvPr/>
+      </p:nvGrpSpPr>
+      <p:grpSpPr>
+        <a:xfrm>
+          <a:off x="0" y="0"/>
+          <a:ext cx="0" cy="0"/>
+          <a:chOff x="0" y="0"/>
+          <a:chExt cx="0" cy="0"/>
+        </a:xfrm>
+      </p:grpSpPr>
+      <p:sp>
+        <p:nvSpPr>
+          <p:cNvPr id="2" name="Title 1">
+            <a:extLst>
+              <a:ext uri="{FF2B5EF4-FFF2-40B4-BE49-F238E27FC236}">
+                <a16:creationId xmlns:a16="http://schemas.microsoft.com/office/drawing/2014/main" id="{60F644E8-0CAD-452D-91CB-015E0BF554D3}"/>
+              </a:ext>
+            </a:extLst>
+          </p:cNvPr>
+          <p:cNvSpPr>
+            <a:spLocks noGrp="1"/>
+          </p:cNvSpPr>
+          <p:nvPr>
+            <p:ph type="title"/>
+          </p:nvPr>
+        </p:nvSpPr>
+        <p:spPr/>
+        <p:txBody>
+          <a:bodyPr/>
+          <a:lstStyle/>
+          <a:p>
+            <a:r>
+              <a:rPr lang="en-US" b="1" dirty="0"/>
+              <a:t>A function that takes a parameter and returns a value.</a:t>
+            </a:r>
+            <a:endParaRPr lang="en-US" dirty="0"/>
+          </a:p>
+        </p:txBody>
+      </p:sp>
+      <p:sp>
+        <p:nvSpPr>
+          <p:cNvPr id="3" name="Text Placeholder 2">
+            <a:extLst>
+              <a:ext uri="{FF2B5EF4-FFF2-40B4-BE49-F238E27FC236}">
+                <a16:creationId xmlns:a16="http://schemas.microsoft.com/office/drawing/2014/main" id="{EE75E68C-7B71-4953-9B93-71EED3C42965}"/>
+              </a:ext>
+            </a:extLst>
+          </p:cNvPr>
+          <p:cNvSpPr>
+            <a:spLocks noGrp="1"/>
+          </p:cNvSpPr>
+          <p:nvPr>
+            <p:ph type="body" idx="1"/>
+          </p:nvPr>
+        </p:nvSpPr>
+        <p:spPr>
+          <a:xfrm>
+            <a:off x="460950" y="2142358"/>
+            <a:ext cx="8222100" cy="2710200"/>
+          </a:xfrm>
+        </p:spPr>
+        <p:txBody>
+          <a:bodyPr/>
+          <a:lstStyle/>
+          <a:p>
+            <a:pPr marL="114300" indent="0">
+              <a:buNone/>
+            </a:pPr>
+            <a:r>
+              <a:rPr lang="en-US" dirty="0"/>
+              <a:t>function square(number) {</a:t>
+            </a:r>
+            <a:br>
+              <a:rPr lang="en-US" dirty="0"/>
+            </a:br>
+            <a:r>
+              <a:rPr lang="en-US" dirty="0"/>
+              <a:t>      return number * number;</a:t>
+            </a:r>
+            <a:br>
+              <a:rPr lang="en-US" dirty="0"/>
+            </a:br>
+            <a:r>
+              <a:rPr lang="en-US" dirty="0"/>
+              <a:t>}</a:t>
+            </a:r>
+          </a:p>
+          <a:p>
+            <a:pPr marL="114300" indent="0">
+              <a:buNone/>
+            </a:pPr>
+            <a:endParaRPr lang="en-US" dirty="0"/>
+          </a:p>
+          <a:p>
+            <a:pPr marL="114300" indent="0">
+              <a:buNone/>
+            </a:pPr>
+            <a:endParaRPr lang="en-US" dirty="0"/>
+          </a:p>
+          <a:p>
+            <a:pPr marL="114300" indent="0">
+              <a:buNone/>
+            </a:pPr>
+            <a:r>
+              <a:rPr lang="en-US" dirty="0">
+                <a:solidFill>
+                  <a:schemeClr val="bg1">
+                    <a:lumMod val="50000"/>
+                  </a:schemeClr>
+                </a:solidFill>
+              </a:rPr>
+              <a:t>console.log(square(2));</a:t>
+            </a:r>
+          </a:p>
+          <a:p>
+            <a:pPr marL="114300" indent="0">
+              <a:buNone/>
+            </a:pPr>
+            <a:endParaRPr lang="en-US" dirty="0"/>
+          </a:p>
+        </p:txBody>
+      </p:sp>
+    </p:spTree>
+    <p:extLst>
+      <p:ext uri="{BB962C8B-B14F-4D97-AF65-F5344CB8AC3E}">
+        <p14:creationId xmlns:p14="http://schemas.microsoft.com/office/powerpoint/2010/main" val="3428960893"/>
+      </p:ext>
+    </p:extLst>
+  </p:cSld>
+  <p:clrMapOvr>
+    <a:masterClrMapping/>
+  </p:clrMapOvr>
+</p:sld>
+</file>
+
+<file path=ppt/slides/slide7.xml><?xml version="1.0" encoding="utf-8"?>
+<p:sld xmlns:a="http://schemas.openxmlformats.org/drawingml/2006/main" xmlns:r="http://schemas.openxmlformats.org/officeDocument/2006/relationships" xmlns:p="http://schemas.openxmlformats.org/presentationml/2006/main">
+  <p:cSld>
+    <p:spTree>
+      <p:nvGrpSpPr>
+        <p:cNvPr id="1" name=""/>
+        <p:cNvGrpSpPr/>
+        <p:nvPr/>
+      </p:nvGrpSpPr>
+      <p:grpSpPr>
+        <a:xfrm>
+          <a:off x="0" y="0"/>
+          <a:ext cx="0" cy="0"/>
+          <a:chOff x="0" y="0"/>
+          <a:chExt cx="0" cy="0"/>
+        </a:xfrm>
+      </p:grpSpPr>
+      <p:sp>
+        <p:nvSpPr>
+          <p:cNvPr id="2" name="Title 1">
+            <a:extLst>
+              <a:ext uri="{FF2B5EF4-FFF2-40B4-BE49-F238E27FC236}">
+                <a16:creationId xmlns:a16="http://schemas.microsoft.com/office/drawing/2014/main" id="{85A02A86-85AB-4A15-B42D-E0B61D39F146}"/>
+              </a:ext>
+            </a:extLst>
+          </p:cNvPr>
+          <p:cNvSpPr>
+            <a:spLocks noGrp="1"/>
+          </p:cNvSpPr>
+          <p:nvPr>
+            <p:ph type="title"/>
+          </p:nvPr>
+        </p:nvSpPr>
+        <p:spPr/>
+        <p:txBody>
+          <a:bodyPr/>
+          <a:lstStyle/>
+          <a:p>
+            <a:r>
+              <a:rPr lang="en-US" b="1" dirty="0"/>
+              <a:t>Functions are first class objects</a:t>
+            </a:r>
+            <a:endParaRPr lang="en-US" dirty="0"/>
+          </a:p>
+        </p:txBody>
+      </p:sp>
+      <p:sp>
+        <p:nvSpPr>
+          <p:cNvPr id="3" name="Text Placeholder 2">
+            <a:extLst>
+              <a:ext uri="{FF2B5EF4-FFF2-40B4-BE49-F238E27FC236}">
+                <a16:creationId xmlns:a16="http://schemas.microsoft.com/office/drawing/2014/main" id="{4488F69F-39B4-4D7A-8EB6-31FBED5D9126}"/>
+              </a:ext>
+            </a:extLst>
+          </p:cNvPr>
+          <p:cNvSpPr>
+            <a:spLocks noGrp="1"/>
+          </p:cNvSpPr>
+          <p:nvPr>
+            <p:ph type="body" idx="1"/>
+          </p:nvPr>
+        </p:nvSpPr>
+        <p:spPr>
+          <a:xfrm>
+            <a:off x="460950" y="1694574"/>
+            <a:ext cx="8222100" cy="3448925"/>
+          </a:xfrm>
+        </p:spPr>
+        <p:txBody>
+          <a:bodyPr/>
+          <a:lstStyle/>
+          <a:p>
+            <a:pPr marL="114300" indent="0">
+              <a:buNone/>
+            </a:pPr>
+            <a:r>
+              <a:rPr lang="en-US" dirty="0"/>
+              <a:t>const square = function (number) {</a:t>
+            </a:r>
+            <a:br>
+              <a:rPr lang="en-US" dirty="0"/>
+            </a:br>
+            <a:r>
+              <a:rPr lang="en-US" dirty="0"/>
+              <a:t>     return number * number;</a:t>
+            </a:r>
+            <a:br>
+              <a:rPr lang="en-US" dirty="0"/>
+            </a:br>
+            <a:r>
+              <a:rPr lang="en-US" dirty="0">
+                <a:solidFill>
+                  <a:schemeClr val="bg1">
+                    <a:lumMod val="50000"/>
+                  </a:schemeClr>
+                </a:solidFill>
+              </a:rPr>
+              <a:t>}</a:t>
+            </a:r>
+          </a:p>
+          <a:p>
+            <a:pPr marL="114300" indent="0">
+              <a:buNone/>
+            </a:pPr>
+            <a:endParaRPr lang="en-US" dirty="0">
+              <a:solidFill>
+                <a:schemeClr val="bg1">
+                  <a:lumMod val="50000"/>
+                </a:schemeClr>
+              </a:solidFill>
+            </a:endParaRPr>
+          </a:p>
+          <a:p>
+            <a:pPr marL="114300" indent="0">
+              <a:buNone/>
+            </a:pPr>
+            <a:r>
+              <a:rPr lang="en-US" dirty="0">
+                <a:solidFill>
+                  <a:schemeClr val="bg1">
+                    <a:lumMod val="50000"/>
+                  </a:schemeClr>
+                </a:solidFill>
+                <a:latin typeface="Roboto" panose="020B0604020202020204" charset="0"/>
+                <a:ea typeface="Roboto" panose="020B0604020202020204" charset="0"/>
+              </a:rPr>
+              <a:t>Let’s write the above function as an arrow function.</a:t>
+            </a:r>
+          </a:p>
+          <a:p>
+            <a:pPr>
+              <a:buFont typeface="Arial" panose="020B0604020202020204" pitchFamily="34" charset="0"/>
+              <a:buChar char="•"/>
+            </a:pPr>
+            <a:endParaRPr lang="en-US" dirty="0">
+              <a:solidFill>
+                <a:schemeClr val="bg1">
+                  <a:lumMod val="50000"/>
+                </a:schemeClr>
+              </a:solidFill>
+              <a:latin typeface="Roboto" panose="020B0604020202020204" charset="0"/>
+              <a:ea typeface="Roboto" panose="020B0604020202020204" charset="0"/>
+            </a:endParaRPr>
+          </a:p>
+          <a:p>
+            <a:pPr marL="114300" indent="0">
+              <a:buNone/>
+            </a:pPr>
+            <a:r>
+              <a:rPr lang="en-US" altLang="en-US" dirty="0">
+                <a:solidFill>
+                  <a:schemeClr val="bg1">
+                    <a:lumMod val="50000"/>
+                  </a:schemeClr>
+                </a:solidFill>
+                <a:latin typeface="Roboto" panose="020B0604020202020204" charset="0"/>
+                <a:ea typeface="Roboto" panose="020B0604020202020204" charset="0"/>
+              </a:rPr>
+              <a:t>const square = (number) =&gt; {</a:t>
+            </a:r>
+            <a:br>
+              <a:rPr lang="en-US" altLang="en-US" dirty="0">
+                <a:solidFill>
+                  <a:schemeClr val="bg1">
+                    <a:lumMod val="50000"/>
+                  </a:schemeClr>
+                </a:solidFill>
+                <a:latin typeface="Roboto" panose="020B0604020202020204" charset="0"/>
+                <a:ea typeface="Roboto" panose="020B0604020202020204" charset="0"/>
+              </a:rPr>
+            </a:br>
+            <a:r>
+              <a:rPr lang="en-US" altLang="en-US" dirty="0">
+                <a:solidFill>
+                  <a:schemeClr val="bg1">
+                    <a:lumMod val="50000"/>
+                  </a:schemeClr>
+                </a:solidFill>
+                <a:latin typeface="Roboto" panose="020B0604020202020204" charset="0"/>
+                <a:ea typeface="Roboto" panose="020B0604020202020204" charset="0"/>
+              </a:rPr>
+              <a:t>	return number * number;</a:t>
+            </a:r>
+            <a:br>
+              <a:rPr lang="en-US" altLang="en-US" dirty="0">
+                <a:solidFill>
+                  <a:schemeClr val="bg1">
+                    <a:lumMod val="50000"/>
+                  </a:schemeClr>
+                </a:solidFill>
+                <a:latin typeface="Roboto" panose="020B0604020202020204" charset="0"/>
+                <a:ea typeface="Roboto" panose="020B0604020202020204" charset="0"/>
+              </a:rPr>
+            </a:br>
+            <a:r>
+              <a:rPr lang="en-US" altLang="en-US" dirty="0">
+                <a:solidFill>
+                  <a:schemeClr val="bg1">
+                    <a:lumMod val="50000"/>
+                  </a:schemeClr>
+                </a:solidFill>
+                <a:latin typeface="Roboto" panose="020B0604020202020204" charset="0"/>
+                <a:ea typeface="Roboto" panose="020B0604020202020204" charset="0"/>
+              </a:rPr>
+              <a:t>}</a:t>
+            </a:r>
+          </a:p>
+          <a:p>
+            <a:pPr marL="114300" indent="0">
+              <a:buNone/>
+            </a:pPr>
+            <a:r>
+              <a:rPr lang="en-US" altLang="en-US" dirty="0">
+                <a:solidFill>
+                  <a:schemeClr val="bg1">
+                    <a:lumMod val="50000"/>
+                  </a:schemeClr>
+                </a:solidFill>
+                <a:latin typeface="Roboto" panose="020B0604020202020204" charset="0"/>
+                <a:ea typeface="Roboto" panose="020B0604020202020204" charset="0"/>
+              </a:rPr>
+              <a:t>console.log(square(2)); </a:t>
+            </a:r>
+          </a:p>
+          <a:p>
+            <a:pPr marL="114300" indent="0">
+              <a:buNone/>
+            </a:pPr>
+            <a:endParaRPr lang="en-US" dirty="0"/>
+          </a:p>
+        </p:txBody>
+      </p:sp>
+    </p:spTree>
+    <p:extLst>
+      <p:ext uri="{BB962C8B-B14F-4D97-AF65-F5344CB8AC3E}">
+        <p14:creationId xmlns:p14="http://schemas.microsoft.com/office/powerpoint/2010/main" val="3678286059"/>
+      </p:ext>
+    </p:extLst>
+  </p:cSld>
+  <p:clrMapOvr>
+    <a:masterClrMapping/>
+  </p:clrMapOvr>
+</p:sld>
+</file>
+
+<file path=ppt/slides/slide8.xml><?xml version="1.0" encoding="utf-8"?>
+<p:sld xmlns:a="http://schemas.openxmlformats.org/drawingml/2006/main" xmlns:r="http://schemas.openxmlformats.org/officeDocument/2006/relationships" xmlns:p="http://schemas.openxmlformats.org/presentationml/2006/main">
+  <p:cSld>
+    <p:spTree>
+      <p:nvGrpSpPr>
+        <p:cNvPr id="1" name=""/>
+        <p:cNvGrpSpPr/>
+        <p:nvPr/>
+      </p:nvGrpSpPr>
+      <p:grpSpPr>
+        <a:xfrm>
+          <a:off x="0" y="0"/>
+          <a:ext cx="0" cy="0"/>
+          <a:chOff x="0" y="0"/>
+          <a:chExt cx="0" cy="0"/>
+        </a:xfrm>
+      </p:grpSpPr>
+      <p:sp>
+        <p:nvSpPr>
+          <p:cNvPr id="2" name="Title 1">
+            <a:extLst>
+              <a:ext uri="{FF2B5EF4-FFF2-40B4-BE49-F238E27FC236}">
+                <a16:creationId xmlns:a16="http://schemas.microsoft.com/office/drawing/2014/main" id="{B460F417-FC00-482D-999C-4CCC95E78E1C}"/>
+              </a:ext>
+            </a:extLst>
+          </p:cNvPr>
+          <p:cNvSpPr>
+            <a:spLocks noGrp="1"/>
+          </p:cNvSpPr>
+          <p:nvPr>
+            <p:ph type="title"/>
+          </p:nvPr>
+        </p:nvSpPr>
+        <p:spPr/>
+        <p:txBody>
+          <a:bodyPr/>
+          <a:lstStyle/>
+          <a:p>
+            <a:r>
+              <a:rPr lang="en-US" b="1" dirty="0"/>
+              <a:t>How to write a function that can take ’n’ arguments?</a:t>
+            </a:r>
+            <a:endParaRPr lang="en-US" dirty="0"/>
+          </a:p>
+        </p:txBody>
+      </p:sp>
+      <p:sp>
+        <p:nvSpPr>
+          <p:cNvPr id="3" name="Text Placeholder 2">
+            <a:extLst>
+              <a:ext uri="{FF2B5EF4-FFF2-40B4-BE49-F238E27FC236}">
+                <a16:creationId xmlns:a16="http://schemas.microsoft.com/office/drawing/2014/main" id="{A4724A47-AB58-4B3E-8331-5F5C6E6ECD2E}"/>
+              </a:ext>
+            </a:extLst>
+          </p:cNvPr>
+          <p:cNvSpPr>
+            <a:spLocks noGrp="1"/>
+          </p:cNvSpPr>
+          <p:nvPr>
+            <p:ph type="body" idx="1"/>
+          </p:nvPr>
+        </p:nvSpPr>
+        <p:spPr>
+          <a:xfrm>
+            <a:off x="471900" y="1823382"/>
+            <a:ext cx="8222100" cy="3131390"/>
+          </a:xfrm>
+        </p:spPr>
+        <p:txBody>
+          <a:bodyPr/>
+          <a:lstStyle/>
+          <a:p>
+            <a:pPr marL="114300" indent="0">
+              <a:buNone/>
+            </a:pPr>
+            <a:r>
+              <a:rPr lang="en-US" sz="1400" b="1" dirty="0">
+                <a:solidFill>
+                  <a:schemeClr val="tx1"/>
+                </a:solidFill>
+              </a:rPr>
+              <a:t>// Old way</a:t>
+            </a:r>
+            <a:br>
+              <a:rPr lang="en-US" sz="1400" dirty="0"/>
+            </a:br>
+            <a:r>
+              <a:rPr lang="en-US" sz="1400" dirty="0"/>
+              <a:t>const sum = function () {</a:t>
+            </a:r>
+            <a:br>
+              <a:rPr lang="en-US" sz="1400" dirty="0"/>
+            </a:br>
+            <a:r>
+              <a:rPr lang="en-US" sz="1400" dirty="0"/>
+              <a:t>      let result = 0;</a:t>
+            </a:r>
+            <a:br>
+              <a:rPr lang="en-US" sz="1400" dirty="0"/>
+            </a:br>
+            <a:r>
+              <a:rPr lang="en-US" sz="1400" dirty="0"/>
+              <a:t>      for(let </a:t>
+            </a:r>
+            <a:r>
+              <a:rPr lang="en-US" sz="1400" dirty="0" err="1"/>
+              <a:t>i</a:t>
+            </a:r>
+            <a:r>
+              <a:rPr lang="en-US" sz="1400" dirty="0"/>
+              <a:t> = 0; </a:t>
+            </a:r>
+            <a:r>
+              <a:rPr lang="en-US" sz="1400" dirty="0" err="1"/>
+              <a:t>i</a:t>
+            </a:r>
+            <a:r>
+              <a:rPr lang="en-US" sz="1400" dirty="0"/>
+              <a:t> &lt; </a:t>
+            </a:r>
+            <a:r>
+              <a:rPr lang="en-US" sz="1400" dirty="0" err="1"/>
+              <a:t>arguments.length</a:t>
+            </a:r>
+            <a:r>
+              <a:rPr lang="en-US" sz="1400" dirty="0"/>
+              <a:t>; </a:t>
+            </a:r>
+            <a:r>
+              <a:rPr lang="en-US" sz="1400" dirty="0" err="1"/>
+              <a:t>i</a:t>
+            </a:r>
+            <a:r>
+              <a:rPr lang="en-US" sz="1400" dirty="0"/>
+              <a:t>++) {</a:t>
+            </a:r>
+            <a:br>
+              <a:rPr lang="en-US" sz="1400" dirty="0"/>
+            </a:br>
+            <a:r>
+              <a:rPr lang="en-US" sz="1400" dirty="0"/>
+              <a:t>          result += arguments[</a:t>
+            </a:r>
+            <a:r>
+              <a:rPr lang="en-US" sz="1400" dirty="0" err="1"/>
+              <a:t>i</a:t>
+            </a:r>
+            <a:r>
+              <a:rPr lang="en-US" sz="1400" dirty="0"/>
+              <a:t>];</a:t>
+            </a:r>
+            <a:br>
+              <a:rPr lang="en-US" sz="1400" dirty="0"/>
+            </a:br>
+            <a:r>
+              <a:rPr lang="en-US" sz="1400" dirty="0"/>
+              <a:t>        }</a:t>
+            </a:r>
+            <a:br>
+              <a:rPr lang="en-US" sz="1400" dirty="0"/>
+            </a:br>
+            <a:r>
+              <a:rPr lang="en-US" sz="1400" dirty="0"/>
+              <a:t>     return result;</a:t>
+            </a:r>
+            <a:br>
+              <a:rPr lang="en-US" sz="1400" dirty="0"/>
+            </a:br>
+            <a:r>
+              <a:rPr lang="en-US" sz="1400" dirty="0"/>
+              <a:t>}</a:t>
+            </a:r>
+          </a:p>
+          <a:p>
+            <a:pPr marL="114300" indent="0">
+              <a:buNone/>
+            </a:pPr>
+            <a:endParaRPr lang="en-US" sz="1400" dirty="0"/>
+          </a:p>
+          <a:p>
+            <a:pPr marL="114300" indent="0">
+              <a:buNone/>
+            </a:pPr>
+            <a:r>
+              <a:rPr lang="en-US" sz="1400" dirty="0"/>
+              <a:t>console.log(sum(1,2));</a:t>
+            </a:r>
+            <a:br>
+              <a:rPr lang="en-US" sz="1400" dirty="0"/>
+            </a:br>
+            <a:r>
+              <a:rPr lang="en-US" sz="1400" dirty="0"/>
+              <a:t>console.log(sum(1,2,3,4));</a:t>
+            </a:r>
+            <a:br>
+              <a:rPr lang="en-US" sz="1400" dirty="0"/>
+            </a:br>
+            <a:r>
+              <a:rPr lang="en-US" sz="1400" dirty="0"/>
+              <a:t>console.log(sum(1,3,5,7,9));</a:t>
+            </a:r>
+          </a:p>
+          <a:p>
+            <a:pPr marL="114300" indent="0">
+              <a:buNone/>
+            </a:pPr>
+            <a:endParaRPr lang="en-US" dirty="0"/>
+          </a:p>
+        </p:txBody>
+      </p:sp>
+    </p:spTree>
+    <p:extLst>
+      <p:ext uri="{BB962C8B-B14F-4D97-AF65-F5344CB8AC3E}">
+        <p14:creationId xmlns:p14="http://schemas.microsoft.com/office/powerpoint/2010/main" val="4109029183"/>
+      </p:ext>
+    </p:extLst>
+  </p:cSld>
+  <p:clrMapOvr>
+    <a:masterClrMapping/>
+  </p:clrMapOvr>
+</p:sld>
+</file>
+
+<file path=ppt/slides/slide9.xml><?xml version="1.0" encoding="utf-8"?>
+<p:sld xmlns:a="http://schemas.openxmlformats.org/drawingml/2006/main" xmlns:r="http://schemas.openxmlformats.org/officeDocument/2006/relationships" xmlns:p="http://schemas.openxmlformats.org/presentationml/2006/main">
+  <p:cSld>
+    <p:spTree>
+      <p:nvGrpSpPr>
+        <p:cNvPr id="1" name=""/>
+        <p:cNvGrpSpPr/>
+        <p:nvPr/>
+      </p:nvGrpSpPr>
+      <p:grpSpPr>
+        <a:xfrm>
+          <a:off x="0" y="0"/>
+          <a:ext cx="0" cy="0"/>
+          <a:chOff x="0" y="0"/>
+          <a:chExt cx="0" cy="0"/>
+        </a:xfrm>
+      </p:grpSpPr>
+      <p:sp>
+        <p:nvSpPr>
+          <p:cNvPr id="2" name="Title 1">
+            <a:extLst>
+              <a:ext uri="{FF2B5EF4-FFF2-40B4-BE49-F238E27FC236}">
+                <a16:creationId xmlns:a16="http://schemas.microsoft.com/office/drawing/2014/main" id="{E0008E5A-74FF-4CC9-940F-699FF20EF1D9}"/>
+              </a:ext>
+            </a:extLst>
+          </p:cNvPr>
+          <p:cNvSpPr>
+            <a:spLocks noGrp="1"/>
+          </p:cNvSpPr>
+          <p:nvPr>
+            <p:ph type="title"/>
+          </p:nvPr>
+        </p:nvSpPr>
+        <p:spPr/>
+        <p:txBody>
+          <a:bodyPr/>
+          <a:lstStyle/>
+          <a:p>
+            <a:r>
+              <a:rPr lang="en-US" b="1" dirty="0"/>
+              <a:t>What does …</a:t>
+            </a:r>
+            <a:r>
+              <a:rPr lang="en-US" b="1" dirty="0" err="1"/>
+              <a:t>args</a:t>
+            </a:r>
+            <a:r>
+              <a:rPr lang="en-US" b="1" dirty="0"/>
+              <a:t> does ?</a:t>
+            </a:r>
+            <a:endParaRPr lang="en-US" dirty="0"/>
+          </a:p>
+        </p:txBody>
+      </p:sp>
+      <p:sp>
+        <p:nvSpPr>
+          <p:cNvPr id="3" name="Text Placeholder 2">
+            <a:extLst>
+              <a:ext uri="{FF2B5EF4-FFF2-40B4-BE49-F238E27FC236}">
+                <a16:creationId xmlns:a16="http://schemas.microsoft.com/office/drawing/2014/main" id="{B8CBF1D8-DD90-4681-B980-E30564F28628}"/>
+              </a:ext>
+            </a:extLst>
+          </p:cNvPr>
+          <p:cNvSpPr>
+            <a:spLocks noGrp="1"/>
+          </p:cNvSpPr>
+          <p:nvPr>
+            <p:ph type="body" idx="1"/>
+          </p:nvPr>
+        </p:nvSpPr>
+        <p:spPr>
+          <a:xfrm>
+            <a:off x="460950" y="1855280"/>
+            <a:ext cx="8222100" cy="2710200"/>
+          </a:xfrm>
+        </p:spPr>
+        <p:txBody>
+          <a:bodyPr/>
+          <a:lstStyle/>
+          <a:p>
+            <a:pPr marL="114300" indent="0">
+              <a:buNone/>
+            </a:pPr>
+            <a:r>
+              <a:rPr lang="en-US" altLang="en-US" dirty="0">
+                <a:solidFill>
+                  <a:schemeClr val="bg1">
+                    <a:lumMod val="50000"/>
+                  </a:schemeClr>
+                </a:solidFill>
+                <a:latin typeface="Roboto" panose="020B0604020202020204" charset="0"/>
+                <a:ea typeface="Roboto" panose="020B0604020202020204" charset="0"/>
+              </a:rPr>
+              <a:t>const sum = function (...</a:t>
+            </a:r>
+            <a:r>
+              <a:rPr lang="en-US" altLang="en-US" dirty="0" err="1">
+                <a:solidFill>
+                  <a:schemeClr val="bg1">
+                    <a:lumMod val="50000"/>
+                  </a:schemeClr>
+                </a:solidFill>
+                <a:latin typeface="Roboto" panose="020B0604020202020204" charset="0"/>
+                <a:ea typeface="Roboto" panose="020B0604020202020204" charset="0"/>
+              </a:rPr>
+              <a:t>args</a:t>
+            </a:r>
+            <a:r>
+              <a:rPr lang="en-US" altLang="en-US" dirty="0">
+                <a:solidFill>
+                  <a:schemeClr val="bg1">
+                    <a:lumMod val="50000"/>
+                  </a:schemeClr>
+                </a:solidFill>
+                <a:latin typeface="Roboto" panose="020B0604020202020204" charset="0"/>
+                <a:ea typeface="Roboto" panose="020B0604020202020204" charset="0"/>
+              </a:rPr>
+              <a:t>) {</a:t>
+            </a:r>
+            <a:br>
+              <a:rPr lang="en-US" altLang="en-US" dirty="0">
+                <a:solidFill>
+                  <a:schemeClr val="bg1">
+                    <a:lumMod val="50000"/>
+                  </a:schemeClr>
+                </a:solidFill>
+                <a:latin typeface="Roboto" panose="020B0604020202020204" charset="0"/>
+                <a:ea typeface="Roboto" panose="020B0604020202020204" charset="0"/>
+              </a:rPr>
+            </a:br>
+            <a:r>
+              <a:rPr lang="en-US" altLang="en-US" dirty="0">
+                <a:solidFill>
+                  <a:schemeClr val="bg1">
+                    <a:lumMod val="50000"/>
+                  </a:schemeClr>
+                </a:solidFill>
+                <a:latin typeface="Roboto" panose="020B0604020202020204" charset="0"/>
+                <a:ea typeface="Roboto" panose="020B0604020202020204" charset="0"/>
+              </a:rPr>
+              <a:t>        console.log(</a:t>
+            </a:r>
+            <a:r>
+              <a:rPr lang="en-US" altLang="en-US" dirty="0" err="1">
+                <a:solidFill>
+                  <a:schemeClr val="bg1">
+                    <a:lumMod val="50000"/>
+                  </a:schemeClr>
+                </a:solidFill>
+                <a:latin typeface="Roboto" panose="020B0604020202020204" charset="0"/>
+                <a:ea typeface="Roboto" panose="020B0604020202020204" charset="0"/>
+              </a:rPr>
+              <a:t>args</a:t>
+            </a:r>
+            <a:r>
+              <a:rPr lang="en-US" altLang="en-US" dirty="0">
+                <a:solidFill>
+                  <a:schemeClr val="bg1">
+                    <a:lumMod val="50000"/>
+                  </a:schemeClr>
+                </a:solidFill>
+                <a:latin typeface="Roboto" panose="020B0604020202020204" charset="0"/>
+                <a:ea typeface="Roboto" panose="020B0604020202020204" charset="0"/>
+              </a:rPr>
+              <a:t>);</a:t>
+            </a:r>
+            <a:br>
+              <a:rPr lang="en-US" altLang="en-US" dirty="0">
+                <a:solidFill>
+                  <a:schemeClr val="bg1">
+                    <a:lumMod val="50000"/>
+                  </a:schemeClr>
+                </a:solidFill>
+                <a:latin typeface="Roboto" panose="020B0604020202020204" charset="0"/>
+                <a:ea typeface="Roboto" panose="020B0604020202020204" charset="0"/>
+              </a:rPr>
+            </a:br>
+            <a:r>
+              <a:rPr lang="en-US" altLang="en-US" dirty="0">
+                <a:solidFill>
+                  <a:schemeClr val="bg1">
+                    <a:lumMod val="50000"/>
+                  </a:schemeClr>
+                </a:solidFill>
+                <a:latin typeface="Roboto" panose="020B0604020202020204" charset="0"/>
+                <a:ea typeface="Roboto" panose="020B0604020202020204" charset="0"/>
+              </a:rPr>
+              <a:t>        let result = 0;</a:t>
+            </a:r>
+            <a:br>
+              <a:rPr lang="en-US" altLang="en-US" dirty="0">
+                <a:solidFill>
+                  <a:schemeClr val="bg1">
+                    <a:lumMod val="50000"/>
+                  </a:schemeClr>
+                </a:solidFill>
+                <a:latin typeface="Roboto" panose="020B0604020202020204" charset="0"/>
+                <a:ea typeface="Roboto" panose="020B0604020202020204" charset="0"/>
+              </a:rPr>
+            </a:br>
+            <a:r>
+              <a:rPr lang="en-US" altLang="en-US" dirty="0">
+                <a:solidFill>
+                  <a:schemeClr val="bg1">
+                    <a:lumMod val="50000"/>
+                  </a:schemeClr>
+                </a:solidFill>
+                <a:latin typeface="Roboto" panose="020B0604020202020204" charset="0"/>
+                <a:ea typeface="Roboto" panose="020B0604020202020204" charset="0"/>
+              </a:rPr>
+              <a:t>       result = </a:t>
+            </a:r>
+            <a:r>
+              <a:rPr lang="en-US" altLang="en-US" dirty="0" err="1">
+                <a:solidFill>
+                  <a:schemeClr val="bg1">
+                    <a:lumMod val="50000"/>
+                  </a:schemeClr>
+                </a:solidFill>
+                <a:latin typeface="Roboto" panose="020B0604020202020204" charset="0"/>
+                <a:ea typeface="Roboto" panose="020B0604020202020204" charset="0"/>
+              </a:rPr>
+              <a:t>args.reduce</a:t>
+            </a:r>
+            <a:r>
+              <a:rPr lang="en-US" altLang="en-US" dirty="0">
+                <a:solidFill>
+                  <a:schemeClr val="bg1">
+                    <a:lumMod val="50000"/>
+                  </a:schemeClr>
+                </a:solidFill>
+                <a:latin typeface="Roboto" panose="020B0604020202020204" charset="0"/>
+                <a:ea typeface="Roboto" panose="020B0604020202020204" charset="0"/>
+              </a:rPr>
+              <a:t>((current, </a:t>
+            </a:r>
+            <a:r>
+              <a:rPr lang="en-US" altLang="en-US" dirty="0" err="1">
+                <a:solidFill>
+                  <a:schemeClr val="bg1">
+                    <a:lumMod val="50000"/>
+                  </a:schemeClr>
+                </a:solidFill>
+                <a:latin typeface="Roboto" panose="020B0604020202020204" charset="0"/>
+                <a:ea typeface="Roboto" panose="020B0604020202020204" charset="0"/>
+              </a:rPr>
+              <a:t>prev</a:t>
+            </a:r>
+            <a:r>
+              <a:rPr lang="en-US" altLang="en-US" dirty="0">
+                <a:solidFill>
+                  <a:schemeClr val="bg1">
+                    <a:lumMod val="50000"/>
+                  </a:schemeClr>
+                </a:solidFill>
+                <a:latin typeface="Roboto" panose="020B0604020202020204" charset="0"/>
+                <a:ea typeface="Roboto" panose="020B0604020202020204" charset="0"/>
+              </a:rPr>
+              <a:t>) =&gt; {</a:t>
+            </a:r>
+            <a:br>
+              <a:rPr lang="en-US" altLang="en-US" dirty="0">
+                <a:solidFill>
+                  <a:schemeClr val="bg1">
+                    <a:lumMod val="50000"/>
+                  </a:schemeClr>
+                </a:solidFill>
+                <a:latin typeface="Roboto" panose="020B0604020202020204" charset="0"/>
+                <a:ea typeface="Roboto" panose="020B0604020202020204" charset="0"/>
+              </a:rPr>
+            </a:br>
+            <a:r>
+              <a:rPr lang="en-US" altLang="en-US" dirty="0">
+                <a:solidFill>
+                  <a:schemeClr val="bg1">
+                    <a:lumMod val="50000"/>
+                  </a:schemeClr>
+                </a:solidFill>
+                <a:latin typeface="Roboto" panose="020B0604020202020204" charset="0"/>
+                <a:ea typeface="Roboto" panose="020B0604020202020204" charset="0"/>
+              </a:rPr>
+              <a:t>       return current + </a:t>
+            </a:r>
+            <a:r>
+              <a:rPr lang="en-US" altLang="en-US" dirty="0" err="1">
+                <a:solidFill>
+                  <a:schemeClr val="bg1">
+                    <a:lumMod val="50000"/>
+                  </a:schemeClr>
+                </a:solidFill>
+                <a:latin typeface="Roboto" panose="020B0604020202020204" charset="0"/>
+                <a:ea typeface="Roboto" panose="020B0604020202020204" charset="0"/>
+              </a:rPr>
+              <a:t>prev</a:t>
+            </a:r>
+            <a:r>
+              <a:rPr lang="en-US" altLang="en-US" dirty="0">
+                <a:solidFill>
+                  <a:schemeClr val="bg1">
+                    <a:lumMod val="50000"/>
+                  </a:schemeClr>
+                </a:solidFill>
+                <a:latin typeface="Roboto" panose="020B0604020202020204" charset="0"/>
+                <a:ea typeface="Roboto" panose="020B0604020202020204" charset="0"/>
+              </a:rPr>
+              <a:t>;</a:t>
+            </a:r>
+            <a:br>
+              <a:rPr lang="en-US" altLang="en-US" dirty="0">
+                <a:solidFill>
+                  <a:schemeClr val="bg1">
+                    <a:lumMod val="50000"/>
+                  </a:schemeClr>
+                </a:solidFill>
+                <a:latin typeface="Roboto" panose="020B0604020202020204" charset="0"/>
+                <a:ea typeface="Roboto" panose="020B0604020202020204" charset="0"/>
+              </a:rPr>
+            </a:br>
+            <a:r>
+              <a:rPr lang="en-US" altLang="en-US" dirty="0">
+                <a:solidFill>
+                  <a:schemeClr val="bg1">
+                    <a:lumMod val="50000"/>
+                  </a:schemeClr>
+                </a:solidFill>
+                <a:latin typeface="Roboto" panose="020B0604020202020204" charset="0"/>
+                <a:ea typeface="Roboto" panose="020B0604020202020204" charset="0"/>
+              </a:rPr>
+              <a:t>       });</a:t>
+            </a:r>
+            <a:br>
+              <a:rPr lang="en-US" altLang="en-US" dirty="0">
+                <a:solidFill>
+                  <a:schemeClr val="bg1">
+                    <a:lumMod val="50000"/>
+                  </a:schemeClr>
+                </a:solidFill>
+                <a:latin typeface="Roboto" panose="020B0604020202020204" charset="0"/>
+                <a:ea typeface="Roboto" panose="020B0604020202020204" charset="0"/>
+              </a:rPr>
+            </a:br>
+            <a:r>
+              <a:rPr lang="en-US" altLang="en-US" dirty="0">
+                <a:solidFill>
+                  <a:schemeClr val="bg1">
+                    <a:lumMod val="50000"/>
+                  </a:schemeClr>
+                </a:solidFill>
+                <a:latin typeface="Roboto" panose="020B0604020202020204" charset="0"/>
+                <a:ea typeface="Roboto" panose="020B0604020202020204" charset="0"/>
+              </a:rPr>
+              <a:t>       return result;</a:t>
+            </a:r>
+            <a:br>
+              <a:rPr lang="en-US" altLang="en-US" dirty="0">
+                <a:solidFill>
+                  <a:schemeClr val="bg1">
+                    <a:lumMod val="50000"/>
+                  </a:schemeClr>
+                </a:solidFill>
+                <a:latin typeface="Roboto" panose="020B0604020202020204" charset="0"/>
+                <a:ea typeface="Roboto" panose="020B0604020202020204" charset="0"/>
+              </a:rPr>
+            </a:br>
+            <a:r>
+              <a:rPr lang="en-US" altLang="en-US" dirty="0">
+                <a:solidFill>
+                  <a:schemeClr val="bg1">
+                    <a:lumMod val="50000"/>
+                  </a:schemeClr>
+                </a:solidFill>
+                <a:latin typeface="Roboto" panose="020B0604020202020204" charset="0"/>
+                <a:ea typeface="Roboto" panose="020B0604020202020204" charset="0"/>
+              </a:rPr>
+              <a:t>}</a:t>
+            </a:r>
+          </a:p>
+          <a:p>
+            <a:pPr marL="114300" indent="0">
+              <a:buNone/>
+            </a:pPr>
+            <a:r>
+              <a:rPr lang="en-US" altLang="en-US" dirty="0">
+                <a:solidFill>
+                  <a:schemeClr val="bg1">
+                    <a:lumMod val="50000"/>
+                  </a:schemeClr>
+                </a:solidFill>
+                <a:latin typeface="Roboto" panose="020B0604020202020204" charset="0"/>
+                <a:ea typeface="Roboto" panose="020B0604020202020204" charset="0"/>
+              </a:rPr>
+              <a:t>sum(1,2,3,4,5); </a:t>
+            </a:r>
+          </a:p>
+          <a:p>
+            <a:pPr marL="114300" indent="0">
+              <a:buNone/>
+            </a:pPr>
+            <a:endParaRPr lang="en-US" dirty="0"/>
+          </a:p>
+        </p:txBody>
+      </p:sp>
+    </p:spTree>
+    <p:extLst>
+      <p:ext uri="{BB962C8B-B14F-4D97-AF65-F5344CB8AC3E}">
+        <p14:creationId xmlns:p14="http://schemas.microsoft.com/office/powerpoint/2010/main" val="1162783113"/>
+      </p:ext>
+    </p:extLst>
   </p:cSld>
   <p:clrMapOvr>
     <a:masterClrMapping/>
